--- a/Projects/Dollarma/FGC.pptx
+++ b/Projects/Dollarma/FGC.pptx
@@ -7,6 +7,7 @@
   <p:sldIdLst>
     <p:sldId id="256" r:id="rId2"/>
     <p:sldId id="257" r:id="rId3"/>
+    <p:sldId id="258" r:id="rId4"/>
   </p:sldIdLst>
   <p:sldSz cx="9144000" cy="6858000" type="screen4x3"/>
   <p:notesSz cx="6858000" cy="9144000"/>
@@ -105,6 +106,22 @@
       </a:defRPr>
     </a:lvl9pPr>
   </p:defaultTextStyle>
+  <p:extLst>
+    <p:ext uri="{EFAFB233-063F-42B5-8137-9DF3F51BA10A}">
+      <p15:sldGuideLst xmlns:p15="http://schemas.microsoft.com/office/powerpoint/2012/main">
+        <p15:guide id="1" orient="horz" pos="2160">
+          <p15:clr>
+            <a:srgbClr val="A4A3A4"/>
+          </p15:clr>
+        </p15:guide>
+        <p15:guide id="2" pos="2880">
+          <p15:clr>
+            <a:srgbClr val="A4A3A4"/>
+          </p15:clr>
+        </p15:guide>
+      </p15:sldGuideLst>
+    </p:ext>
+  </p:extLst>
 </p:presentation>
 </file>
 
@@ -890,6 +907,788 @@
 </dgm:colorsDef>
 </file>
 
+<file path=ppt/diagrams/colors2.xml><?xml version="1.0" encoding="utf-8"?>
+<dgm:colorsDef xmlns:dgm="http://schemas.openxmlformats.org/drawingml/2006/diagram" xmlns:a="http://schemas.openxmlformats.org/drawingml/2006/main" uniqueId="urn:microsoft.com/office/officeart/2005/8/colors/colorful5">
+  <dgm:title val=""/>
+  <dgm:desc val=""/>
+  <dgm:catLst>
+    <dgm:cat type="colorful" pri="10500"/>
+  </dgm:catLst>
+  <dgm:styleLbl name="node0">
+    <dgm:fillClrLst meth="repeat">
+      <a:schemeClr val="accent4"/>
+    </dgm:fillClrLst>
+    <dgm:linClrLst meth="repeat">
+      <a:schemeClr val="lt1"/>
+    </dgm:linClrLst>
+    <dgm:effectClrLst/>
+    <dgm:txLinClrLst/>
+    <dgm:txFillClrLst/>
+    <dgm:txEffectClrLst/>
+  </dgm:styleLbl>
+  <dgm:styleLbl name="node1">
+    <dgm:fillClrLst>
+      <a:schemeClr val="accent5"/>
+      <a:schemeClr val="accent6"/>
+    </dgm:fillClrLst>
+    <dgm:linClrLst meth="repeat">
+      <a:schemeClr val="lt1"/>
+    </dgm:linClrLst>
+    <dgm:effectClrLst/>
+    <dgm:txLinClrLst/>
+    <dgm:txFillClrLst/>
+    <dgm:txEffectClrLst/>
+  </dgm:styleLbl>
+  <dgm:styleLbl name="alignNode1">
+    <dgm:fillClrLst>
+      <a:schemeClr val="accent5"/>
+      <a:schemeClr val="accent6"/>
+    </dgm:fillClrLst>
+    <dgm:linClrLst>
+      <a:schemeClr val="accent5"/>
+      <a:schemeClr val="accent6"/>
+    </dgm:linClrLst>
+    <dgm:effectClrLst/>
+    <dgm:txLinClrLst/>
+    <dgm:txFillClrLst/>
+    <dgm:txEffectClrLst/>
+  </dgm:styleLbl>
+  <dgm:styleLbl name="lnNode1">
+    <dgm:fillClrLst>
+      <a:schemeClr val="accent5"/>
+      <a:schemeClr val="accent6"/>
+    </dgm:fillClrLst>
+    <dgm:linClrLst meth="repeat">
+      <a:schemeClr val="lt1"/>
+    </dgm:linClrLst>
+    <dgm:effectClrLst/>
+    <dgm:txLinClrLst/>
+    <dgm:txFillClrLst/>
+    <dgm:txEffectClrLst/>
+  </dgm:styleLbl>
+  <dgm:styleLbl name="vennNode1">
+    <dgm:fillClrLst>
+      <a:schemeClr val="accent5">
+        <a:alpha val="50000"/>
+      </a:schemeClr>
+      <a:schemeClr val="accent6">
+        <a:alpha val="50000"/>
+      </a:schemeClr>
+    </dgm:fillClrLst>
+    <dgm:linClrLst meth="repeat">
+      <a:schemeClr val="lt1"/>
+    </dgm:linClrLst>
+    <dgm:effectClrLst/>
+    <dgm:txLinClrLst/>
+    <dgm:txFillClrLst/>
+    <dgm:txEffectClrLst/>
+  </dgm:styleLbl>
+  <dgm:styleLbl name="node2">
+    <dgm:fillClrLst>
+      <a:schemeClr val="accent6"/>
+    </dgm:fillClrLst>
+    <dgm:linClrLst meth="repeat">
+      <a:schemeClr val="lt1"/>
+    </dgm:linClrLst>
+    <dgm:effectClrLst/>
+    <dgm:txLinClrLst/>
+    <dgm:txFillClrLst/>
+    <dgm:txEffectClrLst/>
+  </dgm:styleLbl>
+  <dgm:styleLbl name="node3">
+    <dgm:fillClrLst>
+      <a:schemeClr val="accent1"/>
+    </dgm:fillClrLst>
+    <dgm:linClrLst meth="repeat">
+      <a:schemeClr val="lt1"/>
+    </dgm:linClrLst>
+    <dgm:effectClrLst/>
+    <dgm:txLinClrLst/>
+    <dgm:txFillClrLst/>
+    <dgm:txEffectClrLst/>
+  </dgm:styleLbl>
+  <dgm:styleLbl name="node4">
+    <dgm:fillClrLst>
+      <a:schemeClr val="accent2"/>
+    </dgm:fillClrLst>
+    <dgm:linClrLst meth="repeat">
+      <a:schemeClr val="lt1"/>
+    </dgm:linClrLst>
+    <dgm:effectClrLst/>
+    <dgm:txLinClrLst/>
+    <dgm:txFillClrLst/>
+    <dgm:txEffectClrLst/>
+  </dgm:styleLbl>
+  <dgm:styleLbl name="fgImgPlace1">
+    <dgm:fillClrLst>
+      <a:schemeClr val="accent5">
+        <a:tint val="50000"/>
+      </a:schemeClr>
+      <a:schemeClr val="accent6">
+        <a:tint val="50000"/>
+      </a:schemeClr>
+    </dgm:fillClrLst>
+    <dgm:linClrLst meth="repeat">
+      <a:schemeClr val="lt1"/>
+    </dgm:linClrLst>
+    <dgm:effectClrLst/>
+    <dgm:txLinClrLst/>
+    <dgm:txFillClrLst meth="repeat">
+      <a:schemeClr val="lt1"/>
+    </dgm:txFillClrLst>
+    <dgm:txEffectClrLst/>
+  </dgm:styleLbl>
+  <dgm:styleLbl name="alignImgPlace1">
+    <dgm:fillClrLst>
+      <a:schemeClr val="accent5">
+        <a:tint val="50000"/>
+      </a:schemeClr>
+      <a:schemeClr val="accent6">
+        <a:tint val="20000"/>
+      </a:schemeClr>
+    </dgm:fillClrLst>
+    <dgm:linClrLst meth="repeat">
+      <a:schemeClr val="lt1"/>
+    </dgm:linClrLst>
+    <dgm:effectClrLst/>
+    <dgm:txLinClrLst/>
+    <dgm:txFillClrLst meth="repeat">
+      <a:schemeClr val="lt1"/>
+    </dgm:txFillClrLst>
+    <dgm:txEffectClrLst/>
+  </dgm:styleLbl>
+  <dgm:styleLbl name="bgImgPlace1">
+    <dgm:fillClrLst>
+      <a:schemeClr val="accent5">
+        <a:tint val="50000"/>
+      </a:schemeClr>
+      <a:schemeClr val="accent6">
+        <a:tint val="20000"/>
+      </a:schemeClr>
+    </dgm:fillClrLst>
+    <dgm:linClrLst meth="repeat">
+      <a:schemeClr val="lt1"/>
+    </dgm:linClrLst>
+    <dgm:effectClrLst/>
+    <dgm:txLinClrLst/>
+    <dgm:txFillClrLst meth="repeat">
+      <a:schemeClr val="lt1"/>
+    </dgm:txFillClrLst>
+    <dgm:txEffectClrLst/>
+  </dgm:styleLbl>
+  <dgm:styleLbl name="sibTrans2D1">
+    <dgm:fillClrLst>
+      <a:schemeClr val="accent5"/>
+      <a:schemeClr val="accent6"/>
+    </dgm:fillClrLst>
+    <dgm:linClrLst meth="repeat">
+      <a:schemeClr val="lt1"/>
+    </dgm:linClrLst>
+    <dgm:effectClrLst/>
+    <dgm:txLinClrLst/>
+    <dgm:txFillClrLst/>
+    <dgm:txEffectClrLst/>
+  </dgm:styleLbl>
+  <dgm:styleLbl name="fgSibTrans2D1">
+    <dgm:fillClrLst>
+      <a:schemeClr val="accent5"/>
+      <a:schemeClr val="accent6"/>
+    </dgm:fillClrLst>
+    <dgm:linClrLst meth="repeat">
+      <a:schemeClr val="lt1"/>
+    </dgm:linClrLst>
+    <dgm:effectClrLst/>
+    <dgm:txLinClrLst/>
+    <dgm:txFillClrLst meth="repeat">
+      <a:schemeClr val="lt1"/>
+    </dgm:txFillClrLst>
+    <dgm:txEffectClrLst/>
+  </dgm:styleLbl>
+  <dgm:styleLbl name="bgSibTrans2D1">
+    <dgm:fillClrLst>
+      <a:schemeClr val="accent5"/>
+      <a:schemeClr val="accent6"/>
+    </dgm:fillClrLst>
+    <dgm:linClrLst meth="repeat">
+      <a:schemeClr val="lt1"/>
+    </dgm:linClrLst>
+    <dgm:effectClrLst/>
+    <dgm:txLinClrLst/>
+    <dgm:txFillClrLst meth="repeat">
+      <a:schemeClr val="lt1"/>
+    </dgm:txFillClrLst>
+    <dgm:txEffectClrLst/>
+  </dgm:styleLbl>
+  <dgm:styleLbl name="sibTrans1D1">
+    <dgm:fillClrLst/>
+    <dgm:linClrLst>
+      <a:schemeClr val="accent5"/>
+      <a:schemeClr val="accent6"/>
+    </dgm:linClrLst>
+    <dgm:effectClrLst/>
+    <dgm:txLinClrLst/>
+    <dgm:txFillClrLst meth="repeat">
+      <a:schemeClr val="tx1"/>
+    </dgm:txFillClrLst>
+    <dgm:txEffectClrLst/>
+  </dgm:styleLbl>
+  <dgm:styleLbl name="callout">
+    <dgm:fillClrLst meth="repeat">
+      <a:schemeClr val="accent5"/>
+    </dgm:fillClrLst>
+    <dgm:linClrLst meth="repeat">
+      <a:schemeClr val="accent5">
+        <a:tint val="50000"/>
+      </a:schemeClr>
+    </dgm:linClrLst>
+    <dgm:effectClrLst/>
+    <dgm:txLinClrLst/>
+    <dgm:txFillClrLst meth="repeat">
+      <a:schemeClr val="tx1"/>
+    </dgm:txFillClrLst>
+    <dgm:txEffectClrLst/>
+  </dgm:styleLbl>
+  <dgm:styleLbl name="asst0">
+    <dgm:fillClrLst meth="repeat">
+      <a:schemeClr val="accent5"/>
+    </dgm:fillClrLst>
+    <dgm:linClrLst meth="repeat">
+      <a:schemeClr val="lt1">
+        <a:shade val="80000"/>
+      </a:schemeClr>
+    </dgm:linClrLst>
+    <dgm:effectClrLst/>
+    <dgm:txLinClrLst/>
+    <dgm:txFillClrLst/>
+    <dgm:txEffectClrLst/>
+  </dgm:styleLbl>
+  <dgm:styleLbl name="asst1">
+    <dgm:fillClrLst meth="repeat">
+      <a:schemeClr val="accent6"/>
+    </dgm:fillClrLst>
+    <dgm:linClrLst meth="repeat">
+      <a:schemeClr val="lt1">
+        <a:shade val="80000"/>
+      </a:schemeClr>
+    </dgm:linClrLst>
+    <dgm:effectClrLst/>
+    <dgm:txLinClrLst/>
+    <dgm:txFillClrLst/>
+    <dgm:txEffectClrLst/>
+  </dgm:styleLbl>
+  <dgm:styleLbl name="asst2">
+    <dgm:fillClrLst>
+      <a:schemeClr val="accent1"/>
+    </dgm:fillClrLst>
+    <dgm:linClrLst meth="repeat">
+      <a:schemeClr val="lt1"/>
+    </dgm:linClrLst>
+    <dgm:effectClrLst/>
+    <dgm:txLinClrLst/>
+    <dgm:txFillClrLst/>
+    <dgm:txEffectClrLst/>
+  </dgm:styleLbl>
+  <dgm:styleLbl name="asst3">
+    <dgm:fillClrLst>
+      <a:schemeClr val="accent2"/>
+    </dgm:fillClrLst>
+    <dgm:linClrLst meth="repeat">
+      <a:schemeClr val="lt1"/>
+    </dgm:linClrLst>
+    <dgm:effectClrLst/>
+    <dgm:txLinClrLst/>
+    <dgm:txFillClrLst/>
+    <dgm:txEffectClrLst/>
+  </dgm:styleLbl>
+  <dgm:styleLbl name="asst4">
+    <dgm:fillClrLst>
+      <a:schemeClr val="accent3"/>
+    </dgm:fillClrLst>
+    <dgm:linClrLst meth="repeat">
+      <a:schemeClr val="lt1"/>
+    </dgm:linClrLst>
+    <dgm:effectClrLst/>
+    <dgm:txLinClrLst/>
+    <dgm:txFillClrLst/>
+    <dgm:txEffectClrLst/>
+  </dgm:styleLbl>
+  <dgm:styleLbl name="parChTrans2D1">
+    <dgm:fillClrLst meth="repeat">
+      <a:schemeClr val="accent5"/>
+    </dgm:fillClrLst>
+    <dgm:linClrLst meth="repeat">
+      <a:schemeClr val="lt1"/>
+    </dgm:linClrLst>
+    <dgm:effectClrLst/>
+    <dgm:txLinClrLst/>
+    <dgm:txFillClrLst meth="repeat">
+      <a:schemeClr val="lt1"/>
+    </dgm:txFillClrLst>
+    <dgm:txEffectClrLst/>
+  </dgm:styleLbl>
+  <dgm:styleLbl name="parChTrans2D2">
+    <dgm:fillClrLst meth="repeat">
+      <a:schemeClr val="accent6"/>
+    </dgm:fillClrLst>
+    <dgm:linClrLst meth="repeat">
+      <a:schemeClr val="lt1"/>
+    </dgm:linClrLst>
+    <dgm:effectClrLst/>
+    <dgm:txLinClrLst/>
+    <dgm:txFillClrLst/>
+    <dgm:txEffectClrLst/>
+  </dgm:styleLbl>
+  <dgm:styleLbl name="parChTrans2D3">
+    <dgm:fillClrLst meth="repeat">
+      <a:schemeClr val="accent6"/>
+    </dgm:fillClrLst>
+    <dgm:linClrLst meth="repeat">
+      <a:schemeClr val="lt1"/>
+    </dgm:linClrLst>
+    <dgm:effectClrLst/>
+    <dgm:txLinClrLst/>
+    <dgm:txFillClrLst/>
+    <dgm:txEffectClrLst/>
+  </dgm:styleLbl>
+  <dgm:styleLbl name="parChTrans2D4">
+    <dgm:fillClrLst meth="repeat">
+      <a:schemeClr val="accent1"/>
+    </dgm:fillClrLst>
+    <dgm:linClrLst meth="repeat">
+      <a:schemeClr val="lt1"/>
+    </dgm:linClrLst>
+    <dgm:effectClrLst/>
+    <dgm:txLinClrLst/>
+    <dgm:txFillClrLst meth="repeat">
+      <a:schemeClr val="lt1"/>
+    </dgm:txFillClrLst>
+    <dgm:txEffectClrLst/>
+  </dgm:styleLbl>
+  <dgm:styleLbl name="parChTrans1D1">
+    <dgm:fillClrLst meth="repeat">
+      <a:schemeClr val="accent5"/>
+    </dgm:fillClrLst>
+    <dgm:linClrLst meth="repeat">
+      <a:schemeClr val="accent5"/>
+    </dgm:linClrLst>
+    <dgm:effectClrLst/>
+    <dgm:txLinClrLst/>
+    <dgm:txFillClrLst meth="repeat">
+      <a:schemeClr val="tx1"/>
+    </dgm:txFillClrLst>
+    <dgm:txEffectClrLst/>
+  </dgm:styleLbl>
+  <dgm:styleLbl name="parChTrans1D2">
+    <dgm:fillClrLst meth="repeat">
+      <a:schemeClr val="accent6">
+        <a:tint val="90000"/>
+      </a:schemeClr>
+    </dgm:fillClrLst>
+    <dgm:linClrLst meth="repeat">
+      <a:schemeClr val="accent6"/>
+    </dgm:linClrLst>
+    <dgm:effectClrLst/>
+    <dgm:txLinClrLst/>
+    <dgm:txFillClrLst meth="repeat">
+      <a:schemeClr val="tx1"/>
+    </dgm:txFillClrLst>
+    <dgm:txEffectClrLst/>
+  </dgm:styleLbl>
+  <dgm:styleLbl name="parChTrans1D3">
+    <dgm:fillClrLst meth="repeat">
+      <a:schemeClr val="accent6">
+        <a:tint val="70000"/>
+      </a:schemeClr>
+    </dgm:fillClrLst>
+    <dgm:linClrLst meth="repeat">
+      <a:schemeClr val="accent1"/>
+    </dgm:linClrLst>
+    <dgm:effectClrLst/>
+    <dgm:txLinClrLst/>
+    <dgm:txFillClrLst meth="repeat">
+      <a:schemeClr val="tx1"/>
+    </dgm:txFillClrLst>
+    <dgm:txEffectClrLst/>
+  </dgm:styleLbl>
+  <dgm:styleLbl name="parChTrans1D4">
+    <dgm:fillClrLst meth="repeat">
+      <a:schemeClr val="accent6">
+        <a:tint val="50000"/>
+      </a:schemeClr>
+    </dgm:fillClrLst>
+    <dgm:linClrLst meth="repeat">
+      <a:schemeClr val="accent2"/>
+    </dgm:linClrLst>
+    <dgm:effectClrLst/>
+    <dgm:txLinClrLst/>
+    <dgm:txFillClrLst meth="repeat">
+      <a:schemeClr val="tx1"/>
+    </dgm:txFillClrLst>
+    <dgm:txEffectClrLst/>
+  </dgm:styleLbl>
+  <dgm:styleLbl name="fgAcc1">
+    <dgm:fillClrLst meth="repeat">
+      <a:schemeClr val="lt1">
+        <a:alpha val="90000"/>
+      </a:schemeClr>
+    </dgm:fillClrLst>
+    <dgm:linClrLst>
+      <a:schemeClr val="accent5"/>
+      <a:schemeClr val="accent6"/>
+    </dgm:linClrLst>
+    <dgm:effectClrLst/>
+    <dgm:txLinClrLst/>
+    <dgm:txFillClrLst meth="repeat">
+      <a:schemeClr val="dk1"/>
+    </dgm:txFillClrLst>
+    <dgm:txEffectClrLst/>
+  </dgm:styleLbl>
+  <dgm:styleLbl name="conFgAcc1">
+    <dgm:fillClrLst meth="repeat">
+      <a:schemeClr val="lt1">
+        <a:alpha val="90000"/>
+      </a:schemeClr>
+    </dgm:fillClrLst>
+    <dgm:linClrLst>
+      <a:schemeClr val="accent5"/>
+      <a:schemeClr val="accent6"/>
+    </dgm:linClrLst>
+    <dgm:effectClrLst/>
+    <dgm:txLinClrLst/>
+    <dgm:txFillClrLst meth="repeat">
+      <a:schemeClr val="dk1"/>
+    </dgm:txFillClrLst>
+    <dgm:txEffectClrLst/>
+  </dgm:styleLbl>
+  <dgm:styleLbl name="alignAcc1">
+    <dgm:fillClrLst meth="repeat">
+      <a:schemeClr val="lt1">
+        <a:alpha val="90000"/>
+      </a:schemeClr>
+    </dgm:fillClrLst>
+    <dgm:linClrLst>
+      <a:schemeClr val="accent5"/>
+      <a:schemeClr val="accent6"/>
+    </dgm:linClrLst>
+    <dgm:effectClrLst/>
+    <dgm:txLinClrLst/>
+    <dgm:txFillClrLst meth="repeat">
+      <a:schemeClr val="dk1"/>
+    </dgm:txFillClrLst>
+    <dgm:txEffectClrLst/>
+  </dgm:styleLbl>
+  <dgm:styleLbl name="trAlignAcc1">
+    <dgm:fillClrLst meth="repeat">
+      <a:schemeClr val="lt1">
+        <a:alpha val="40000"/>
+      </a:schemeClr>
+    </dgm:fillClrLst>
+    <dgm:linClrLst meth="repeat">
+      <a:schemeClr val="accent5"/>
+    </dgm:linClrLst>
+    <dgm:effectClrLst/>
+    <dgm:txLinClrLst/>
+    <dgm:txFillClrLst meth="repeat">
+      <a:schemeClr val="dk1"/>
+    </dgm:txFillClrLst>
+    <dgm:txEffectClrLst/>
+  </dgm:styleLbl>
+  <dgm:styleLbl name="bgAcc1">
+    <dgm:fillClrLst meth="repeat">
+      <a:schemeClr val="lt1">
+        <a:alpha val="90000"/>
+      </a:schemeClr>
+    </dgm:fillClrLst>
+    <dgm:linClrLst>
+      <a:schemeClr val="accent5"/>
+      <a:schemeClr val="accent6"/>
+    </dgm:linClrLst>
+    <dgm:effectClrLst/>
+    <dgm:txLinClrLst/>
+    <dgm:txFillClrLst meth="repeat">
+      <a:schemeClr val="dk1"/>
+    </dgm:txFillClrLst>
+    <dgm:txEffectClrLst/>
+  </dgm:styleLbl>
+  <dgm:styleLbl name="solidFgAcc1">
+    <dgm:fillClrLst meth="repeat">
+      <a:schemeClr val="lt1"/>
+    </dgm:fillClrLst>
+    <dgm:linClrLst>
+      <a:schemeClr val="accent5"/>
+      <a:schemeClr val="accent6"/>
+    </dgm:linClrLst>
+    <dgm:effectClrLst/>
+    <dgm:txLinClrLst/>
+    <dgm:txFillClrLst meth="repeat">
+      <a:schemeClr val="dk1"/>
+    </dgm:txFillClrLst>
+    <dgm:txEffectClrLst/>
+  </dgm:styleLbl>
+  <dgm:styleLbl name="solidAlignAcc1">
+    <dgm:fillClrLst meth="repeat">
+      <a:schemeClr val="lt1"/>
+    </dgm:fillClrLst>
+    <dgm:linClrLst>
+      <a:schemeClr val="accent5"/>
+      <a:schemeClr val="accent6"/>
+    </dgm:linClrLst>
+    <dgm:effectClrLst/>
+    <dgm:txLinClrLst/>
+    <dgm:txFillClrLst meth="repeat">
+      <a:schemeClr val="dk1"/>
+    </dgm:txFillClrLst>
+    <dgm:txEffectClrLst/>
+  </dgm:styleLbl>
+  <dgm:styleLbl name="solidBgAcc1">
+    <dgm:fillClrLst meth="repeat">
+      <a:schemeClr val="lt1"/>
+    </dgm:fillClrLst>
+    <dgm:linClrLst>
+      <a:schemeClr val="accent5"/>
+      <a:schemeClr val="accent6"/>
+    </dgm:linClrLst>
+    <dgm:effectClrLst/>
+    <dgm:txLinClrLst/>
+    <dgm:txFillClrLst meth="repeat">
+      <a:schemeClr val="dk1"/>
+    </dgm:txFillClrLst>
+    <dgm:txEffectClrLst/>
+  </dgm:styleLbl>
+  <dgm:styleLbl name="fgAccFollowNode1">
+    <dgm:fillClrLst>
+      <a:schemeClr val="accent5">
+        <a:tint val="40000"/>
+        <a:alpha val="90000"/>
+      </a:schemeClr>
+      <a:schemeClr val="accent6">
+        <a:tint val="40000"/>
+        <a:alpha val="90000"/>
+      </a:schemeClr>
+    </dgm:fillClrLst>
+    <dgm:linClrLst>
+      <a:schemeClr val="accent5">
+        <a:tint val="40000"/>
+        <a:alpha val="90000"/>
+      </a:schemeClr>
+      <a:schemeClr val="accent5">
+        <a:tint val="40000"/>
+        <a:alpha val="90000"/>
+      </a:schemeClr>
+    </dgm:linClrLst>
+    <dgm:effectClrLst/>
+    <dgm:txLinClrLst/>
+    <dgm:txFillClrLst meth="repeat">
+      <a:schemeClr val="dk1"/>
+    </dgm:txFillClrLst>
+    <dgm:txEffectClrLst/>
+  </dgm:styleLbl>
+  <dgm:styleLbl name="alignAccFollowNode1">
+    <dgm:fillClrLst>
+      <a:schemeClr val="accent5">
+        <a:tint val="40000"/>
+        <a:alpha val="90000"/>
+      </a:schemeClr>
+      <a:schemeClr val="accent6">
+        <a:tint val="40000"/>
+        <a:alpha val="90000"/>
+      </a:schemeClr>
+    </dgm:fillClrLst>
+    <dgm:linClrLst>
+      <a:schemeClr val="accent5">
+        <a:tint val="40000"/>
+        <a:alpha val="90000"/>
+      </a:schemeClr>
+      <a:schemeClr val="accent6">
+        <a:tint val="40000"/>
+        <a:alpha val="90000"/>
+      </a:schemeClr>
+    </dgm:linClrLst>
+    <dgm:effectClrLst/>
+    <dgm:txLinClrLst/>
+    <dgm:txFillClrLst meth="repeat">
+      <a:schemeClr val="dk1"/>
+    </dgm:txFillClrLst>
+    <dgm:txEffectClrLst/>
+  </dgm:styleLbl>
+  <dgm:styleLbl name="bgAccFollowNode1">
+    <dgm:fillClrLst>
+      <a:schemeClr val="accent5">
+        <a:tint val="40000"/>
+        <a:alpha val="90000"/>
+      </a:schemeClr>
+      <a:schemeClr val="accent6">
+        <a:tint val="40000"/>
+        <a:alpha val="90000"/>
+      </a:schemeClr>
+    </dgm:fillClrLst>
+    <dgm:linClrLst>
+      <a:schemeClr val="accent5">
+        <a:tint val="40000"/>
+        <a:alpha val="90000"/>
+      </a:schemeClr>
+      <a:schemeClr val="accent6">
+        <a:tint val="40000"/>
+        <a:alpha val="90000"/>
+      </a:schemeClr>
+    </dgm:linClrLst>
+    <dgm:effectClrLst/>
+    <dgm:txLinClrLst/>
+    <dgm:txFillClrLst meth="repeat">
+      <a:schemeClr val="dk1"/>
+    </dgm:txFillClrLst>
+    <dgm:txEffectClrLst/>
+  </dgm:styleLbl>
+  <dgm:styleLbl name="fgAcc0">
+    <dgm:fillClrLst meth="repeat">
+      <a:schemeClr val="lt1">
+        <a:alpha val="90000"/>
+      </a:schemeClr>
+    </dgm:fillClrLst>
+    <dgm:linClrLst>
+      <a:schemeClr val="accent4"/>
+    </dgm:linClrLst>
+    <dgm:effectClrLst/>
+    <dgm:txLinClrLst/>
+    <dgm:txFillClrLst meth="repeat">
+      <a:schemeClr val="dk1"/>
+    </dgm:txFillClrLst>
+    <dgm:txEffectClrLst/>
+  </dgm:styleLbl>
+  <dgm:styleLbl name="fgAcc2">
+    <dgm:fillClrLst meth="repeat">
+      <a:schemeClr val="lt1">
+        <a:alpha val="90000"/>
+      </a:schemeClr>
+    </dgm:fillClrLst>
+    <dgm:linClrLst>
+      <a:schemeClr val="accent6"/>
+    </dgm:linClrLst>
+    <dgm:effectClrLst/>
+    <dgm:txLinClrLst/>
+    <dgm:txFillClrLst meth="repeat">
+      <a:schemeClr val="dk1"/>
+    </dgm:txFillClrLst>
+    <dgm:txEffectClrLst/>
+  </dgm:styleLbl>
+  <dgm:styleLbl name="fgAcc3">
+    <dgm:fillClrLst meth="repeat">
+      <a:schemeClr val="lt1">
+        <a:alpha val="90000"/>
+      </a:schemeClr>
+    </dgm:fillClrLst>
+    <dgm:linClrLst>
+      <a:schemeClr val="accent1"/>
+    </dgm:linClrLst>
+    <dgm:effectClrLst/>
+    <dgm:txLinClrLst/>
+    <dgm:txFillClrLst meth="repeat">
+      <a:schemeClr val="dk1"/>
+    </dgm:txFillClrLst>
+    <dgm:txEffectClrLst/>
+  </dgm:styleLbl>
+  <dgm:styleLbl name="fgAcc4">
+    <dgm:fillClrLst meth="repeat">
+      <a:schemeClr val="lt1">
+        <a:alpha val="90000"/>
+      </a:schemeClr>
+    </dgm:fillClrLst>
+    <dgm:linClrLst>
+      <a:schemeClr val="accent2"/>
+    </dgm:linClrLst>
+    <dgm:effectClrLst/>
+    <dgm:txLinClrLst/>
+    <dgm:txFillClrLst meth="repeat">
+      <a:schemeClr val="dk1"/>
+    </dgm:txFillClrLst>
+    <dgm:txEffectClrLst/>
+  </dgm:styleLbl>
+  <dgm:styleLbl name="bgShp">
+    <dgm:fillClrLst meth="repeat">
+      <a:schemeClr val="accent5">
+        <a:tint val="40000"/>
+      </a:schemeClr>
+    </dgm:fillClrLst>
+    <dgm:linClrLst meth="repeat">
+      <a:schemeClr val="dk1"/>
+    </dgm:linClrLst>
+    <dgm:effectClrLst/>
+    <dgm:txLinClrLst/>
+    <dgm:txFillClrLst meth="repeat">
+      <a:schemeClr val="dk1"/>
+    </dgm:txFillClrLst>
+    <dgm:txEffectClrLst/>
+  </dgm:styleLbl>
+  <dgm:styleLbl name="dkBgShp">
+    <dgm:fillClrLst meth="repeat">
+      <a:schemeClr val="accent5">
+        <a:shade val="90000"/>
+      </a:schemeClr>
+    </dgm:fillClrLst>
+    <dgm:linClrLst meth="repeat">
+      <a:schemeClr val="dk1"/>
+    </dgm:linClrLst>
+    <dgm:effectClrLst/>
+    <dgm:txLinClrLst/>
+    <dgm:txFillClrLst meth="repeat">
+      <a:schemeClr val="lt1"/>
+    </dgm:txFillClrLst>
+    <dgm:txEffectClrLst/>
+  </dgm:styleLbl>
+  <dgm:styleLbl name="trBgShp">
+    <dgm:fillClrLst meth="repeat">
+      <a:schemeClr val="accent5">
+        <a:tint val="50000"/>
+        <a:alpha val="40000"/>
+      </a:schemeClr>
+    </dgm:fillClrLst>
+    <dgm:linClrLst meth="repeat">
+      <a:schemeClr val="accent5"/>
+    </dgm:linClrLst>
+    <dgm:effectClrLst/>
+    <dgm:txLinClrLst/>
+    <dgm:txFillClrLst meth="repeat">
+      <a:schemeClr val="lt1"/>
+    </dgm:txFillClrLst>
+    <dgm:txEffectClrLst/>
+  </dgm:styleLbl>
+  <dgm:styleLbl name="fgShp">
+    <dgm:fillClrLst meth="repeat">
+      <a:schemeClr val="accent5">
+        <a:tint val="40000"/>
+      </a:schemeClr>
+    </dgm:fillClrLst>
+    <dgm:linClrLst meth="repeat">
+      <a:schemeClr val="lt1"/>
+    </dgm:linClrLst>
+    <dgm:effectClrLst/>
+    <dgm:txLinClrLst/>
+    <dgm:txFillClrLst meth="repeat">
+      <a:schemeClr val="dk1"/>
+    </dgm:txFillClrLst>
+    <dgm:txEffectClrLst/>
+  </dgm:styleLbl>
+  <dgm:styleLbl name="revTx">
+    <dgm:fillClrLst meth="repeat">
+      <a:schemeClr val="lt1">
+        <a:alpha val="0"/>
+      </a:schemeClr>
+    </dgm:fillClrLst>
+    <dgm:linClrLst meth="repeat">
+      <a:schemeClr val="dk1">
+        <a:alpha val="0"/>
+      </a:schemeClr>
+    </dgm:linClrLst>
+    <dgm:effectClrLst/>
+    <dgm:txLinClrLst/>
+    <dgm:txFillClrLst meth="repeat">
+      <a:schemeClr val="tx1"/>
+    </dgm:txFillClrLst>
+    <dgm:txEffectClrLst/>
+  </dgm:styleLbl>
+</dgm:colorsDef>
+</file>
+
 <file path=ppt/diagrams/data1.xml><?xml version="1.0" encoding="utf-8"?>
 <dgm:dataModel xmlns:dgm="http://schemas.openxmlformats.org/drawingml/2006/diagram" xmlns:a="http://schemas.openxmlformats.org/drawingml/2006/main">
   <dgm:ptLst>
@@ -905,7 +1704,7 @@
         <a:lstStyle/>
         <a:p>
           <a:r>
-            <a:rPr lang="en-US" dirty="0" smtClean="0"/>
+            <a:rPr lang="en-US" dirty="0"/>
             <a:t>2017/12</a:t>
           </a:r>
           <a:endParaRPr lang="zh-CN" altLang="en-US" dirty="0"/>
@@ -942,7 +1741,7 @@
         <a:lstStyle/>
         <a:p>
           <a:r>
-            <a:rPr lang="en-CA" altLang="zh-CN" dirty="0" smtClean="0"/>
+            <a:rPr lang="en-CA" altLang="zh-CN" dirty="0"/>
             <a:t>2018/02</a:t>
           </a:r>
           <a:endParaRPr lang="zh-CN" altLang="en-US" dirty="0"/>
@@ -979,7 +1778,7 @@
         <a:lstStyle/>
         <a:p>
           <a:r>
-            <a:rPr lang="en-CA" altLang="zh-CN" dirty="0" smtClean="0"/>
+            <a:rPr lang="en-CA" altLang="zh-CN" dirty="0"/>
             <a:t>2018/03</a:t>
           </a:r>
           <a:endParaRPr lang="zh-CN" altLang="en-US" dirty="0"/>
@@ -1016,7 +1815,7 @@
         <a:lstStyle/>
         <a:p>
           <a:r>
-            <a:rPr lang="en-CA" altLang="zh-CN" dirty="0" smtClean="0"/>
+            <a:rPr lang="en-CA" altLang="zh-CN" dirty="0"/>
             <a:t>2018/05</a:t>
           </a:r>
           <a:endParaRPr lang="zh-CN" altLang="en-US" dirty="0"/>
@@ -1053,7 +1852,7 @@
         <a:lstStyle/>
         <a:p>
           <a:r>
-            <a:rPr lang="en-CA" altLang="zh-CN" dirty="0" smtClean="0"/>
+            <a:rPr lang="en-CA" altLang="zh-CN" dirty="0"/>
             <a:t>2018/06</a:t>
           </a:r>
           <a:endParaRPr lang="zh-CN" altLang="en-US" dirty="0"/>
@@ -1090,7 +1889,7 @@
         <a:lstStyle/>
         <a:p>
           <a:r>
-            <a:rPr lang="en-CA" altLang="zh-CN" dirty="0" smtClean="0"/>
+            <a:rPr lang="en-CA" altLang="zh-CN" dirty="0"/>
             <a:t>2018/07</a:t>
           </a:r>
           <a:endParaRPr lang="zh-CN" altLang="en-US" dirty="0"/>
@@ -1127,7 +1926,7 @@
         <a:lstStyle/>
         <a:p>
           <a:r>
-            <a:rPr lang="en-CA" altLang="zh-CN" dirty="0" smtClean="0"/>
+            <a:rPr lang="en-CA" altLang="zh-CN" dirty="0"/>
             <a:t>2018/08</a:t>
           </a:r>
           <a:endParaRPr lang="zh-CN" altLang="en-US" dirty="0"/>
@@ -1262,21 +2061,21 @@
     </dgm:pt>
   </dgm:ptLst>
   <dgm:cxnLst>
-    <dgm:cxn modelId="{AF58D09C-1543-4DBF-BC9A-F3B71D525C3E}" type="presOf" srcId="{A8EC9017-AA78-45D0-9DB5-BE61D1891323}" destId="{9CE58153-55F3-469E-A5E9-3B3B314F8704}" srcOrd="0" destOrd="0" presId="urn:microsoft.com/office/officeart/2005/8/layout/chevron1"/>
-    <dgm:cxn modelId="{A4FA2FFB-91BC-4078-8781-6DBD972256B6}" srcId="{1435464A-05C4-4486-97D7-3F666DA73DA0}" destId="{4D55C3C4-FDCD-4312-9C2E-FB650FA36B12}" srcOrd="3" destOrd="0" parTransId="{6E126B38-94A1-44E0-8B92-81757D31C209}" sibTransId="{BC949262-0FDB-4294-9FB3-A2D7D437D70F}"/>
     <dgm:cxn modelId="{E5F89D1C-5053-42CA-935F-91D5892A1423}" srcId="{1435464A-05C4-4486-97D7-3F666DA73DA0}" destId="{A8EC9017-AA78-45D0-9DB5-BE61D1891323}" srcOrd="0" destOrd="0" parTransId="{0C1C5FB9-D805-4E2F-BC13-FBB41AEC623A}" sibTransId="{65E48A0E-2748-4C41-980E-9B698196A77A}"/>
-    <dgm:cxn modelId="{ACDAE9AE-C26F-4F46-9771-32BB335EA835}" srcId="{1435464A-05C4-4486-97D7-3F666DA73DA0}" destId="{85A51578-B784-465F-AB19-10892BE4851F}" srcOrd="1" destOrd="0" parTransId="{1E0D7A4A-26E7-4F7B-8671-35B100717C1F}" sibTransId="{B2482EFE-4582-4960-B8E9-315BCF0FFE4C}"/>
+    <dgm:cxn modelId="{D340C23C-73C0-40D1-8DFF-DD21AA847CAD}" srcId="{1435464A-05C4-4486-97D7-3F666DA73DA0}" destId="{35544659-12CA-4CA7-82AF-D48389929CAD}" srcOrd="4" destOrd="0" parTransId="{EEF15612-DBB0-4325-9FB1-B7FBFC95C994}" sibTransId="{48243680-B258-4EA4-BE5E-A793E13A3470}"/>
+    <dgm:cxn modelId="{5087103E-1AA3-4BFE-A333-B792DAEEE7D2}" type="presOf" srcId="{1435464A-05C4-4486-97D7-3F666DA73DA0}" destId="{BA2828C1-CDAF-4ED6-82C7-F9C037E8E9E5}" srcOrd="0" destOrd="0" presId="urn:microsoft.com/office/officeart/2005/8/layout/chevron1"/>
+    <dgm:cxn modelId="{94DBAA5D-CBDE-421A-9B22-4300E3864866}" srcId="{1435464A-05C4-4486-97D7-3F666DA73DA0}" destId="{5329F0EE-2CE2-4BC5-8B6B-C007C5845749}" srcOrd="6" destOrd="0" parTransId="{52760FF6-17F8-4133-B04F-7CEF6393DB66}" sibTransId="{C1F575C8-845D-495D-A2F1-7FC21DBA95B0}"/>
+    <dgm:cxn modelId="{87CA4C4E-6074-44DC-9CA6-86667546F611}" type="presOf" srcId="{99A698DA-29D0-4EEE-92DD-C5285DA7438C}" destId="{E218C595-58BC-437C-A35F-4FBD3423DAD7}" srcOrd="0" destOrd="0" presId="urn:microsoft.com/office/officeart/2005/8/layout/chevron1"/>
+    <dgm:cxn modelId="{9E251955-751D-46CC-9CF5-809BAEC6AB78}" type="presOf" srcId="{35544659-12CA-4CA7-82AF-D48389929CAD}" destId="{35BA1647-F233-4EE7-B839-BE444388C00C}" srcOrd="0" destOrd="0" presId="urn:microsoft.com/office/officeart/2005/8/layout/chevron1"/>
     <dgm:cxn modelId="{EF77F088-806B-4231-BAD4-CBE42FAFF894}" srcId="{1435464A-05C4-4486-97D7-3F666DA73DA0}" destId="{99A698DA-29D0-4EEE-92DD-C5285DA7438C}" srcOrd="2" destOrd="0" parTransId="{B375F847-3B87-4D37-AABA-75A98C3A7421}" sibTransId="{72D90000-BF89-4877-ADCC-FC57C9EADB5D}"/>
-    <dgm:cxn modelId="{87CA4C4E-6074-44DC-9CA6-86667546F611}" type="presOf" srcId="{99A698DA-29D0-4EEE-92DD-C5285DA7438C}" destId="{E218C595-58BC-437C-A35F-4FBD3423DAD7}" srcOrd="0" destOrd="0" presId="urn:microsoft.com/office/officeart/2005/8/layout/chevron1"/>
-    <dgm:cxn modelId="{5087103E-1AA3-4BFE-A333-B792DAEEE7D2}" type="presOf" srcId="{1435464A-05C4-4486-97D7-3F666DA73DA0}" destId="{BA2828C1-CDAF-4ED6-82C7-F9C037E8E9E5}" srcOrd="0" destOrd="0" presId="urn:microsoft.com/office/officeart/2005/8/layout/chevron1"/>
+    <dgm:cxn modelId="{2E49FC8F-C511-441D-8767-411FBFC6F465}" type="presOf" srcId="{85A51578-B784-465F-AB19-10892BE4851F}" destId="{A8EA14AF-AC4D-48E7-9F8E-99402460300A}" srcOrd="0" destOrd="0" presId="urn:microsoft.com/office/officeart/2005/8/layout/chevron1"/>
     <dgm:cxn modelId="{4253BF95-15B0-4AAD-8EFB-7A2837D4E27D}" srcId="{1435464A-05C4-4486-97D7-3F666DA73DA0}" destId="{55605D77-0AC4-42E6-9A98-AF4748B2B6B5}" srcOrd="5" destOrd="0" parTransId="{8FE41727-8D5E-4937-95AD-130ED7AE3487}" sibTransId="{B9564CD8-0FC8-4953-AD73-0232EF56AECB}"/>
-    <dgm:cxn modelId="{9234EACE-1ABF-4391-B618-65488626ECED}" type="presOf" srcId="{5329F0EE-2CE2-4BC5-8B6B-C007C5845749}" destId="{B57FB7F3-70E9-4A7B-ADA5-543A03044227}" srcOrd="0" destOrd="0" presId="urn:microsoft.com/office/officeart/2005/8/layout/chevron1"/>
     <dgm:cxn modelId="{F3F2FC98-E098-406A-9335-0F7201487076}" type="presOf" srcId="{55605D77-0AC4-42E6-9A98-AF4748B2B6B5}" destId="{870038F8-9399-4AF5-B9F4-18CBF4A82975}" srcOrd="0" destOrd="0" presId="urn:microsoft.com/office/officeart/2005/8/layout/chevron1"/>
     <dgm:cxn modelId="{E7462F9B-2228-466C-AED6-C2F9B9C7B03B}" type="presOf" srcId="{4D55C3C4-FDCD-4312-9C2E-FB650FA36B12}" destId="{4E599397-4688-4D44-83B9-07694F96B9DF}" srcOrd="0" destOrd="0" presId="urn:microsoft.com/office/officeart/2005/8/layout/chevron1"/>
-    <dgm:cxn modelId="{9E251955-751D-46CC-9CF5-809BAEC6AB78}" type="presOf" srcId="{35544659-12CA-4CA7-82AF-D48389929CAD}" destId="{35BA1647-F233-4EE7-B839-BE444388C00C}" srcOrd="0" destOrd="0" presId="urn:microsoft.com/office/officeart/2005/8/layout/chevron1"/>
-    <dgm:cxn modelId="{D340C23C-73C0-40D1-8DFF-DD21AA847CAD}" srcId="{1435464A-05C4-4486-97D7-3F666DA73DA0}" destId="{35544659-12CA-4CA7-82AF-D48389929CAD}" srcOrd="4" destOrd="0" parTransId="{EEF15612-DBB0-4325-9FB1-B7FBFC95C994}" sibTransId="{48243680-B258-4EA4-BE5E-A793E13A3470}"/>
-    <dgm:cxn modelId="{2E49FC8F-C511-441D-8767-411FBFC6F465}" type="presOf" srcId="{85A51578-B784-465F-AB19-10892BE4851F}" destId="{A8EA14AF-AC4D-48E7-9F8E-99402460300A}" srcOrd="0" destOrd="0" presId="urn:microsoft.com/office/officeart/2005/8/layout/chevron1"/>
-    <dgm:cxn modelId="{94DBAA5D-CBDE-421A-9B22-4300E3864866}" srcId="{1435464A-05C4-4486-97D7-3F666DA73DA0}" destId="{5329F0EE-2CE2-4BC5-8B6B-C007C5845749}" srcOrd="6" destOrd="0" parTransId="{52760FF6-17F8-4133-B04F-7CEF6393DB66}" sibTransId="{C1F575C8-845D-495D-A2F1-7FC21DBA95B0}"/>
+    <dgm:cxn modelId="{AF58D09C-1543-4DBF-BC9A-F3B71D525C3E}" type="presOf" srcId="{A8EC9017-AA78-45D0-9DB5-BE61D1891323}" destId="{9CE58153-55F3-469E-A5E9-3B3B314F8704}" srcOrd="0" destOrd="0" presId="urn:microsoft.com/office/officeart/2005/8/layout/chevron1"/>
+    <dgm:cxn modelId="{ACDAE9AE-C26F-4F46-9771-32BB335EA835}" srcId="{1435464A-05C4-4486-97D7-3F666DA73DA0}" destId="{85A51578-B784-465F-AB19-10892BE4851F}" srcOrd="1" destOrd="0" parTransId="{1E0D7A4A-26E7-4F7B-8671-35B100717C1F}" sibTransId="{B2482EFE-4582-4960-B8E9-315BCF0FFE4C}"/>
+    <dgm:cxn modelId="{9234EACE-1ABF-4391-B618-65488626ECED}" type="presOf" srcId="{5329F0EE-2CE2-4BC5-8B6B-C007C5845749}" destId="{B57FB7F3-70E9-4A7B-ADA5-543A03044227}" srcOrd="0" destOrd="0" presId="urn:microsoft.com/office/officeart/2005/8/layout/chevron1"/>
+    <dgm:cxn modelId="{A4FA2FFB-91BC-4078-8781-6DBD972256B6}" srcId="{1435464A-05C4-4486-97D7-3F666DA73DA0}" destId="{4D55C3C4-FDCD-4312-9C2E-FB650FA36B12}" srcOrd="3" destOrd="0" parTransId="{6E126B38-94A1-44E0-8B92-81757D31C209}" sibTransId="{BC949262-0FDB-4294-9FB3-A2D7D437D70F}"/>
     <dgm:cxn modelId="{B038B03B-B10D-41FF-B683-D27C3770DEF0}" type="presParOf" srcId="{BA2828C1-CDAF-4ED6-82C7-F9C037E8E9E5}" destId="{9CE58153-55F3-469E-A5E9-3B3B314F8704}" srcOrd="0" destOrd="0" presId="urn:microsoft.com/office/officeart/2005/8/layout/chevron1"/>
     <dgm:cxn modelId="{79D448B4-DF61-487F-BD21-F5AA3D0A8238}" type="presParOf" srcId="{BA2828C1-CDAF-4ED6-82C7-F9C037E8E9E5}" destId="{311C22CE-08DD-4551-ABF2-289E2E76B52C}" srcOrd="1" destOrd="0" presId="urn:microsoft.com/office/officeart/2005/8/layout/chevron1"/>
     <dgm:cxn modelId="{4E3B3081-1361-4FEE-8976-AB137ECE16F2}" type="presParOf" srcId="{BA2828C1-CDAF-4ED6-82C7-F9C037E8E9E5}" destId="{A8EA14AF-AC4D-48E7-9F8E-99402460300A}" srcOrd="2" destOrd="0" presId="urn:microsoft.com/office/officeart/2005/8/layout/chevron1"/>
@@ -1290,6 +2089,1129 @@
     <dgm:cxn modelId="{D9079AA1-A5BE-4FD0-A705-F0A9639BBD8C}" type="presParOf" srcId="{BA2828C1-CDAF-4ED6-82C7-F9C037E8E9E5}" destId="{870038F8-9399-4AF5-B9F4-18CBF4A82975}" srcOrd="10" destOrd="0" presId="urn:microsoft.com/office/officeart/2005/8/layout/chevron1"/>
     <dgm:cxn modelId="{63EA0B2E-8039-4B5B-ABEE-5683935A10BD}" type="presParOf" srcId="{BA2828C1-CDAF-4ED6-82C7-F9C037E8E9E5}" destId="{9B335C0F-248F-4401-84CF-7B8E0881700B}" srcOrd="11" destOrd="0" presId="urn:microsoft.com/office/officeart/2005/8/layout/chevron1"/>
     <dgm:cxn modelId="{6D85C75D-93B5-4990-A2D1-D7F3802E9F1D}" type="presParOf" srcId="{BA2828C1-CDAF-4ED6-82C7-F9C037E8E9E5}" destId="{B57FB7F3-70E9-4A7B-ADA5-543A03044227}" srcOrd="12" destOrd="0" presId="urn:microsoft.com/office/officeart/2005/8/layout/chevron1"/>
+  </dgm:cxnLst>
+  <dgm:bg/>
+  <dgm:whole/>
+  <dgm:extLst>
+    <a:ext uri="http://schemas.microsoft.com/office/drawing/2008/diagram">
+      <dsp:dataModelExt xmlns:dsp="http://schemas.microsoft.com/office/drawing/2008/diagram" relId="rId6" minVer="http://schemas.openxmlformats.org/drawingml/2006/diagram"/>
+    </a:ext>
+  </dgm:extLst>
+</dgm:dataModel>
+</file>
+
+<file path=ppt/diagrams/data2.xml><?xml version="1.0" encoding="utf-8"?>
+<dgm:dataModel xmlns:dgm="http://schemas.openxmlformats.org/drawingml/2006/diagram" xmlns:a="http://schemas.openxmlformats.org/drawingml/2006/main">
+  <dgm:ptLst>
+    <dgm:pt modelId="{4A61C656-7AF0-483E-9DC5-0FC6203C5B2F}" type="doc">
+      <dgm:prSet loTypeId="urn:microsoft.com/office/officeart/2005/8/layout/chevron2" loCatId="process" qsTypeId="urn:microsoft.com/office/officeart/2005/8/quickstyle/simple1" qsCatId="simple" csTypeId="urn:microsoft.com/office/officeart/2005/8/colors/colorful5" csCatId="colorful" phldr="1"/>
+      <dgm:spPr/>
+    </dgm:pt>
+    <dgm:pt modelId="{2869961C-A843-48C8-81CE-D9B41CBBE008}">
+      <dgm:prSet phldrT="[文本]"/>
+      <dgm:spPr/>
+      <dgm:t>
+        <a:bodyPr/>
+        <a:lstStyle/>
+        <a:p>
+          <a:r>
+            <a:rPr lang="en-CA" dirty="0"/>
+            <a:t>2017/12</a:t>
+          </a:r>
+        </a:p>
+      </dgm:t>
+    </dgm:pt>
+    <dgm:pt modelId="{300A9C33-539F-40B2-A521-09476D84A523}" type="parTrans" cxnId="{431E0EF0-2610-466F-B539-C3CBBC024116}">
+      <dgm:prSet/>
+      <dgm:spPr/>
+      <dgm:t>
+        <a:bodyPr/>
+        <a:lstStyle/>
+        <a:p>
+          <a:endParaRPr lang="en-CA"/>
+        </a:p>
+      </dgm:t>
+    </dgm:pt>
+    <dgm:pt modelId="{BDC54816-3D20-4A6E-BDEC-F31006ED0BBE}" type="sibTrans" cxnId="{431E0EF0-2610-466F-B539-C3CBBC024116}">
+      <dgm:prSet/>
+      <dgm:spPr/>
+      <dgm:t>
+        <a:bodyPr/>
+        <a:lstStyle/>
+        <a:p>
+          <a:endParaRPr lang="en-CA"/>
+        </a:p>
+      </dgm:t>
+    </dgm:pt>
+    <dgm:pt modelId="{A9EE8AB0-3B83-46D6-BD96-7E5E8BECFECF}">
+      <dgm:prSet phldrT="[文本]"/>
+      <dgm:spPr/>
+      <dgm:t>
+        <a:bodyPr/>
+        <a:lstStyle/>
+        <a:p>
+          <a:r>
+            <a:rPr lang="en-US" altLang="zh-CN" dirty="0"/>
+            <a:t>2017/03</a:t>
+          </a:r>
+          <a:endParaRPr lang="en-CA" dirty="0"/>
+        </a:p>
+      </dgm:t>
+    </dgm:pt>
+    <dgm:pt modelId="{3E401F69-9381-433B-82D6-272B42D4D950}" type="parTrans" cxnId="{CB875846-970C-4611-8931-61C7F0E9AA44}">
+      <dgm:prSet/>
+      <dgm:spPr/>
+      <dgm:t>
+        <a:bodyPr/>
+        <a:lstStyle/>
+        <a:p>
+          <a:endParaRPr lang="en-CA"/>
+        </a:p>
+      </dgm:t>
+    </dgm:pt>
+    <dgm:pt modelId="{C5D8E7D5-7CEB-4DCC-9B43-985FBAF25C37}" type="sibTrans" cxnId="{CB875846-970C-4611-8931-61C7F0E9AA44}">
+      <dgm:prSet/>
+      <dgm:spPr/>
+      <dgm:t>
+        <a:bodyPr/>
+        <a:lstStyle/>
+        <a:p>
+          <a:endParaRPr lang="en-CA"/>
+        </a:p>
+      </dgm:t>
+    </dgm:pt>
+    <dgm:pt modelId="{000E6BA0-A6F4-4644-904F-71BFF36B4584}">
+      <dgm:prSet phldrT="[文本]"/>
+      <dgm:spPr/>
+      <dgm:t>
+        <a:bodyPr/>
+        <a:lstStyle/>
+        <a:p>
+          <a:r>
+            <a:rPr lang="en-US" altLang="zh-CN" dirty="0"/>
+            <a:t>2018/05</a:t>
+          </a:r>
+          <a:endParaRPr lang="en-CA" dirty="0"/>
+        </a:p>
+      </dgm:t>
+    </dgm:pt>
+    <dgm:pt modelId="{3FF57307-C94E-44B0-BBC3-9FEC0EB230C3}" type="parTrans" cxnId="{1ABF09C4-559F-4218-9D1F-B526A8EC265E}">
+      <dgm:prSet/>
+      <dgm:spPr/>
+      <dgm:t>
+        <a:bodyPr/>
+        <a:lstStyle/>
+        <a:p>
+          <a:endParaRPr lang="en-CA"/>
+        </a:p>
+      </dgm:t>
+    </dgm:pt>
+    <dgm:pt modelId="{A4025B20-E6A5-4DBE-9274-80903D8E861E}" type="sibTrans" cxnId="{1ABF09C4-559F-4218-9D1F-B526A8EC265E}">
+      <dgm:prSet/>
+      <dgm:spPr/>
+      <dgm:t>
+        <a:bodyPr/>
+        <a:lstStyle/>
+        <a:p>
+          <a:endParaRPr lang="en-CA"/>
+        </a:p>
+      </dgm:t>
+    </dgm:pt>
+    <dgm:pt modelId="{8BDB207D-1366-49F3-8DF8-E005CD8A927B}">
+      <dgm:prSet phldrT="[文本]"/>
+      <dgm:spPr/>
+      <dgm:t>
+        <a:bodyPr/>
+        <a:lstStyle/>
+        <a:p>
+          <a:r>
+            <a:rPr lang="en-US" altLang="zh-CN" dirty="0"/>
+            <a:t>2018/06</a:t>
+          </a:r>
+          <a:endParaRPr lang="en-CA" dirty="0"/>
+        </a:p>
+      </dgm:t>
+    </dgm:pt>
+    <dgm:pt modelId="{13CD65C6-1337-46CF-A88F-6585D17BC408}" type="parTrans" cxnId="{45B5600B-3B5C-4894-B3F1-EA810C9B6F66}">
+      <dgm:prSet/>
+      <dgm:spPr/>
+      <dgm:t>
+        <a:bodyPr/>
+        <a:lstStyle/>
+        <a:p>
+          <a:endParaRPr lang="en-CA"/>
+        </a:p>
+      </dgm:t>
+    </dgm:pt>
+    <dgm:pt modelId="{CA25803D-7C69-46EA-AF64-3EA0BD80DEF3}" type="sibTrans" cxnId="{45B5600B-3B5C-4894-B3F1-EA810C9B6F66}">
+      <dgm:prSet/>
+      <dgm:spPr/>
+      <dgm:t>
+        <a:bodyPr/>
+        <a:lstStyle/>
+        <a:p>
+          <a:endParaRPr lang="en-CA"/>
+        </a:p>
+      </dgm:t>
+    </dgm:pt>
+    <dgm:pt modelId="{702353F7-9555-49C7-A5BA-6B3C7F76F96F}">
+      <dgm:prSet phldrT="[文本]"/>
+      <dgm:spPr/>
+      <dgm:t>
+        <a:bodyPr/>
+        <a:lstStyle/>
+        <a:p>
+          <a:r>
+            <a:rPr lang="en-US" altLang="zh-CN" dirty="0"/>
+            <a:t>2018/07</a:t>
+          </a:r>
+          <a:endParaRPr lang="en-CA" dirty="0"/>
+        </a:p>
+      </dgm:t>
+    </dgm:pt>
+    <dgm:pt modelId="{4F5C3A3E-2621-4502-A437-82B553070B84}" type="parTrans" cxnId="{9047EA55-71E2-469C-9298-86C0B10CB09E}">
+      <dgm:prSet/>
+      <dgm:spPr/>
+      <dgm:t>
+        <a:bodyPr/>
+        <a:lstStyle/>
+        <a:p>
+          <a:endParaRPr lang="en-CA"/>
+        </a:p>
+      </dgm:t>
+    </dgm:pt>
+    <dgm:pt modelId="{E36137BE-6891-47DE-BA1C-9155D8A84822}" type="sibTrans" cxnId="{9047EA55-71E2-469C-9298-86C0B10CB09E}">
+      <dgm:prSet/>
+      <dgm:spPr/>
+      <dgm:t>
+        <a:bodyPr/>
+        <a:lstStyle/>
+        <a:p>
+          <a:endParaRPr lang="en-CA"/>
+        </a:p>
+      </dgm:t>
+    </dgm:pt>
+    <dgm:pt modelId="{79376615-76BE-48B1-84FB-BC5DD5EDBB04}">
+      <dgm:prSet phldrT="[文本]"/>
+      <dgm:spPr/>
+      <dgm:t>
+        <a:bodyPr/>
+        <a:lstStyle/>
+        <a:p>
+          <a:r>
+            <a:rPr lang="en-US" altLang="zh-CN" dirty="0"/>
+            <a:t>2018/09</a:t>
+          </a:r>
+          <a:endParaRPr lang="en-CA" dirty="0"/>
+        </a:p>
+      </dgm:t>
+    </dgm:pt>
+    <dgm:pt modelId="{4641755D-1778-45B0-BDBD-B955C70493A2}" type="parTrans" cxnId="{17AC863E-B9AC-4781-B87F-FC7129090539}">
+      <dgm:prSet/>
+      <dgm:spPr/>
+      <dgm:t>
+        <a:bodyPr/>
+        <a:lstStyle/>
+        <a:p>
+          <a:endParaRPr lang="en-CA"/>
+        </a:p>
+      </dgm:t>
+    </dgm:pt>
+    <dgm:pt modelId="{24AB35E9-CAAE-463A-805E-8FC2FD0FF567}" type="sibTrans" cxnId="{17AC863E-B9AC-4781-B87F-FC7129090539}">
+      <dgm:prSet/>
+      <dgm:spPr/>
+      <dgm:t>
+        <a:bodyPr/>
+        <a:lstStyle/>
+        <a:p>
+          <a:endParaRPr lang="en-CA"/>
+        </a:p>
+      </dgm:t>
+    </dgm:pt>
+    <dgm:pt modelId="{0792C099-043B-4A42-918F-FF99CA96F028}">
+      <dgm:prSet phldrT="[文本]"/>
+      <dgm:spPr/>
+      <dgm:t>
+        <a:bodyPr/>
+        <a:lstStyle/>
+        <a:p>
+          <a:r>
+            <a:rPr lang="en-US" altLang="zh-CN" dirty="0"/>
+            <a:t>2018/11</a:t>
+          </a:r>
+          <a:endParaRPr lang="en-CA" dirty="0"/>
+        </a:p>
+      </dgm:t>
+    </dgm:pt>
+    <dgm:pt modelId="{F84B7F8B-5235-4839-8E06-5AF42BEBC944}" type="parTrans" cxnId="{6FA8DAFE-E002-4303-9DF1-9047F31C29F2}">
+      <dgm:prSet/>
+      <dgm:spPr/>
+      <dgm:t>
+        <a:bodyPr/>
+        <a:lstStyle/>
+        <a:p>
+          <a:endParaRPr lang="en-CA"/>
+        </a:p>
+      </dgm:t>
+    </dgm:pt>
+    <dgm:pt modelId="{7947074E-F460-4520-9F7A-34D072285A8C}" type="sibTrans" cxnId="{6FA8DAFE-E002-4303-9DF1-9047F31C29F2}">
+      <dgm:prSet/>
+      <dgm:spPr/>
+      <dgm:t>
+        <a:bodyPr/>
+        <a:lstStyle/>
+        <a:p>
+          <a:endParaRPr lang="en-CA"/>
+        </a:p>
+      </dgm:t>
+    </dgm:pt>
+    <dgm:pt modelId="{103ED1BE-C879-4C67-918B-C1332EBB79D8}">
+      <dgm:prSet phldrT="[文本]"/>
+      <dgm:spPr/>
+      <dgm:t>
+        <a:bodyPr/>
+        <a:lstStyle/>
+        <a:p>
+          <a:r>
+            <a:rPr lang="zh-CN" altLang="en-US" dirty="0"/>
+            <a:t>竞猜链团队成立</a:t>
+          </a:r>
+          <a:endParaRPr lang="en-CA" dirty="0"/>
+        </a:p>
+      </dgm:t>
+    </dgm:pt>
+    <dgm:pt modelId="{609A1F09-2966-4EE3-BC8D-BB4817C34BDA}" type="parTrans" cxnId="{3D940BF7-7EEE-4281-8AAA-7BCBBB026ABB}">
+      <dgm:prSet/>
+      <dgm:spPr/>
+      <dgm:t>
+        <a:bodyPr/>
+        <a:lstStyle/>
+        <a:p>
+          <a:endParaRPr lang="en-CA"/>
+        </a:p>
+      </dgm:t>
+    </dgm:pt>
+    <dgm:pt modelId="{C7172319-9D25-4572-AE76-C411D50CD3A2}" type="sibTrans" cxnId="{3D940BF7-7EEE-4281-8AAA-7BCBBB026ABB}">
+      <dgm:prSet/>
+      <dgm:spPr/>
+      <dgm:t>
+        <a:bodyPr/>
+        <a:lstStyle/>
+        <a:p>
+          <a:endParaRPr lang="en-CA"/>
+        </a:p>
+      </dgm:t>
+    </dgm:pt>
+    <dgm:pt modelId="{09A066DC-A455-4976-A7CF-C961754F4792}">
+      <dgm:prSet phldrT="[文本]"/>
+      <dgm:spPr/>
+      <dgm:t>
+        <a:bodyPr/>
+        <a:lstStyle/>
+        <a:p>
+          <a:r>
+            <a:rPr lang="zh-CN" altLang="en-US" dirty="0"/>
+            <a:t>启动底层链设计及模块开发</a:t>
+          </a:r>
+          <a:endParaRPr lang="en-CA" dirty="0"/>
+        </a:p>
+      </dgm:t>
+    </dgm:pt>
+    <dgm:pt modelId="{D48ADCA5-7D77-43A4-868E-F93B2F029132}" type="parTrans" cxnId="{43E1D3E4-2576-40A2-9563-2A6025768A63}">
+      <dgm:prSet/>
+      <dgm:spPr/>
+      <dgm:t>
+        <a:bodyPr/>
+        <a:lstStyle/>
+        <a:p>
+          <a:endParaRPr lang="en-CA"/>
+        </a:p>
+      </dgm:t>
+    </dgm:pt>
+    <dgm:pt modelId="{27549B88-E158-47B8-90FE-CA2E219ABC26}" type="sibTrans" cxnId="{43E1D3E4-2576-40A2-9563-2A6025768A63}">
+      <dgm:prSet/>
+      <dgm:spPr/>
+      <dgm:t>
+        <a:bodyPr/>
+        <a:lstStyle/>
+        <a:p>
+          <a:endParaRPr lang="en-CA"/>
+        </a:p>
+      </dgm:t>
+    </dgm:pt>
+    <dgm:pt modelId="{D1322FD5-CF4E-4749-994B-CDDAD4B47B85}">
+      <dgm:prSet phldrT="[文本]"/>
+      <dgm:spPr/>
+      <dgm:t>
+        <a:bodyPr/>
+        <a:lstStyle/>
+        <a:p>
+          <a:r>
+            <a:rPr lang="en-US" altLang="zh-CN" dirty="0"/>
+            <a:t>0</a:t>
+          </a:r>
+          <a:r>
+            <a:rPr lang="zh-CN" altLang="en-US" dirty="0"/>
+            <a:t>元购</a:t>
+          </a:r>
+          <a:r>
+            <a:rPr lang="en-US" altLang="zh-CN" dirty="0"/>
+            <a:t>DAPP</a:t>
+          </a:r>
+          <a:r>
+            <a:rPr lang="zh-CN" altLang="en-US" dirty="0"/>
+            <a:t>开发完成上线</a:t>
+          </a:r>
+          <a:endParaRPr lang="en-CA" dirty="0"/>
+        </a:p>
+      </dgm:t>
+    </dgm:pt>
+    <dgm:pt modelId="{FA6009E5-ACDF-4263-BCBE-F78E1A7289D7}" type="parTrans" cxnId="{47382A3F-9C04-4FD1-8CAF-E0B2A22356FC}">
+      <dgm:prSet/>
+      <dgm:spPr/>
+      <dgm:t>
+        <a:bodyPr/>
+        <a:lstStyle/>
+        <a:p>
+          <a:endParaRPr lang="en-CA"/>
+        </a:p>
+      </dgm:t>
+    </dgm:pt>
+    <dgm:pt modelId="{980EEF14-7CBD-485A-AE4E-A8F84D976D34}" type="sibTrans" cxnId="{47382A3F-9C04-4FD1-8CAF-E0B2A22356FC}">
+      <dgm:prSet/>
+      <dgm:spPr/>
+      <dgm:t>
+        <a:bodyPr/>
+        <a:lstStyle/>
+        <a:p>
+          <a:endParaRPr lang="en-CA"/>
+        </a:p>
+      </dgm:t>
+    </dgm:pt>
+    <dgm:pt modelId="{8CD887B8-969A-49F2-8375-0BD3F02EB694}">
+      <dgm:prSet phldrT="[文本]"/>
+      <dgm:spPr/>
+      <dgm:t>
+        <a:bodyPr/>
+        <a:lstStyle/>
+        <a:p>
+          <a:r>
+            <a:rPr lang="zh-CN" altLang="en-US" dirty="0"/>
+            <a:t>世界杯竟猜体验版上线</a:t>
+          </a:r>
+          <a:endParaRPr lang="en-CA" dirty="0"/>
+        </a:p>
+      </dgm:t>
+    </dgm:pt>
+    <dgm:pt modelId="{1ECC6C32-4EF9-48C1-888B-05AC53E78634}" type="parTrans" cxnId="{58504CE3-7B5B-40F7-8DB4-E4709A93DFE3}">
+      <dgm:prSet/>
+      <dgm:spPr/>
+      <dgm:t>
+        <a:bodyPr/>
+        <a:lstStyle/>
+        <a:p>
+          <a:endParaRPr lang="en-CA"/>
+        </a:p>
+      </dgm:t>
+    </dgm:pt>
+    <dgm:pt modelId="{DA572389-E5AD-4178-8F57-64D7DC42CAF3}" type="sibTrans" cxnId="{58504CE3-7B5B-40F7-8DB4-E4709A93DFE3}">
+      <dgm:prSet/>
+      <dgm:spPr/>
+      <dgm:t>
+        <a:bodyPr/>
+        <a:lstStyle/>
+        <a:p>
+          <a:endParaRPr lang="en-CA"/>
+        </a:p>
+      </dgm:t>
+    </dgm:pt>
+    <dgm:pt modelId="{A96F5DAD-E87C-4B37-9B1A-6B69B5BC8478}">
+      <dgm:prSet phldrT="[文本]"/>
+      <dgm:spPr/>
+      <dgm:t>
+        <a:bodyPr/>
+        <a:lstStyle/>
+        <a:p>
+          <a:r>
+            <a:rPr lang="en-US" altLang="zh-CN" dirty="0"/>
+            <a:t>DAPP</a:t>
+          </a:r>
+          <a:r>
+            <a:rPr lang="zh-CN" altLang="en-US" dirty="0"/>
+            <a:t>公测</a:t>
+          </a:r>
+          <a:endParaRPr lang="en-CA" dirty="0"/>
+        </a:p>
+      </dgm:t>
+    </dgm:pt>
+    <dgm:pt modelId="{66D0889A-AF9C-4DC4-A92D-78CD05076D3F}" type="parTrans" cxnId="{9C210628-09CF-4C04-9F6A-45E9A8E5D8B1}">
+      <dgm:prSet/>
+      <dgm:spPr/>
+      <dgm:t>
+        <a:bodyPr/>
+        <a:lstStyle/>
+        <a:p>
+          <a:endParaRPr lang="en-CA"/>
+        </a:p>
+      </dgm:t>
+    </dgm:pt>
+    <dgm:pt modelId="{627E1886-2F0A-434F-86DA-F5DF56AF9856}" type="sibTrans" cxnId="{9C210628-09CF-4C04-9F6A-45E9A8E5D8B1}">
+      <dgm:prSet/>
+      <dgm:spPr/>
+      <dgm:t>
+        <a:bodyPr/>
+        <a:lstStyle/>
+        <a:p>
+          <a:endParaRPr lang="en-CA"/>
+        </a:p>
+      </dgm:t>
+    </dgm:pt>
+    <dgm:pt modelId="{E98F4E95-C673-4DAB-932E-811EC492A64F}">
+      <dgm:prSet phldrT="[文本]"/>
+      <dgm:spPr/>
+      <dgm:t>
+        <a:bodyPr/>
+        <a:lstStyle/>
+        <a:p>
+          <a:r>
+            <a:rPr lang="zh-CN" altLang="en-US" dirty="0"/>
+            <a:t>竞猜游戏落地海南</a:t>
+          </a:r>
+          <a:endParaRPr lang="en-CA" dirty="0"/>
+        </a:p>
+      </dgm:t>
+    </dgm:pt>
+    <dgm:pt modelId="{8C62A397-5423-47B1-B0FB-73AF05960D87}" type="parTrans" cxnId="{EC2F0B8A-6BA9-4DFA-98D9-815286F8DF31}">
+      <dgm:prSet/>
+      <dgm:spPr/>
+      <dgm:t>
+        <a:bodyPr/>
+        <a:lstStyle/>
+        <a:p>
+          <a:endParaRPr lang="en-CA"/>
+        </a:p>
+      </dgm:t>
+    </dgm:pt>
+    <dgm:pt modelId="{847934CE-D7FF-4D3B-B610-411B19DA639A}" type="sibTrans" cxnId="{EC2F0B8A-6BA9-4DFA-98D9-815286F8DF31}">
+      <dgm:prSet/>
+      <dgm:spPr/>
+      <dgm:t>
+        <a:bodyPr/>
+        <a:lstStyle/>
+        <a:p>
+          <a:endParaRPr lang="en-CA"/>
+        </a:p>
+      </dgm:t>
+    </dgm:pt>
+    <dgm:pt modelId="{BB967F35-3D22-4E0F-8A5F-13312768E47A}">
+      <dgm:prSet phldrT="[文本]"/>
+      <dgm:spPr/>
+      <dgm:t>
+        <a:bodyPr/>
+        <a:lstStyle/>
+        <a:p>
+          <a:r>
+            <a:rPr lang="zh-CN" altLang="en-US" dirty="0"/>
+            <a:t>预言机</a:t>
+          </a:r>
+          <a:r>
+            <a:rPr lang="en-CA" altLang="zh-CN" dirty="0"/>
+            <a:t>(</a:t>
+          </a:r>
+          <a:r>
+            <a:rPr lang="en-US" altLang="zh-CN" dirty="0"/>
+            <a:t>Oracle)</a:t>
+          </a:r>
+          <a:r>
+            <a:rPr lang="zh-CN" altLang="en-US" dirty="0"/>
+            <a:t>第一版开发完成</a:t>
+          </a:r>
+          <a:endParaRPr lang="en-CA" dirty="0"/>
+        </a:p>
+      </dgm:t>
+    </dgm:pt>
+    <dgm:pt modelId="{F62798C8-CB06-4790-9162-32AF5728ABA6}" type="parTrans" cxnId="{B0C26A59-D31E-499A-9C52-1E610DAA5EC6}">
+      <dgm:prSet/>
+      <dgm:spPr/>
+      <dgm:t>
+        <a:bodyPr/>
+        <a:lstStyle/>
+        <a:p>
+          <a:endParaRPr lang="en-CA"/>
+        </a:p>
+      </dgm:t>
+    </dgm:pt>
+    <dgm:pt modelId="{FB67096D-744F-47E1-A8B9-FE2C5BEF12AE}" type="sibTrans" cxnId="{B0C26A59-D31E-499A-9C52-1E610DAA5EC6}">
+      <dgm:prSet/>
+      <dgm:spPr/>
+      <dgm:t>
+        <a:bodyPr/>
+        <a:lstStyle/>
+        <a:p>
+          <a:endParaRPr lang="en-CA"/>
+        </a:p>
+      </dgm:t>
+    </dgm:pt>
+    <dgm:pt modelId="{5AFBA232-38C4-4880-81AD-FD9BB700F865}">
+      <dgm:prSet phldrT="[文本]"/>
+      <dgm:spPr/>
+      <dgm:t>
+        <a:bodyPr/>
+        <a:lstStyle/>
+        <a:p>
+          <a:r>
+            <a:rPr lang="en-US" altLang="zh-CN" dirty="0"/>
+            <a:t>2019/03</a:t>
+          </a:r>
+          <a:endParaRPr lang="en-CA" dirty="0"/>
+        </a:p>
+      </dgm:t>
+    </dgm:pt>
+    <dgm:pt modelId="{5CFAE090-FBD0-479F-892C-4742CF911705}" type="parTrans" cxnId="{A3BFD02B-AA09-44B2-947A-74B7DB18A76C}">
+      <dgm:prSet/>
+      <dgm:spPr/>
+      <dgm:t>
+        <a:bodyPr/>
+        <a:lstStyle/>
+        <a:p>
+          <a:endParaRPr lang="en-CA"/>
+        </a:p>
+      </dgm:t>
+    </dgm:pt>
+    <dgm:pt modelId="{2E7F637B-36DE-400D-9C71-D6EF1E7BB73F}" type="sibTrans" cxnId="{A3BFD02B-AA09-44B2-947A-74B7DB18A76C}">
+      <dgm:prSet/>
+      <dgm:spPr/>
+      <dgm:t>
+        <a:bodyPr/>
+        <a:lstStyle/>
+        <a:p>
+          <a:endParaRPr lang="en-CA"/>
+        </a:p>
+      </dgm:t>
+    </dgm:pt>
+    <dgm:pt modelId="{8B40B47B-59F5-4B7B-A310-139C8F957E44}">
+      <dgm:prSet phldrT="[文本]"/>
+      <dgm:spPr/>
+      <dgm:t>
+        <a:bodyPr/>
+        <a:lstStyle/>
+        <a:p>
+          <a:r>
+            <a:rPr lang="zh-CN" altLang="en-US" dirty="0"/>
+            <a:t>移动端上线</a:t>
+          </a:r>
+          <a:endParaRPr lang="en-CA" dirty="0"/>
+        </a:p>
+      </dgm:t>
+    </dgm:pt>
+    <dgm:pt modelId="{3C49A801-0A6F-4F79-87DD-C238BA03D01B}" type="parTrans" cxnId="{2032ED0A-CFE3-483A-9400-B052189DF705}">
+      <dgm:prSet/>
+      <dgm:spPr/>
+      <dgm:t>
+        <a:bodyPr/>
+        <a:lstStyle/>
+        <a:p>
+          <a:endParaRPr lang="en-CA"/>
+        </a:p>
+      </dgm:t>
+    </dgm:pt>
+    <dgm:pt modelId="{E45F8784-0777-4A46-96A4-A2E949607904}" type="sibTrans" cxnId="{2032ED0A-CFE3-483A-9400-B052189DF705}">
+      <dgm:prSet/>
+      <dgm:spPr/>
+      <dgm:t>
+        <a:bodyPr/>
+        <a:lstStyle/>
+        <a:p>
+          <a:endParaRPr lang="en-CA"/>
+        </a:p>
+      </dgm:t>
+    </dgm:pt>
+    <dgm:pt modelId="{F6509505-F91F-42F9-B8DC-49B2C9F3D679}">
+      <dgm:prSet phldrT="[文本]"/>
+      <dgm:spPr/>
+      <dgm:t>
+        <a:bodyPr/>
+        <a:lstStyle/>
+        <a:p>
+          <a:r>
+            <a:rPr lang="en-US" altLang="zh-CN" dirty="0"/>
+            <a:t>2019/06</a:t>
+          </a:r>
+          <a:endParaRPr lang="en-CA" dirty="0"/>
+        </a:p>
+      </dgm:t>
+    </dgm:pt>
+    <dgm:pt modelId="{6730C582-110D-4608-BDA8-37CD864DE9FC}" type="parTrans" cxnId="{85F8CD62-49A4-427B-B4A1-911D20E5A614}">
+      <dgm:prSet/>
+      <dgm:spPr/>
+      <dgm:t>
+        <a:bodyPr/>
+        <a:lstStyle/>
+        <a:p>
+          <a:endParaRPr lang="en-CA"/>
+        </a:p>
+      </dgm:t>
+    </dgm:pt>
+    <dgm:pt modelId="{5E4EECFA-54BD-4F88-81E9-316E9201DC11}" type="sibTrans" cxnId="{85F8CD62-49A4-427B-B4A1-911D20E5A614}">
+      <dgm:prSet/>
+      <dgm:spPr/>
+      <dgm:t>
+        <a:bodyPr/>
+        <a:lstStyle/>
+        <a:p>
+          <a:endParaRPr lang="en-CA"/>
+        </a:p>
+      </dgm:t>
+    </dgm:pt>
+    <dgm:pt modelId="{C29309A3-9924-4C70-81A9-DE1CBC0D64E9}">
+      <dgm:prSet phldrT="[文本]"/>
+      <dgm:spPr/>
+      <dgm:t>
+        <a:bodyPr/>
+        <a:lstStyle/>
+        <a:p>
+          <a:r>
+            <a:rPr lang="zh-CN" altLang="en-US" dirty="0"/>
+            <a:t>智能合约引擎上线</a:t>
+          </a:r>
+          <a:endParaRPr lang="en-CA" dirty="0"/>
+        </a:p>
+      </dgm:t>
+    </dgm:pt>
+    <dgm:pt modelId="{52089C10-ADB8-4A1F-BA38-0C5EFA7D01E4}" type="parTrans" cxnId="{E9DF927E-961F-461B-BC32-55E9ED17E531}">
+      <dgm:prSet/>
+      <dgm:spPr/>
+      <dgm:t>
+        <a:bodyPr/>
+        <a:lstStyle/>
+        <a:p>
+          <a:endParaRPr lang="en-CA"/>
+        </a:p>
+      </dgm:t>
+    </dgm:pt>
+    <dgm:pt modelId="{651D046F-F5DA-4594-9DC3-2F113D20031E}" type="sibTrans" cxnId="{E9DF927E-961F-461B-BC32-55E9ED17E531}">
+      <dgm:prSet/>
+      <dgm:spPr/>
+      <dgm:t>
+        <a:bodyPr/>
+        <a:lstStyle/>
+        <a:p>
+          <a:endParaRPr lang="en-CA"/>
+        </a:p>
+      </dgm:t>
+    </dgm:pt>
+    <dgm:pt modelId="{1D1D5ED0-5D85-42E8-9ECE-DD250C545C13}">
+      <dgm:prSet phldrT="[文本]"/>
+      <dgm:spPr/>
+      <dgm:t>
+        <a:bodyPr/>
+        <a:lstStyle/>
+        <a:p>
+          <a:r>
+            <a:rPr lang="en-US" altLang="zh-CN" dirty="0"/>
+            <a:t>2019/08</a:t>
+          </a:r>
+          <a:endParaRPr lang="en-CA" dirty="0"/>
+        </a:p>
+      </dgm:t>
+    </dgm:pt>
+    <dgm:pt modelId="{F1512057-1D39-49F2-942F-16657024A4C5}" type="parTrans" cxnId="{50A5F7A4-1745-40E7-B5D2-7EC02148D752}">
+      <dgm:prSet/>
+      <dgm:spPr/>
+      <dgm:t>
+        <a:bodyPr/>
+        <a:lstStyle/>
+        <a:p>
+          <a:endParaRPr lang="en-CA"/>
+        </a:p>
+      </dgm:t>
+    </dgm:pt>
+    <dgm:pt modelId="{64CB3CC8-3EE0-4F3C-85AD-7382AD9611FC}" type="sibTrans" cxnId="{50A5F7A4-1745-40E7-B5D2-7EC02148D752}">
+      <dgm:prSet/>
+      <dgm:spPr/>
+      <dgm:t>
+        <a:bodyPr/>
+        <a:lstStyle/>
+        <a:p>
+          <a:endParaRPr lang="en-CA"/>
+        </a:p>
+      </dgm:t>
+    </dgm:pt>
+    <dgm:pt modelId="{D7D99495-862E-48B6-ACDD-88787E0CADF3}">
+      <dgm:prSet phldrT="[文本]"/>
+      <dgm:spPr/>
+      <dgm:t>
+        <a:bodyPr/>
+        <a:lstStyle/>
+        <a:p>
+          <a:r>
+            <a:rPr lang="zh-CN" altLang="en-US" dirty="0"/>
+            <a:t>跨链钱包上线</a:t>
+          </a:r>
+          <a:endParaRPr lang="en-CA" dirty="0"/>
+        </a:p>
+      </dgm:t>
+    </dgm:pt>
+    <dgm:pt modelId="{2BED45E7-98BF-4663-80BE-1B73131CC818}" type="parTrans" cxnId="{D016C1B7-CB0D-4D9F-BD0C-A1C4D3ACB00F}">
+      <dgm:prSet/>
+      <dgm:spPr/>
+      <dgm:t>
+        <a:bodyPr/>
+        <a:lstStyle/>
+        <a:p>
+          <a:endParaRPr lang="en-CA"/>
+        </a:p>
+      </dgm:t>
+    </dgm:pt>
+    <dgm:pt modelId="{0BB5FCF8-A835-47C1-9F8B-5C55B9A1695C}" type="sibTrans" cxnId="{D016C1B7-CB0D-4D9F-BD0C-A1C4D3ACB00F}">
+      <dgm:prSet/>
+      <dgm:spPr/>
+      <dgm:t>
+        <a:bodyPr/>
+        <a:lstStyle/>
+        <a:p>
+          <a:endParaRPr lang="en-CA"/>
+        </a:p>
+      </dgm:t>
+    </dgm:pt>
+    <dgm:pt modelId="{ACFCD2A7-A4C3-4171-96B0-0401ED6CF3C1}" type="pres">
+      <dgm:prSet presAssocID="{4A61C656-7AF0-483E-9DC5-0FC6203C5B2F}" presName="linearFlow" presStyleCnt="0">
+        <dgm:presLayoutVars>
+          <dgm:dir/>
+          <dgm:animLvl val="lvl"/>
+          <dgm:resizeHandles val="exact"/>
+        </dgm:presLayoutVars>
+      </dgm:prSet>
+      <dgm:spPr/>
+    </dgm:pt>
+    <dgm:pt modelId="{D3B6950E-B2DB-422D-A964-7E3C93B4601E}" type="pres">
+      <dgm:prSet presAssocID="{2869961C-A843-48C8-81CE-D9B41CBBE008}" presName="composite" presStyleCnt="0"/>
+      <dgm:spPr/>
+    </dgm:pt>
+    <dgm:pt modelId="{4BD213AB-06F7-450D-86CC-4274AD1171BC}" type="pres">
+      <dgm:prSet presAssocID="{2869961C-A843-48C8-81CE-D9B41CBBE008}" presName="parentText" presStyleLbl="alignNode1" presStyleIdx="0" presStyleCnt="10">
+        <dgm:presLayoutVars>
+          <dgm:chMax val="1"/>
+          <dgm:bulletEnabled val="1"/>
+        </dgm:presLayoutVars>
+      </dgm:prSet>
+      <dgm:spPr/>
+    </dgm:pt>
+    <dgm:pt modelId="{BCA83DE4-4401-4C2F-8D33-3319FF5D9497}" type="pres">
+      <dgm:prSet presAssocID="{2869961C-A843-48C8-81CE-D9B41CBBE008}" presName="descendantText" presStyleLbl="alignAcc1" presStyleIdx="0" presStyleCnt="10">
+        <dgm:presLayoutVars>
+          <dgm:bulletEnabled val="1"/>
+        </dgm:presLayoutVars>
+      </dgm:prSet>
+      <dgm:spPr/>
+    </dgm:pt>
+    <dgm:pt modelId="{5ACB13F3-4FD9-48D9-A0BB-76AD1E1692E0}" type="pres">
+      <dgm:prSet presAssocID="{BDC54816-3D20-4A6E-BDEC-F31006ED0BBE}" presName="sp" presStyleCnt="0"/>
+      <dgm:spPr/>
+    </dgm:pt>
+    <dgm:pt modelId="{A552BD71-3423-471D-9BD8-49CCFC01FCE3}" type="pres">
+      <dgm:prSet presAssocID="{A9EE8AB0-3B83-46D6-BD96-7E5E8BECFECF}" presName="composite" presStyleCnt="0"/>
+      <dgm:spPr/>
+    </dgm:pt>
+    <dgm:pt modelId="{365AE0AA-C6F6-444C-87B6-E8C88A1F0242}" type="pres">
+      <dgm:prSet presAssocID="{A9EE8AB0-3B83-46D6-BD96-7E5E8BECFECF}" presName="parentText" presStyleLbl="alignNode1" presStyleIdx="1" presStyleCnt="10">
+        <dgm:presLayoutVars>
+          <dgm:chMax val="1"/>
+          <dgm:bulletEnabled val="1"/>
+        </dgm:presLayoutVars>
+      </dgm:prSet>
+      <dgm:spPr/>
+    </dgm:pt>
+    <dgm:pt modelId="{70A5AB0A-68D7-4F64-A51B-D431EA661C83}" type="pres">
+      <dgm:prSet presAssocID="{A9EE8AB0-3B83-46D6-BD96-7E5E8BECFECF}" presName="descendantText" presStyleLbl="alignAcc1" presStyleIdx="1" presStyleCnt="10">
+        <dgm:presLayoutVars>
+          <dgm:bulletEnabled val="1"/>
+        </dgm:presLayoutVars>
+      </dgm:prSet>
+      <dgm:spPr/>
+    </dgm:pt>
+    <dgm:pt modelId="{9C8930B5-58C7-4F34-BC0C-761632F2027B}" type="pres">
+      <dgm:prSet presAssocID="{C5D8E7D5-7CEB-4DCC-9B43-985FBAF25C37}" presName="sp" presStyleCnt="0"/>
+      <dgm:spPr/>
+    </dgm:pt>
+    <dgm:pt modelId="{41C4F721-BAEE-455B-B8B2-AE078FA7B276}" type="pres">
+      <dgm:prSet presAssocID="{000E6BA0-A6F4-4644-904F-71BFF36B4584}" presName="composite" presStyleCnt="0"/>
+      <dgm:spPr/>
+    </dgm:pt>
+    <dgm:pt modelId="{5741B5EB-BDD5-44C1-889B-25B60C4F349E}" type="pres">
+      <dgm:prSet presAssocID="{000E6BA0-A6F4-4644-904F-71BFF36B4584}" presName="parentText" presStyleLbl="alignNode1" presStyleIdx="2" presStyleCnt="10">
+        <dgm:presLayoutVars>
+          <dgm:chMax val="1"/>
+          <dgm:bulletEnabled val="1"/>
+        </dgm:presLayoutVars>
+      </dgm:prSet>
+      <dgm:spPr/>
+    </dgm:pt>
+    <dgm:pt modelId="{1F3C6101-7D3D-48A7-A608-6B2C22A5E43F}" type="pres">
+      <dgm:prSet presAssocID="{000E6BA0-A6F4-4644-904F-71BFF36B4584}" presName="descendantText" presStyleLbl="alignAcc1" presStyleIdx="2" presStyleCnt="10">
+        <dgm:presLayoutVars>
+          <dgm:bulletEnabled val="1"/>
+        </dgm:presLayoutVars>
+      </dgm:prSet>
+      <dgm:spPr/>
+    </dgm:pt>
+    <dgm:pt modelId="{2CD77459-F7C9-4D8F-858D-37356664B195}" type="pres">
+      <dgm:prSet presAssocID="{A4025B20-E6A5-4DBE-9274-80903D8E861E}" presName="sp" presStyleCnt="0"/>
+      <dgm:spPr/>
+    </dgm:pt>
+    <dgm:pt modelId="{CD0940AF-5B29-45C2-9ADE-31A99642B69E}" type="pres">
+      <dgm:prSet presAssocID="{8BDB207D-1366-49F3-8DF8-E005CD8A927B}" presName="composite" presStyleCnt="0"/>
+      <dgm:spPr/>
+    </dgm:pt>
+    <dgm:pt modelId="{86AA0A3C-E9D6-4135-BF26-1E4356FC73E5}" type="pres">
+      <dgm:prSet presAssocID="{8BDB207D-1366-49F3-8DF8-E005CD8A927B}" presName="parentText" presStyleLbl="alignNode1" presStyleIdx="3" presStyleCnt="10">
+        <dgm:presLayoutVars>
+          <dgm:chMax val="1"/>
+          <dgm:bulletEnabled val="1"/>
+        </dgm:presLayoutVars>
+      </dgm:prSet>
+      <dgm:spPr/>
+    </dgm:pt>
+    <dgm:pt modelId="{6A047E17-BF69-4C93-A661-D24AA1EADFC0}" type="pres">
+      <dgm:prSet presAssocID="{8BDB207D-1366-49F3-8DF8-E005CD8A927B}" presName="descendantText" presStyleLbl="alignAcc1" presStyleIdx="3" presStyleCnt="10">
+        <dgm:presLayoutVars>
+          <dgm:bulletEnabled val="1"/>
+        </dgm:presLayoutVars>
+      </dgm:prSet>
+      <dgm:spPr/>
+    </dgm:pt>
+    <dgm:pt modelId="{D3AAE0A3-DF53-4204-B2DE-B3D710C8F733}" type="pres">
+      <dgm:prSet presAssocID="{CA25803D-7C69-46EA-AF64-3EA0BD80DEF3}" presName="sp" presStyleCnt="0"/>
+      <dgm:spPr/>
+    </dgm:pt>
+    <dgm:pt modelId="{34C6D831-DD70-40E5-A984-8AB46F7D8B61}" type="pres">
+      <dgm:prSet presAssocID="{702353F7-9555-49C7-A5BA-6B3C7F76F96F}" presName="composite" presStyleCnt="0"/>
+      <dgm:spPr/>
+    </dgm:pt>
+    <dgm:pt modelId="{363E3840-6F09-4B1F-A5FD-D8D2556DE20D}" type="pres">
+      <dgm:prSet presAssocID="{702353F7-9555-49C7-A5BA-6B3C7F76F96F}" presName="parentText" presStyleLbl="alignNode1" presStyleIdx="4" presStyleCnt="10">
+        <dgm:presLayoutVars>
+          <dgm:chMax val="1"/>
+          <dgm:bulletEnabled val="1"/>
+        </dgm:presLayoutVars>
+      </dgm:prSet>
+      <dgm:spPr/>
+    </dgm:pt>
+    <dgm:pt modelId="{82FCF805-9799-42D6-8112-294CBA83C1DF}" type="pres">
+      <dgm:prSet presAssocID="{702353F7-9555-49C7-A5BA-6B3C7F76F96F}" presName="descendantText" presStyleLbl="alignAcc1" presStyleIdx="4" presStyleCnt="10">
+        <dgm:presLayoutVars>
+          <dgm:bulletEnabled val="1"/>
+        </dgm:presLayoutVars>
+      </dgm:prSet>
+      <dgm:spPr/>
+    </dgm:pt>
+    <dgm:pt modelId="{BB1783FE-24CC-434B-B0E5-3A0EDC3D60FB}" type="pres">
+      <dgm:prSet presAssocID="{E36137BE-6891-47DE-BA1C-9155D8A84822}" presName="sp" presStyleCnt="0"/>
+      <dgm:spPr/>
+    </dgm:pt>
+    <dgm:pt modelId="{5838D9E9-D818-434F-9759-7FA29496EC53}" type="pres">
+      <dgm:prSet presAssocID="{79376615-76BE-48B1-84FB-BC5DD5EDBB04}" presName="composite" presStyleCnt="0"/>
+      <dgm:spPr/>
+    </dgm:pt>
+    <dgm:pt modelId="{34CD200A-C8AD-4838-9B38-A05616232BD3}" type="pres">
+      <dgm:prSet presAssocID="{79376615-76BE-48B1-84FB-BC5DD5EDBB04}" presName="parentText" presStyleLbl="alignNode1" presStyleIdx="5" presStyleCnt="10">
+        <dgm:presLayoutVars>
+          <dgm:chMax val="1"/>
+          <dgm:bulletEnabled val="1"/>
+        </dgm:presLayoutVars>
+      </dgm:prSet>
+      <dgm:spPr/>
+    </dgm:pt>
+    <dgm:pt modelId="{B3126FDB-095F-43D2-86D1-157F23331DF0}" type="pres">
+      <dgm:prSet presAssocID="{79376615-76BE-48B1-84FB-BC5DD5EDBB04}" presName="descendantText" presStyleLbl="alignAcc1" presStyleIdx="5" presStyleCnt="10">
+        <dgm:presLayoutVars>
+          <dgm:bulletEnabled val="1"/>
+        </dgm:presLayoutVars>
+      </dgm:prSet>
+      <dgm:spPr/>
+    </dgm:pt>
+    <dgm:pt modelId="{61C3D572-64F0-4A8E-90D8-7306810C2587}" type="pres">
+      <dgm:prSet presAssocID="{24AB35E9-CAAE-463A-805E-8FC2FD0FF567}" presName="sp" presStyleCnt="0"/>
+      <dgm:spPr/>
+    </dgm:pt>
+    <dgm:pt modelId="{0C979351-B51C-4091-8EE9-566A9046A2F1}" type="pres">
+      <dgm:prSet presAssocID="{0792C099-043B-4A42-918F-FF99CA96F028}" presName="composite" presStyleCnt="0"/>
+      <dgm:spPr/>
+    </dgm:pt>
+    <dgm:pt modelId="{CA93195C-3C62-4D0F-8AF1-2F4B5677415B}" type="pres">
+      <dgm:prSet presAssocID="{0792C099-043B-4A42-918F-FF99CA96F028}" presName="parentText" presStyleLbl="alignNode1" presStyleIdx="6" presStyleCnt="10">
+        <dgm:presLayoutVars>
+          <dgm:chMax val="1"/>
+          <dgm:bulletEnabled val="1"/>
+        </dgm:presLayoutVars>
+      </dgm:prSet>
+      <dgm:spPr/>
+    </dgm:pt>
+    <dgm:pt modelId="{27629AD8-FFDE-4979-AEC0-BB1E4E797C39}" type="pres">
+      <dgm:prSet presAssocID="{0792C099-043B-4A42-918F-FF99CA96F028}" presName="descendantText" presStyleLbl="alignAcc1" presStyleIdx="6" presStyleCnt="10">
+        <dgm:presLayoutVars>
+          <dgm:bulletEnabled val="1"/>
+        </dgm:presLayoutVars>
+      </dgm:prSet>
+      <dgm:spPr/>
+    </dgm:pt>
+    <dgm:pt modelId="{BD2D79AE-7DB0-4F73-9CBC-867BEB250174}" type="pres">
+      <dgm:prSet presAssocID="{7947074E-F460-4520-9F7A-34D072285A8C}" presName="sp" presStyleCnt="0"/>
+      <dgm:spPr/>
+    </dgm:pt>
+    <dgm:pt modelId="{926E9338-AAC8-448A-8CEE-3280DE5BC3E8}" type="pres">
+      <dgm:prSet presAssocID="{5AFBA232-38C4-4880-81AD-FD9BB700F865}" presName="composite" presStyleCnt="0"/>
+      <dgm:spPr/>
+    </dgm:pt>
+    <dgm:pt modelId="{C9E94AD9-A9DC-4F83-A9BA-1D9894CE1255}" type="pres">
+      <dgm:prSet presAssocID="{5AFBA232-38C4-4880-81AD-FD9BB700F865}" presName="parentText" presStyleLbl="alignNode1" presStyleIdx="7" presStyleCnt="10">
+        <dgm:presLayoutVars>
+          <dgm:chMax val="1"/>
+          <dgm:bulletEnabled val="1"/>
+        </dgm:presLayoutVars>
+      </dgm:prSet>
+      <dgm:spPr/>
+    </dgm:pt>
+    <dgm:pt modelId="{D6157C88-84D1-4964-899E-C28FBE7F1744}" type="pres">
+      <dgm:prSet presAssocID="{5AFBA232-38C4-4880-81AD-FD9BB700F865}" presName="descendantText" presStyleLbl="alignAcc1" presStyleIdx="7" presStyleCnt="10">
+        <dgm:presLayoutVars>
+          <dgm:bulletEnabled val="1"/>
+        </dgm:presLayoutVars>
+      </dgm:prSet>
+      <dgm:spPr/>
+    </dgm:pt>
+    <dgm:pt modelId="{1D34E8B7-6E03-4F8D-BC63-01CAD1A199D6}" type="pres">
+      <dgm:prSet presAssocID="{2E7F637B-36DE-400D-9C71-D6EF1E7BB73F}" presName="sp" presStyleCnt="0"/>
+      <dgm:spPr/>
+    </dgm:pt>
+    <dgm:pt modelId="{ADE1345D-23A6-4ACF-8CF3-92B2B1E061ED}" type="pres">
+      <dgm:prSet presAssocID="{F6509505-F91F-42F9-B8DC-49B2C9F3D679}" presName="composite" presStyleCnt="0"/>
+      <dgm:spPr/>
+    </dgm:pt>
+    <dgm:pt modelId="{BA530375-9DAB-430B-907B-AFE075C75A08}" type="pres">
+      <dgm:prSet presAssocID="{F6509505-F91F-42F9-B8DC-49B2C9F3D679}" presName="parentText" presStyleLbl="alignNode1" presStyleIdx="8" presStyleCnt="10">
+        <dgm:presLayoutVars>
+          <dgm:chMax val="1"/>
+          <dgm:bulletEnabled val="1"/>
+        </dgm:presLayoutVars>
+      </dgm:prSet>
+      <dgm:spPr/>
+    </dgm:pt>
+    <dgm:pt modelId="{DE21AA3F-4D38-45DA-86ED-EDBA7537315B}" type="pres">
+      <dgm:prSet presAssocID="{F6509505-F91F-42F9-B8DC-49B2C9F3D679}" presName="descendantText" presStyleLbl="alignAcc1" presStyleIdx="8" presStyleCnt="10">
+        <dgm:presLayoutVars>
+          <dgm:bulletEnabled val="1"/>
+        </dgm:presLayoutVars>
+      </dgm:prSet>
+      <dgm:spPr/>
+    </dgm:pt>
+    <dgm:pt modelId="{7A1AA540-00A7-4A07-AFF8-27A3A17C7128}" type="pres">
+      <dgm:prSet presAssocID="{5E4EECFA-54BD-4F88-81E9-316E9201DC11}" presName="sp" presStyleCnt="0"/>
+      <dgm:spPr/>
+    </dgm:pt>
+    <dgm:pt modelId="{B7AC361A-ACAE-41DD-B586-587B35F5FD6D}" type="pres">
+      <dgm:prSet presAssocID="{1D1D5ED0-5D85-42E8-9ECE-DD250C545C13}" presName="composite" presStyleCnt="0"/>
+      <dgm:spPr/>
+    </dgm:pt>
+    <dgm:pt modelId="{94EBCBCF-370A-4FC2-B7B8-0BBC5D32435E}" type="pres">
+      <dgm:prSet presAssocID="{1D1D5ED0-5D85-42E8-9ECE-DD250C545C13}" presName="parentText" presStyleLbl="alignNode1" presStyleIdx="9" presStyleCnt="10">
+        <dgm:presLayoutVars>
+          <dgm:chMax val="1"/>
+          <dgm:bulletEnabled val="1"/>
+        </dgm:presLayoutVars>
+      </dgm:prSet>
+      <dgm:spPr/>
+    </dgm:pt>
+    <dgm:pt modelId="{AB10E657-95F8-4CFC-8EE9-57FFCA0B8817}" type="pres">
+      <dgm:prSet presAssocID="{1D1D5ED0-5D85-42E8-9ECE-DD250C545C13}" presName="descendantText" presStyleLbl="alignAcc1" presStyleIdx="9" presStyleCnt="10">
+        <dgm:presLayoutVars>
+          <dgm:bulletEnabled val="1"/>
+        </dgm:presLayoutVars>
+      </dgm:prSet>
+      <dgm:spPr/>
+    </dgm:pt>
+  </dgm:ptLst>
+  <dgm:cxnLst>
+    <dgm:cxn modelId="{2032ED0A-CFE3-483A-9400-B052189DF705}" srcId="{5AFBA232-38C4-4880-81AD-FD9BB700F865}" destId="{8B40B47B-59F5-4B7B-A310-139C8F957E44}" srcOrd="0" destOrd="0" parTransId="{3C49A801-0A6F-4F79-87DD-C238BA03D01B}" sibTransId="{E45F8784-0777-4A46-96A4-A2E949607904}"/>
+    <dgm:cxn modelId="{45B5600B-3B5C-4894-B3F1-EA810C9B6F66}" srcId="{4A61C656-7AF0-483E-9DC5-0FC6203C5B2F}" destId="{8BDB207D-1366-49F3-8DF8-E005CD8A927B}" srcOrd="3" destOrd="0" parTransId="{13CD65C6-1337-46CF-A88F-6585D17BC408}" sibTransId="{CA25803D-7C69-46EA-AF64-3EA0BD80DEF3}"/>
+    <dgm:cxn modelId="{29942513-62FD-499D-85B7-0136A9DFEB52}" type="presOf" srcId="{2869961C-A843-48C8-81CE-D9B41CBBE008}" destId="{4BD213AB-06F7-450D-86CC-4274AD1171BC}" srcOrd="0" destOrd="0" presId="urn:microsoft.com/office/officeart/2005/8/layout/chevron2"/>
+    <dgm:cxn modelId="{21B1661A-70A6-4874-98C2-8344FEAD9CF6}" type="presOf" srcId="{79376615-76BE-48B1-84FB-BC5DD5EDBB04}" destId="{34CD200A-C8AD-4838-9B38-A05616232BD3}" srcOrd="0" destOrd="0" presId="urn:microsoft.com/office/officeart/2005/8/layout/chevron2"/>
+    <dgm:cxn modelId="{62DAFD21-BB55-4F0C-B0C8-2ABDAA7144F1}" type="presOf" srcId="{4A61C656-7AF0-483E-9DC5-0FC6203C5B2F}" destId="{ACFCD2A7-A4C3-4171-96B0-0401ED6CF3C1}" srcOrd="0" destOrd="0" presId="urn:microsoft.com/office/officeart/2005/8/layout/chevron2"/>
+    <dgm:cxn modelId="{9C210628-09CF-4C04-9F6A-45E9A8E5D8B1}" srcId="{702353F7-9555-49C7-A5BA-6B3C7F76F96F}" destId="{A96F5DAD-E87C-4B37-9B1A-6B69B5BC8478}" srcOrd="0" destOrd="0" parTransId="{66D0889A-AF9C-4DC4-A92D-78CD05076D3F}" sibTransId="{627E1886-2F0A-434F-86DA-F5DF56AF9856}"/>
+    <dgm:cxn modelId="{A3BFD02B-AA09-44B2-947A-74B7DB18A76C}" srcId="{4A61C656-7AF0-483E-9DC5-0FC6203C5B2F}" destId="{5AFBA232-38C4-4880-81AD-FD9BB700F865}" srcOrd="7" destOrd="0" parTransId="{5CFAE090-FBD0-479F-892C-4742CF911705}" sibTransId="{2E7F637B-36DE-400D-9C71-D6EF1E7BB73F}"/>
+    <dgm:cxn modelId="{4631F02B-0FDD-40BC-A85A-DD3734895FE5}" type="presOf" srcId="{A9EE8AB0-3B83-46D6-BD96-7E5E8BECFECF}" destId="{365AE0AA-C6F6-444C-87B6-E8C88A1F0242}" srcOrd="0" destOrd="0" presId="urn:microsoft.com/office/officeart/2005/8/layout/chevron2"/>
+    <dgm:cxn modelId="{36BC5D3A-6408-4B09-9760-C36980141E2E}" type="presOf" srcId="{8CD887B8-969A-49F2-8375-0BD3F02EB694}" destId="{6A047E17-BF69-4C93-A661-D24AA1EADFC0}" srcOrd="0" destOrd="0" presId="urn:microsoft.com/office/officeart/2005/8/layout/chevron2"/>
+    <dgm:cxn modelId="{17AC863E-B9AC-4781-B87F-FC7129090539}" srcId="{4A61C656-7AF0-483E-9DC5-0FC6203C5B2F}" destId="{79376615-76BE-48B1-84FB-BC5DD5EDBB04}" srcOrd="5" destOrd="0" parTransId="{4641755D-1778-45B0-BDBD-B955C70493A2}" sibTransId="{24AB35E9-CAAE-463A-805E-8FC2FD0FF567}"/>
+    <dgm:cxn modelId="{47382A3F-9C04-4FD1-8CAF-E0B2A22356FC}" srcId="{000E6BA0-A6F4-4644-904F-71BFF36B4584}" destId="{D1322FD5-CF4E-4749-994B-CDDAD4B47B85}" srcOrd="0" destOrd="0" parTransId="{FA6009E5-ACDF-4263-BCBE-F78E1A7289D7}" sibTransId="{980EEF14-7CBD-485A-AE4E-A8F84D976D34}"/>
+    <dgm:cxn modelId="{E50D475D-C671-48C1-938C-E9025B1732E9}" type="presOf" srcId="{103ED1BE-C879-4C67-918B-C1332EBB79D8}" destId="{BCA83DE4-4401-4C2F-8D33-3319FF5D9497}" srcOrd="0" destOrd="0" presId="urn:microsoft.com/office/officeart/2005/8/layout/chevron2"/>
+    <dgm:cxn modelId="{85F8CD62-49A4-427B-B4A1-911D20E5A614}" srcId="{4A61C656-7AF0-483E-9DC5-0FC6203C5B2F}" destId="{F6509505-F91F-42F9-B8DC-49B2C9F3D679}" srcOrd="8" destOrd="0" parTransId="{6730C582-110D-4608-BDA8-37CD864DE9FC}" sibTransId="{5E4EECFA-54BD-4F88-81E9-316E9201DC11}"/>
+    <dgm:cxn modelId="{C78A3665-5CFF-49C2-9DD1-EEB119D00D3E}" type="presOf" srcId="{BB967F35-3D22-4E0F-8A5F-13312768E47A}" destId="{27629AD8-FFDE-4979-AEC0-BB1E4E797C39}" srcOrd="0" destOrd="0" presId="urn:microsoft.com/office/officeart/2005/8/layout/chevron2"/>
+    <dgm:cxn modelId="{CB875846-970C-4611-8931-61C7F0E9AA44}" srcId="{4A61C656-7AF0-483E-9DC5-0FC6203C5B2F}" destId="{A9EE8AB0-3B83-46D6-BD96-7E5E8BECFECF}" srcOrd="1" destOrd="0" parTransId="{3E401F69-9381-433B-82D6-272B42D4D950}" sibTransId="{C5D8E7D5-7CEB-4DCC-9B43-985FBAF25C37}"/>
+    <dgm:cxn modelId="{68C12769-A263-4BD5-81C3-2209530CA025}" type="presOf" srcId="{A96F5DAD-E87C-4B37-9B1A-6B69B5BC8478}" destId="{82FCF805-9799-42D6-8112-294CBA83C1DF}" srcOrd="0" destOrd="0" presId="urn:microsoft.com/office/officeart/2005/8/layout/chevron2"/>
+    <dgm:cxn modelId="{9047EA55-71E2-469C-9298-86C0B10CB09E}" srcId="{4A61C656-7AF0-483E-9DC5-0FC6203C5B2F}" destId="{702353F7-9555-49C7-A5BA-6B3C7F76F96F}" srcOrd="4" destOrd="0" parTransId="{4F5C3A3E-2621-4502-A437-82B553070B84}" sibTransId="{E36137BE-6891-47DE-BA1C-9155D8A84822}"/>
+    <dgm:cxn modelId="{890DDB58-2EC2-47A6-920D-DFC03F89039B}" type="presOf" srcId="{0792C099-043B-4A42-918F-FF99CA96F028}" destId="{CA93195C-3C62-4D0F-8AF1-2F4B5677415B}" srcOrd="0" destOrd="0" presId="urn:microsoft.com/office/officeart/2005/8/layout/chevron2"/>
+    <dgm:cxn modelId="{B0C26A59-D31E-499A-9C52-1E610DAA5EC6}" srcId="{0792C099-043B-4A42-918F-FF99CA96F028}" destId="{BB967F35-3D22-4E0F-8A5F-13312768E47A}" srcOrd="0" destOrd="0" parTransId="{F62798C8-CB06-4790-9162-32AF5728ABA6}" sibTransId="{FB67096D-744F-47E1-A8B9-FE2C5BEF12AE}"/>
+    <dgm:cxn modelId="{E9DF927E-961F-461B-BC32-55E9ED17E531}" srcId="{F6509505-F91F-42F9-B8DC-49B2C9F3D679}" destId="{C29309A3-9924-4C70-81A9-DE1CBC0D64E9}" srcOrd="0" destOrd="0" parTransId="{52089C10-ADB8-4A1F-BA38-0C5EFA7D01E4}" sibTransId="{651D046F-F5DA-4594-9DC3-2F113D20031E}"/>
+    <dgm:cxn modelId="{91F44D83-E795-4259-BAE5-683BE1724F67}" type="presOf" srcId="{702353F7-9555-49C7-A5BA-6B3C7F76F96F}" destId="{363E3840-6F09-4B1F-A5FD-D8D2556DE20D}" srcOrd="0" destOrd="0" presId="urn:microsoft.com/office/officeart/2005/8/layout/chevron2"/>
+    <dgm:cxn modelId="{DC3A1285-DEB7-4732-8E24-7874896544E8}" type="presOf" srcId="{1D1D5ED0-5D85-42E8-9ECE-DD250C545C13}" destId="{94EBCBCF-370A-4FC2-B7B8-0BBC5D32435E}" srcOrd="0" destOrd="0" presId="urn:microsoft.com/office/officeart/2005/8/layout/chevron2"/>
+    <dgm:cxn modelId="{9B4DCF85-8899-4846-B3BB-9871E1A8154C}" type="presOf" srcId="{E98F4E95-C673-4DAB-932E-811EC492A64F}" destId="{B3126FDB-095F-43D2-86D1-157F23331DF0}" srcOrd="0" destOrd="0" presId="urn:microsoft.com/office/officeart/2005/8/layout/chevron2"/>
+    <dgm:cxn modelId="{63C19088-0292-40A9-BA6B-2808DFA49329}" type="presOf" srcId="{8BDB207D-1366-49F3-8DF8-E005CD8A927B}" destId="{86AA0A3C-E9D6-4135-BF26-1E4356FC73E5}" srcOrd="0" destOrd="0" presId="urn:microsoft.com/office/officeart/2005/8/layout/chevron2"/>
+    <dgm:cxn modelId="{EC2F0B8A-6BA9-4DFA-98D9-815286F8DF31}" srcId="{79376615-76BE-48B1-84FB-BC5DD5EDBB04}" destId="{E98F4E95-C673-4DAB-932E-811EC492A64F}" srcOrd="0" destOrd="0" parTransId="{8C62A397-5423-47B1-B0FB-73AF05960D87}" sibTransId="{847934CE-D7FF-4D3B-B610-411B19DA639A}"/>
+    <dgm:cxn modelId="{B1C9CE8D-CA4C-411A-94D5-D8816476E7FA}" type="presOf" srcId="{8B40B47B-59F5-4B7B-A310-139C8F957E44}" destId="{D6157C88-84D1-4964-899E-C28FBE7F1744}" srcOrd="0" destOrd="0" presId="urn:microsoft.com/office/officeart/2005/8/layout/chevron2"/>
+    <dgm:cxn modelId="{59E7D691-C706-4F42-B7C5-D8C965ADE89E}" type="presOf" srcId="{F6509505-F91F-42F9-B8DC-49B2C9F3D679}" destId="{BA530375-9DAB-430B-907B-AFE075C75A08}" srcOrd="0" destOrd="0" presId="urn:microsoft.com/office/officeart/2005/8/layout/chevron2"/>
+    <dgm:cxn modelId="{AC4C4E92-0A51-4798-AD1F-B24F73DE747F}" type="presOf" srcId="{D1322FD5-CF4E-4749-994B-CDDAD4B47B85}" destId="{1F3C6101-7D3D-48A7-A608-6B2C22A5E43F}" srcOrd="0" destOrd="0" presId="urn:microsoft.com/office/officeart/2005/8/layout/chevron2"/>
+    <dgm:cxn modelId="{50BC58A0-1CB2-4A6E-B7C3-E42DC6FAB5E9}" type="presOf" srcId="{09A066DC-A455-4976-A7CF-C961754F4792}" destId="{70A5AB0A-68D7-4F64-A51B-D431EA661C83}" srcOrd="0" destOrd="0" presId="urn:microsoft.com/office/officeart/2005/8/layout/chevron2"/>
+    <dgm:cxn modelId="{50A5F7A4-1745-40E7-B5D2-7EC02148D752}" srcId="{4A61C656-7AF0-483E-9DC5-0FC6203C5B2F}" destId="{1D1D5ED0-5D85-42E8-9ECE-DD250C545C13}" srcOrd="9" destOrd="0" parTransId="{F1512057-1D39-49F2-942F-16657024A4C5}" sibTransId="{64CB3CC8-3EE0-4F3C-85AD-7382AD9611FC}"/>
+    <dgm:cxn modelId="{2BD390B5-927B-4F4A-89EE-E26198B2A4DB}" type="presOf" srcId="{5AFBA232-38C4-4880-81AD-FD9BB700F865}" destId="{C9E94AD9-A9DC-4F83-A9BA-1D9894CE1255}" srcOrd="0" destOrd="0" presId="urn:microsoft.com/office/officeart/2005/8/layout/chevron2"/>
+    <dgm:cxn modelId="{D016C1B7-CB0D-4D9F-BD0C-A1C4D3ACB00F}" srcId="{1D1D5ED0-5D85-42E8-9ECE-DD250C545C13}" destId="{D7D99495-862E-48B6-ACDD-88787E0CADF3}" srcOrd="0" destOrd="0" parTransId="{2BED45E7-98BF-4663-80BE-1B73131CC818}" sibTransId="{0BB5FCF8-A835-47C1-9F8B-5C55B9A1695C}"/>
+    <dgm:cxn modelId="{1ABF09C4-559F-4218-9D1F-B526A8EC265E}" srcId="{4A61C656-7AF0-483E-9DC5-0FC6203C5B2F}" destId="{000E6BA0-A6F4-4644-904F-71BFF36B4584}" srcOrd="2" destOrd="0" parTransId="{3FF57307-C94E-44B0-BBC3-9FEC0EB230C3}" sibTransId="{A4025B20-E6A5-4DBE-9274-80903D8E861E}"/>
+    <dgm:cxn modelId="{ED0D56C4-7CAD-4453-8BD0-C49F60FBB10A}" type="presOf" srcId="{000E6BA0-A6F4-4644-904F-71BFF36B4584}" destId="{5741B5EB-BDD5-44C1-889B-25B60C4F349E}" srcOrd="0" destOrd="0" presId="urn:microsoft.com/office/officeart/2005/8/layout/chevron2"/>
+    <dgm:cxn modelId="{58504CE3-7B5B-40F7-8DB4-E4709A93DFE3}" srcId="{8BDB207D-1366-49F3-8DF8-E005CD8A927B}" destId="{8CD887B8-969A-49F2-8375-0BD3F02EB694}" srcOrd="0" destOrd="0" parTransId="{1ECC6C32-4EF9-48C1-888B-05AC53E78634}" sibTransId="{DA572389-E5AD-4178-8F57-64D7DC42CAF3}"/>
+    <dgm:cxn modelId="{43E1D3E4-2576-40A2-9563-2A6025768A63}" srcId="{A9EE8AB0-3B83-46D6-BD96-7E5E8BECFECF}" destId="{09A066DC-A455-4976-A7CF-C961754F4792}" srcOrd="0" destOrd="0" parTransId="{D48ADCA5-7D77-43A4-868E-F93B2F029132}" sibTransId="{27549B88-E158-47B8-90FE-CA2E219ABC26}"/>
+    <dgm:cxn modelId="{431E0EF0-2610-466F-B539-C3CBBC024116}" srcId="{4A61C656-7AF0-483E-9DC5-0FC6203C5B2F}" destId="{2869961C-A843-48C8-81CE-D9B41CBBE008}" srcOrd="0" destOrd="0" parTransId="{300A9C33-539F-40B2-A521-09476D84A523}" sibTransId="{BDC54816-3D20-4A6E-BDEC-F31006ED0BBE}"/>
+    <dgm:cxn modelId="{3D940BF7-7EEE-4281-8AAA-7BCBBB026ABB}" srcId="{2869961C-A843-48C8-81CE-D9B41CBBE008}" destId="{103ED1BE-C879-4C67-918B-C1332EBB79D8}" srcOrd="0" destOrd="0" parTransId="{609A1F09-2966-4EE3-BC8D-BB4817C34BDA}" sibTransId="{C7172319-9D25-4572-AE76-C411D50CD3A2}"/>
+    <dgm:cxn modelId="{B0BD8FFC-CC02-485B-B073-6653B6FA700D}" type="presOf" srcId="{C29309A3-9924-4C70-81A9-DE1CBC0D64E9}" destId="{DE21AA3F-4D38-45DA-86ED-EDBA7537315B}" srcOrd="0" destOrd="0" presId="urn:microsoft.com/office/officeart/2005/8/layout/chevron2"/>
+    <dgm:cxn modelId="{6FA8DAFE-E002-4303-9DF1-9047F31C29F2}" srcId="{4A61C656-7AF0-483E-9DC5-0FC6203C5B2F}" destId="{0792C099-043B-4A42-918F-FF99CA96F028}" srcOrd="6" destOrd="0" parTransId="{F84B7F8B-5235-4839-8E06-5AF42BEBC944}" sibTransId="{7947074E-F460-4520-9F7A-34D072285A8C}"/>
+    <dgm:cxn modelId="{C46C10FF-3122-4665-B609-2111BA72110A}" type="presOf" srcId="{D7D99495-862E-48B6-ACDD-88787E0CADF3}" destId="{AB10E657-95F8-4CFC-8EE9-57FFCA0B8817}" srcOrd="0" destOrd="0" presId="urn:microsoft.com/office/officeart/2005/8/layout/chevron2"/>
+    <dgm:cxn modelId="{7DBF3A29-E94E-45FA-B529-975CEA7AEAC2}" type="presParOf" srcId="{ACFCD2A7-A4C3-4171-96B0-0401ED6CF3C1}" destId="{D3B6950E-B2DB-422D-A964-7E3C93B4601E}" srcOrd="0" destOrd="0" presId="urn:microsoft.com/office/officeart/2005/8/layout/chevron2"/>
+    <dgm:cxn modelId="{F5C202A5-B70B-4BC0-B52B-D0CFD36E6A95}" type="presParOf" srcId="{D3B6950E-B2DB-422D-A964-7E3C93B4601E}" destId="{4BD213AB-06F7-450D-86CC-4274AD1171BC}" srcOrd="0" destOrd="0" presId="urn:microsoft.com/office/officeart/2005/8/layout/chevron2"/>
+    <dgm:cxn modelId="{0A8B6E31-2133-40A1-AD12-9BCE47EFA917}" type="presParOf" srcId="{D3B6950E-B2DB-422D-A964-7E3C93B4601E}" destId="{BCA83DE4-4401-4C2F-8D33-3319FF5D9497}" srcOrd="1" destOrd="0" presId="urn:microsoft.com/office/officeart/2005/8/layout/chevron2"/>
+    <dgm:cxn modelId="{FB90631B-88E0-429D-B30E-80D3BBDC6250}" type="presParOf" srcId="{ACFCD2A7-A4C3-4171-96B0-0401ED6CF3C1}" destId="{5ACB13F3-4FD9-48D9-A0BB-76AD1E1692E0}" srcOrd="1" destOrd="0" presId="urn:microsoft.com/office/officeart/2005/8/layout/chevron2"/>
+    <dgm:cxn modelId="{69BAE529-4737-4489-935B-5740B3FCA00D}" type="presParOf" srcId="{ACFCD2A7-A4C3-4171-96B0-0401ED6CF3C1}" destId="{A552BD71-3423-471D-9BD8-49CCFC01FCE3}" srcOrd="2" destOrd="0" presId="urn:microsoft.com/office/officeart/2005/8/layout/chevron2"/>
+    <dgm:cxn modelId="{CA86E2B6-8400-48B8-AD03-DEFE25FD03C5}" type="presParOf" srcId="{A552BD71-3423-471D-9BD8-49CCFC01FCE3}" destId="{365AE0AA-C6F6-444C-87B6-E8C88A1F0242}" srcOrd="0" destOrd="0" presId="urn:microsoft.com/office/officeart/2005/8/layout/chevron2"/>
+    <dgm:cxn modelId="{79D29703-3128-41ED-AE27-B69E56BE2352}" type="presParOf" srcId="{A552BD71-3423-471D-9BD8-49CCFC01FCE3}" destId="{70A5AB0A-68D7-4F64-A51B-D431EA661C83}" srcOrd="1" destOrd="0" presId="urn:microsoft.com/office/officeart/2005/8/layout/chevron2"/>
+    <dgm:cxn modelId="{C9F1BEEA-B696-4F7E-8499-3F1649492194}" type="presParOf" srcId="{ACFCD2A7-A4C3-4171-96B0-0401ED6CF3C1}" destId="{9C8930B5-58C7-4F34-BC0C-761632F2027B}" srcOrd="3" destOrd="0" presId="urn:microsoft.com/office/officeart/2005/8/layout/chevron2"/>
+    <dgm:cxn modelId="{0513EE30-A0D7-450B-BD73-5C2C34AA72E9}" type="presParOf" srcId="{ACFCD2A7-A4C3-4171-96B0-0401ED6CF3C1}" destId="{41C4F721-BAEE-455B-B8B2-AE078FA7B276}" srcOrd="4" destOrd="0" presId="urn:microsoft.com/office/officeart/2005/8/layout/chevron2"/>
+    <dgm:cxn modelId="{081BD787-FDD4-43A5-B9EB-13DA8BE14B0C}" type="presParOf" srcId="{41C4F721-BAEE-455B-B8B2-AE078FA7B276}" destId="{5741B5EB-BDD5-44C1-889B-25B60C4F349E}" srcOrd="0" destOrd="0" presId="urn:microsoft.com/office/officeart/2005/8/layout/chevron2"/>
+    <dgm:cxn modelId="{D02BA6F6-8615-4B90-A77A-6089B518EE86}" type="presParOf" srcId="{41C4F721-BAEE-455B-B8B2-AE078FA7B276}" destId="{1F3C6101-7D3D-48A7-A608-6B2C22A5E43F}" srcOrd="1" destOrd="0" presId="urn:microsoft.com/office/officeart/2005/8/layout/chevron2"/>
+    <dgm:cxn modelId="{C8B9DEEA-C7CA-4A9D-B945-AFDA545E2A24}" type="presParOf" srcId="{ACFCD2A7-A4C3-4171-96B0-0401ED6CF3C1}" destId="{2CD77459-F7C9-4D8F-858D-37356664B195}" srcOrd="5" destOrd="0" presId="urn:microsoft.com/office/officeart/2005/8/layout/chevron2"/>
+    <dgm:cxn modelId="{5540ECBD-95E3-4599-BDB2-9E89DD77CC61}" type="presParOf" srcId="{ACFCD2A7-A4C3-4171-96B0-0401ED6CF3C1}" destId="{CD0940AF-5B29-45C2-9ADE-31A99642B69E}" srcOrd="6" destOrd="0" presId="urn:microsoft.com/office/officeart/2005/8/layout/chevron2"/>
+    <dgm:cxn modelId="{5646A28F-110C-4E92-A363-64C5A86A6B4A}" type="presParOf" srcId="{CD0940AF-5B29-45C2-9ADE-31A99642B69E}" destId="{86AA0A3C-E9D6-4135-BF26-1E4356FC73E5}" srcOrd="0" destOrd="0" presId="urn:microsoft.com/office/officeart/2005/8/layout/chevron2"/>
+    <dgm:cxn modelId="{F01FD9B0-FB44-4173-A51B-3319C83EFDE5}" type="presParOf" srcId="{CD0940AF-5B29-45C2-9ADE-31A99642B69E}" destId="{6A047E17-BF69-4C93-A661-D24AA1EADFC0}" srcOrd="1" destOrd="0" presId="urn:microsoft.com/office/officeart/2005/8/layout/chevron2"/>
+    <dgm:cxn modelId="{A4052429-4990-4748-82CD-69CEB99D2691}" type="presParOf" srcId="{ACFCD2A7-A4C3-4171-96B0-0401ED6CF3C1}" destId="{D3AAE0A3-DF53-4204-B2DE-B3D710C8F733}" srcOrd="7" destOrd="0" presId="urn:microsoft.com/office/officeart/2005/8/layout/chevron2"/>
+    <dgm:cxn modelId="{0839CBC0-4A49-4C9B-9318-15622770599A}" type="presParOf" srcId="{ACFCD2A7-A4C3-4171-96B0-0401ED6CF3C1}" destId="{34C6D831-DD70-40E5-A984-8AB46F7D8B61}" srcOrd="8" destOrd="0" presId="urn:microsoft.com/office/officeart/2005/8/layout/chevron2"/>
+    <dgm:cxn modelId="{7817E873-10D7-4A16-9C8F-8CFB3556EEAA}" type="presParOf" srcId="{34C6D831-DD70-40E5-A984-8AB46F7D8B61}" destId="{363E3840-6F09-4B1F-A5FD-D8D2556DE20D}" srcOrd="0" destOrd="0" presId="urn:microsoft.com/office/officeart/2005/8/layout/chevron2"/>
+    <dgm:cxn modelId="{A58ECFAD-0173-4515-8757-F0AAF66CE123}" type="presParOf" srcId="{34C6D831-DD70-40E5-A984-8AB46F7D8B61}" destId="{82FCF805-9799-42D6-8112-294CBA83C1DF}" srcOrd="1" destOrd="0" presId="urn:microsoft.com/office/officeart/2005/8/layout/chevron2"/>
+    <dgm:cxn modelId="{B16E18A9-EAE7-4D75-8121-F1883363E9BF}" type="presParOf" srcId="{ACFCD2A7-A4C3-4171-96B0-0401ED6CF3C1}" destId="{BB1783FE-24CC-434B-B0E5-3A0EDC3D60FB}" srcOrd="9" destOrd="0" presId="urn:microsoft.com/office/officeart/2005/8/layout/chevron2"/>
+    <dgm:cxn modelId="{609A02D6-CBC6-41EB-9A01-0519C8CF145B}" type="presParOf" srcId="{ACFCD2A7-A4C3-4171-96B0-0401ED6CF3C1}" destId="{5838D9E9-D818-434F-9759-7FA29496EC53}" srcOrd="10" destOrd="0" presId="urn:microsoft.com/office/officeart/2005/8/layout/chevron2"/>
+    <dgm:cxn modelId="{E2305C2B-10CB-45A3-891E-4C61BF79B80C}" type="presParOf" srcId="{5838D9E9-D818-434F-9759-7FA29496EC53}" destId="{34CD200A-C8AD-4838-9B38-A05616232BD3}" srcOrd="0" destOrd="0" presId="urn:microsoft.com/office/officeart/2005/8/layout/chevron2"/>
+    <dgm:cxn modelId="{3D169565-A650-4C15-8947-34A328132EE8}" type="presParOf" srcId="{5838D9E9-D818-434F-9759-7FA29496EC53}" destId="{B3126FDB-095F-43D2-86D1-157F23331DF0}" srcOrd="1" destOrd="0" presId="urn:microsoft.com/office/officeart/2005/8/layout/chevron2"/>
+    <dgm:cxn modelId="{F7DCBEC2-8600-47F0-BA1C-99838533ABEE}" type="presParOf" srcId="{ACFCD2A7-A4C3-4171-96B0-0401ED6CF3C1}" destId="{61C3D572-64F0-4A8E-90D8-7306810C2587}" srcOrd="11" destOrd="0" presId="urn:microsoft.com/office/officeart/2005/8/layout/chevron2"/>
+    <dgm:cxn modelId="{6BC2E020-1950-4FF9-AA8C-ED93DE405DA1}" type="presParOf" srcId="{ACFCD2A7-A4C3-4171-96B0-0401ED6CF3C1}" destId="{0C979351-B51C-4091-8EE9-566A9046A2F1}" srcOrd="12" destOrd="0" presId="urn:microsoft.com/office/officeart/2005/8/layout/chevron2"/>
+    <dgm:cxn modelId="{981FBEF9-2331-4DA5-9656-23323BD8E481}" type="presParOf" srcId="{0C979351-B51C-4091-8EE9-566A9046A2F1}" destId="{CA93195C-3C62-4D0F-8AF1-2F4B5677415B}" srcOrd="0" destOrd="0" presId="urn:microsoft.com/office/officeart/2005/8/layout/chevron2"/>
+    <dgm:cxn modelId="{5F88F0C0-393B-45BB-BB95-B977DF0EAF68}" type="presParOf" srcId="{0C979351-B51C-4091-8EE9-566A9046A2F1}" destId="{27629AD8-FFDE-4979-AEC0-BB1E4E797C39}" srcOrd="1" destOrd="0" presId="urn:microsoft.com/office/officeart/2005/8/layout/chevron2"/>
+    <dgm:cxn modelId="{A38F4FEB-0B94-49EA-9431-7A79502FE57D}" type="presParOf" srcId="{ACFCD2A7-A4C3-4171-96B0-0401ED6CF3C1}" destId="{BD2D79AE-7DB0-4F73-9CBC-867BEB250174}" srcOrd="13" destOrd="0" presId="urn:microsoft.com/office/officeart/2005/8/layout/chevron2"/>
+    <dgm:cxn modelId="{8092326A-C51A-48D7-BCB4-11DC2AF8F832}" type="presParOf" srcId="{ACFCD2A7-A4C3-4171-96B0-0401ED6CF3C1}" destId="{926E9338-AAC8-448A-8CEE-3280DE5BC3E8}" srcOrd="14" destOrd="0" presId="urn:microsoft.com/office/officeart/2005/8/layout/chevron2"/>
+    <dgm:cxn modelId="{8C3D6913-A9C5-4D7A-B293-B93A6B4E08A6}" type="presParOf" srcId="{926E9338-AAC8-448A-8CEE-3280DE5BC3E8}" destId="{C9E94AD9-A9DC-4F83-A9BA-1D9894CE1255}" srcOrd="0" destOrd="0" presId="urn:microsoft.com/office/officeart/2005/8/layout/chevron2"/>
+    <dgm:cxn modelId="{71D6F56E-E24B-4A71-B903-87988DEAE79C}" type="presParOf" srcId="{926E9338-AAC8-448A-8CEE-3280DE5BC3E8}" destId="{D6157C88-84D1-4964-899E-C28FBE7F1744}" srcOrd="1" destOrd="0" presId="urn:microsoft.com/office/officeart/2005/8/layout/chevron2"/>
+    <dgm:cxn modelId="{02FF0833-107D-403A-AC69-2AD546872401}" type="presParOf" srcId="{ACFCD2A7-A4C3-4171-96B0-0401ED6CF3C1}" destId="{1D34E8B7-6E03-4F8D-BC63-01CAD1A199D6}" srcOrd="15" destOrd="0" presId="urn:microsoft.com/office/officeart/2005/8/layout/chevron2"/>
+    <dgm:cxn modelId="{3A7A6F40-C6A1-4021-8772-CE29533C9DDF}" type="presParOf" srcId="{ACFCD2A7-A4C3-4171-96B0-0401ED6CF3C1}" destId="{ADE1345D-23A6-4ACF-8CF3-92B2B1E061ED}" srcOrd="16" destOrd="0" presId="urn:microsoft.com/office/officeart/2005/8/layout/chevron2"/>
+    <dgm:cxn modelId="{7B5A02DB-0E76-41A5-A577-94D5476ABC10}" type="presParOf" srcId="{ADE1345D-23A6-4ACF-8CF3-92B2B1E061ED}" destId="{BA530375-9DAB-430B-907B-AFE075C75A08}" srcOrd="0" destOrd="0" presId="urn:microsoft.com/office/officeart/2005/8/layout/chevron2"/>
+    <dgm:cxn modelId="{8EEE58A9-E512-4948-B0EE-62FAF4726B4B}" type="presParOf" srcId="{ADE1345D-23A6-4ACF-8CF3-92B2B1E061ED}" destId="{DE21AA3F-4D38-45DA-86ED-EDBA7537315B}" srcOrd="1" destOrd="0" presId="urn:microsoft.com/office/officeart/2005/8/layout/chevron2"/>
+    <dgm:cxn modelId="{61EA9D6C-2A91-4357-A003-4632FD56653D}" type="presParOf" srcId="{ACFCD2A7-A4C3-4171-96B0-0401ED6CF3C1}" destId="{7A1AA540-00A7-4A07-AFF8-27A3A17C7128}" srcOrd="17" destOrd="0" presId="urn:microsoft.com/office/officeart/2005/8/layout/chevron2"/>
+    <dgm:cxn modelId="{2F95485B-66DB-4352-9738-083F2DB1AD8E}" type="presParOf" srcId="{ACFCD2A7-A4C3-4171-96B0-0401ED6CF3C1}" destId="{B7AC361A-ACAE-41DD-B586-587B35F5FD6D}" srcOrd="18" destOrd="0" presId="urn:microsoft.com/office/officeart/2005/8/layout/chevron2"/>
+    <dgm:cxn modelId="{C007BA6B-44C4-4B16-B37C-761626B9E154}" type="presParOf" srcId="{B7AC361A-ACAE-41DD-B586-587B35F5FD6D}" destId="{94EBCBCF-370A-4FC2-B7B8-0BBC5D32435E}" srcOrd="0" destOrd="0" presId="urn:microsoft.com/office/officeart/2005/8/layout/chevron2"/>
+    <dgm:cxn modelId="{AF28F82A-5113-4070-BA61-F187FB34721B}" type="presParOf" srcId="{B7AC361A-ACAE-41DD-B586-587B35F5FD6D}" destId="{AB10E657-95F8-4CFC-8EE9-57FFCA0B8817}" srcOrd="1" destOrd="0" presId="urn:microsoft.com/office/officeart/2005/8/layout/chevron2"/>
   </dgm:cxnLst>
   <dgm:bg/>
   <dgm:whole/>
@@ -1388,7 +3310,7 @@
         </a:bodyPr>
         <a:lstStyle/>
         <a:p>
-          <a:pPr lvl="0" algn="ctr" defTabSz="533400">
+          <a:pPr marL="0" lvl="0" indent="0" algn="ctr" defTabSz="533400">
             <a:lnSpc>
               <a:spcPct val="90000"/>
             </a:lnSpc>
@@ -1398,9 +3320,10 @@
             <a:spcAft>
               <a:spcPct val="35000"/>
             </a:spcAft>
+            <a:buNone/>
           </a:pPr>
           <a:r>
-            <a:rPr lang="en-US" sz="1200" kern="1200" dirty="0" smtClean="0"/>
+            <a:rPr lang="en-US" sz="1200" kern="1200" dirty="0"/>
             <a:t>2017/12</a:t>
           </a:r>
           <a:endParaRPr lang="zh-CN" altLang="en-US" sz="1200" kern="1200" dirty="0"/>
@@ -1490,7 +3413,7 @@
         </a:bodyPr>
         <a:lstStyle/>
         <a:p>
-          <a:pPr lvl="0" algn="ctr" defTabSz="533400">
+          <a:pPr marL="0" lvl="0" indent="0" algn="ctr" defTabSz="533400">
             <a:lnSpc>
               <a:spcPct val="90000"/>
             </a:lnSpc>
@@ -1500,9 +3423,10 @@
             <a:spcAft>
               <a:spcPct val="35000"/>
             </a:spcAft>
+            <a:buNone/>
           </a:pPr>
           <a:r>
-            <a:rPr lang="en-CA" altLang="zh-CN" sz="1200" kern="1200" dirty="0" smtClean="0"/>
+            <a:rPr lang="en-CA" altLang="zh-CN" sz="1200" kern="1200" dirty="0"/>
             <a:t>2018/02</a:t>
           </a:r>
           <a:endParaRPr lang="zh-CN" altLang="en-US" sz="1200" kern="1200" dirty="0"/>
@@ -1592,7 +3516,7 @@
         </a:bodyPr>
         <a:lstStyle/>
         <a:p>
-          <a:pPr lvl="0" algn="ctr" defTabSz="533400">
+          <a:pPr marL="0" lvl="0" indent="0" algn="ctr" defTabSz="533400">
             <a:lnSpc>
               <a:spcPct val="90000"/>
             </a:lnSpc>
@@ -1602,9 +3526,10 @@
             <a:spcAft>
               <a:spcPct val="35000"/>
             </a:spcAft>
+            <a:buNone/>
           </a:pPr>
           <a:r>
-            <a:rPr lang="en-CA" altLang="zh-CN" sz="1200" kern="1200" dirty="0" smtClean="0"/>
+            <a:rPr lang="en-CA" altLang="zh-CN" sz="1200" kern="1200" dirty="0"/>
             <a:t>2018/03</a:t>
           </a:r>
           <a:endParaRPr lang="zh-CN" altLang="en-US" sz="1200" kern="1200" dirty="0"/>
@@ -1694,7 +3619,7 @@
         </a:bodyPr>
         <a:lstStyle/>
         <a:p>
-          <a:pPr lvl="0" algn="ctr" defTabSz="533400">
+          <a:pPr marL="0" lvl="0" indent="0" algn="ctr" defTabSz="533400">
             <a:lnSpc>
               <a:spcPct val="90000"/>
             </a:lnSpc>
@@ -1704,9 +3629,10 @@
             <a:spcAft>
               <a:spcPct val="35000"/>
             </a:spcAft>
+            <a:buNone/>
           </a:pPr>
           <a:r>
-            <a:rPr lang="en-CA" altLang="zh-CN" sz="1200" kern="1200" dirty="0" smtClean="0"/>
+            <a:rPr lang="en-CA" altLang="zh-CN" sz="1200" kern="1200" dirty="0"/>
             <a:t>2018/05</a:t>
           </a:r>
           <a:endParaRPr lang="zh-CN" altLang="en-US" sz="1200" kern="1200" dirty="0"/>
@@ -1796,7 +3722,7 @@
         </a:bodyPr>
         <a:lstStyle/>
         <a:p>
-          <a:pPr lvl="0" algn="ctr" defTabSz="533400">
+          <a:pPr marL="0" lvl="0" indent="0" algn="ctr" defTabSz="533400">
             <a:lnSpc>
               <a:spcPct val="90000"/>
             </a:lnSpc>
@@ -1806,9 +3732,10 @@
             <a:spcAft>
               <a:spcPct val="35000"/>
             </a:spcAft>
+            <a:buNone/>
           </a:pPr>
           <a:r>
-            <a:rPr lang="en-CA" altLang="zh-CN" sz="1200" kern="1200" dirty="0" smtClean="0"/>
+            <a:rPr lang="en-CA" altLang="zh-CN" sz="1200" kern="1200" dirty="0"/>
             <a:t>2018/06</a:t>
           </a:r>
           <a:endParaRPr lang="zh-CN" altLang="en-US" sz="1200" kern="1200" dirty="0"/>
@@ -1898,7 +3825,7 @@
         </a:bodyPr>
         <a:lstStyle/>
         <a:p>
-          <a:pPr lvl="0" algn="ctr" defTabSz="533400">
+          <a:pPr marL="0" lvl="0" indent="0" algn="ctr" defTabSz="533400">
             <a:lnSpc>
               <a:spcPct val="90000"/>
             </a:lnSpc>
@@ -1908,9 +3835,10 @@
             <a:spcAft>
               <a:spcPct val="35000"/>
             </a:spcAft>
+            <a:buNone/>
           </a:pPr>
           <a:r>
-            <a:rPr lang="en-CA" altLang="zh-CN" sz="1200" kern="1200" dirty="0" smtClean="0"/>
+            <a:rPr lang="en-CA" altLang="zh-CN" sz="1200" kern="1200" dirty="0"/>
             <a:t>2018/07</a:t>
           </a:r>
           <a:endParaRPr lang="zh-CN" altLang="en-US" sz="1200" kern="1200" dirty="0"/>
@@ -2000,7 +3928,7 @@
         </a:bodyPr>
         <a:lstStyle/>
         <a:p>
-          <a:pPr lvl="0" algn="ctr" defTabSz="533400">
+          <a:pPr marL="0" lvl="0" indent="0" algn="ctr" defTabSz="533400">
             <a:lnSpc>
               <a:spcPct val="90000"/>
             </a:lnSpc>
@@ -2010,9 +3938,10 @@
             <a:spcAft>
               <a:spcPct val="35000"/>
             </a:spcAft>
+            <a:buNone/>
           </a:pPr>
           <a:r>
-            <a:rPr lang="en-CA" altLang="zh-CN" sz="1200" kern="1200" dirty="0" smtClean="0"/>
+            <a:rPr lang="en-CA" altLang="zh-CN" sz="1200" kern="1200" dirty="0"/>
             <a:t>2018/08</a:t>
           </a:r>
           <a:endParaRPr lang="zh-CN" altLang="en-US" sz="1200" kern="1200" dirty="0"/>
@@ -2021,6 +3950,1595 @@
       <dsp:txXfrm>
         <a:off x="5754342" y="1854603"/>
         <a:ext cx="616537" cy="411024"/>
+      </dsp:txXfrm>
+    </dsp:sp>
+  </dsp:spTree>
+</dsp:drawing>
+</file>
+
+<file path=ppt/diagrams/drawing2.xml><?xml version="1.0" encoding="utf-8"?>
+<dsp:drawing xmlns:dgm="http://schemas.openxmlformats.org/drawingml/2006/diagram" xmlns:dsp="http://schemas.microsoft.com/office/drawing/2008/diagram" xmlns:a="http://schemas.openxmlformats.org/drawingml/2006/main">
+  <dsp:spTree>
+    <dsp:nvGrpSpPr>
+      <dsp:cNvPr id="0" name=""/>
+      <dsp:cNvGrpSpPr/>
+    </dsp:nvGrpSpPr>
+    <dsp:grpSpPr/>
+    <dsp:sp modelId="{4BD213AB-06F7-450D-86CC-4274AD1171BC}">
+      <dsp:nvSpPr>
+        <dsp:cNvPr id="0" name=""/>
+        <dsp:cNvSpPr/>
+      </dsp:nvSpPr>
+      <dsp:spPr>
+        <a:xfrm rot="5400000">
+          <a:off x="-100691" y="101948"/>
+          <a:ext cx="671277" cy="469894"/>
+        </a:xfrm>
+        <a:prstGeom prst="chevron">
+          <a:avLst/>
+        </a:prstGeom>
+        <a:solidFill>
+          <a:schemeClr val="accent5">
+            <a:hueOff val="0"/>
+            <a:satOff val="0"/>
+            <a:lumOff val="0"/>
+            <a:alphaOff val="0"/>
+          </a:schemeClr>
+        </a:solidFill>
+        <a:ln w="25400" cap="flat" cmpd="sng" algn="ctr">
+          <a:solidFill>
+            <a:schemeClr val="accent5">
+              <a:hueOff val="0"/>
+              <a:satOff val="0"/>
+              <a:lumOff val="0"/>
+              <a:alphaOff val="0"/>
+            </a:schemeClr>
+          </a:solidFill>
+          <a:prstDash val="solid"/>
+        </a:ln>
+        <a:effectLst/>
+      </dsp:spPr>
+      <dsp:style>
+        <a:lnRef idx="2">
+          <a:scrgbClr r="0" g="0" b="0"/>
+        </a:lnRef>
+        <a:fillRef idx="1">
+          <a:scrgbClr r="0" g="0" b="0"/>
+        </a:fillRef>
+        <a:effectRef idx="0">
+          <a:scrgbClr r="0" g="0" b="0"/>
+        </a:effectRef>
+        <a:fontRef idx="minor">
+          <a:schemeClr val="lt1"/>
+        </a:fontRef>
+      </dsp:style>
+      <dsp:txBody>
+        <a:bodyPr spcFirstLastPara="0" vert="horz" wrap="square" lIns="6350" tIns="6350" rIns="6350" bIns="6350" numCol="1" spcCol="1270" anchor="ctr" anchorCtr="0">
+          <a:noAutofit/>
+        </a:bodyPr>
+        <a:lstStyle/>
+        <a:p>
+          <a:pPr marL="0" lvl="0" indent="0" algn="ctr" defTabSz="444500">
+            <a:lnSpc>
+              <a:spcPct val="90000"/>
+            </a:lnSpc>
+            <a:spcBef>
+              <a:spcPct val="0"/>
+            </a:spcBef>
+            <a:spcAft>
+              <a:spcPct val="35000"/>
+            </a:spcAft>
+            <a:buNone/>
+          </a:pPr>
+          <a:r>
+            <a:rPr lang="en-CA" sz="1000" kern="1200" dirty="0"/>
+            <a:t>2017/12</a:t>
+          </a:r>
+        </a:p>
+      </dsp:txBody>
+      <dsp:txXfrm rot="-5400000">
+        <a:off x="1" y="236203"/>
+        <a:ext cx="469894" cy="201383"/>
+      </dsp:txXfrm>
+    </dsp:sp>
+    <dsp:sp modelId="{BCA83DE4-4401-4C2F-8D33-3319FF5D9497}">
+      <dsp:nvSpPr>
+        <dsp:cNvPr id="0" name=""/>
+        <dsp:cNvSpPr/>
+      </dsp:nvSpPr>
+      <dsp:spPr>
+        <a:xfrm rot="5400000">
+          <a:off x="3340981" y="-2869831"/>
+          <a:ext cx="436330" cy="6178505"/>
+        </a:xfrm>
+        <a:prstGeom prst="round2SameRect">
+          <a:avLst/>
+        </a:prstGeom>
+        <a:solidFill>
+          <a:schemeClr val="lt1">
+            <a:alpha val="90000"/>
+            <a:hueOff val="0"/>
+            <a:satOff val="0"/>
+            <a:lumOff val="0"/>
+            <a:alphaOff val="0"/>
+          </a:schemeClr>
+        </a:solidFill>
+        <a:ln w="25400" cap="flat" cmpd="sng" algn="ctr">
+          <a:solidFill>
+            <a:schemeClr val="accent5">
+              <a:hueOff val="0"/>
+              <a:satOff val="0"/>
+              <a:lumOff val="0"/>
+              <a:alphaOff val="0"/>
+            </a:schemeClr>
+          </a:solidFill>
+          <a:prstDash val="solid"/>
+        </a:ln>
+        <a:effectLst/>
+      </dsp:spPr>
+      <dsp:style>
+        <a:lnRef idx="2">
+          <a:scrgbClr r="0" g="0" b="0"/>
+        </a:lnRef>
+        <a:fillRef idx="1">
+          <a:scrgbClr r="0" g="0" b="0"/>
+        </a:fillRef>
+        <a:effectRef idx="0">
+          <a:scrgbClr r="0" g="0" b="0"/>
+        </a:effectRef>
+        <a:fontRef idx="minor"/>
+      </dsp:style>
+      <dsp:txBody>
+        <a:bodyPr spcFirstLastPara="0" vert="horz" wrap="square" lIns="170688" tIns="15240" rIns="15240" bIns="15240" numCol="1" spcCol="1270" anchor="ctr" anchorCtr="0">
+          <a:noAutofit/>
+        </a:bodyPr>
+        <a:lstStyle/>
+        <a:p>
+          <a:pPr marL="228600" lvl="1" indent="-228600" algn="l" defTabSz="1066800">
+            <a:lnSpc>
+              <a:spcPct val="90000"/>
+            </a:lnSpc>
+            <a:spcBef>
+              <a:spcPct val="0"/>
+            </a:spcBef>
+            <a:spcAft>
+              <a:spcPct val="15000"/>
+            </a:spcAft>
+            <a:buChar char="•"/>
+          </a:pPr>
+          <a:r>
+            <a:rPr lang="zh-CN" altLang="en-US" sz="2400" kern="1200" dirty="0"/>
+            <a:t>竞猜链团队成立</a:t>
+          </a:r>
+          <a:endParaRPr lang="en-CA" sz="2400" kern="1200" dirty="0"/>
+        </a:p>
+      </dsp:txBody>
+      <dsp:txXfrm rot="-5400000">
+        <a:off x="469894" y="22556"/>
+        <a:ext cx="6157205" cy="393730"/>
+      </dsp:txXfrm>
+    </dsp:sp>
+    <dsp:sp modelId="{365AE0AA-C6F6-444C-87B6-E8C88A1F0242}">
+      <dsp:nvSpPr>
+        <dsp:cNvPr id="0" name=""/>
+        <dsp:cNvSpPr/>
+      </dsp:nvSpPr>
+      <dsp:spPr>
+        <a:xfrm rot="5400000">
+          <a:off x="-100691" y="715158"/>
+          <a:ext cx="671277" cy="469894"/>
+        </a:xfrm>
+        <a:prstGeom prst="chevron">
+          <a:avLst/>
+        </a:prstGeom>
+        <a:solidFill>
+          <a:schemeClr val="accent5">
+            <a:hueOff val="-1103764"/>
+            <a:satOff val="4423"/>
+            <a:lumOff val="959"/>
+            <a:alphaOff val="0"/>
+          </a:schemeClr>
+        </a:solidFill>
+        <a:ln w="25400" cap="flat" cmpd="sng" algn="ctr">
+          <a:solidFill>
+            <a:schemeClr val="accent5">
+              <a:hueOff val="-1103764"/>
+              <a:satOff val="4423"/>
+              <a:lumOff val="959"/>
+              <a:alphaOff val="0"/>
+            </a:schemeClr>
+          </a:solidFill>
+          <a:prstDash val="solid"/>
+        </a:ln>
+        <a:effectLst/>
+      </dsp:spPr>
+      <dsp:style>
+        <a:lnRef idx="2">
+          <a:scrgbClr r="0" g="0" b="0"/>
+        </a:lnRef>
+        <a:fillRef idx="1">
+          <a:scrgbClr r="0" g="0" b="0"/>
+        </a:fillRef>
+        <a:effectRef idx="0">
+          <a:scrgbClr r="0" g="0" b="0"/>
+        </a:effectRef>
+        <a:fontRef idx="minor">
+          <a:schemeClr val="lt1"/>
+        </a:fontRef>
+      </dsp:style>
+      <dsp:txBody>
+        <a:bodyPr spcFirstLastPara="0" vert="horz" wrap="square" lIns="6350" tIns="6350" rIns="6350" bIns="6350" numCol="1" spcCol="1270" anchor="ctr" anchorCtr="0">
+          <a:noAutofit/>
+        </a:bodyPr>
+        <a:lstStyle/>
+        <a:p>
+          <a:pPr marL="0" lvl="0" indent="0" algn="ctr" defTabSz="444500">
+            <a:lnSpc>
+              <a:spcPct val="90000"/>
+            </a:lnSpc>
+            <a:spcBef>
+              <a:spcPct val="0"/>
+            </a:spcBef>
+            <a:spcAft>
+              <a:spcPct val="35000"/>
+            </a:spcAft>
+            <a:buNone/>
+          </a:pPr>
+          <a:r>
+            <a:rPr lang="en-US" altLang="zh-CN" sz="1000" kern="1200" dirty="0"/>
+            <a:t>2017/03</a:t>
+          </a:r>
+          <a:endParaRPr lang="en-CA" sz="1000" kern="1200" dirty="0"/>
+        </a:p>
+      </dsp:txBody>
+      <dsp:txXfrm rot="-5400000">
+        <a:off x="1" y="849413"/>
+        <a:ext cx="469894" cy="201383"/>
+      </dsp:txXfrm>
+    </dsp:sp>
+    <dsp:sp modelId="{70A5AB0A-68D7-4F64-A51B-D431EA661C83}">
+      <dsp:nvSpPr>
+        <dsp:cNvPr id="0" name=""/>
+        <dsp:cNvSpPr/>
+      </dsp:nvSpPr>
+      <dsp:spPr>
+        <a:xfrm rot="5400000">
+          <a:off x="3340981" y="-2256620"/>
+          <a:ext cx="436330" cy="6178505"/>
+        </a:xfrm>
+        <a:prstGeom prst="round2SameRect">
+          <a:avLst/>
+        </a:prstGeom>
+        <a:solidFill>
+          <a:schemeClr val="lt1">
+            <a:alpha val="90000"/>
+            <a:hueOff val="0"/>
+            <a:satOff val="0"/>
+            <a:lumOff val="0"/>
+            <a:alphaOff val="0"/>
+          </a:schemeClr>
+        </a:solidFill>
+        <a:ln w="25400" cap="flat" cmpd="sng" algn="ctr">
+          <a:solidFill>
+            <a:schemeClr val="accent5">
+              <a:hueOff val="-1103764"/>
+              <a:satOff val="4423"/>
+              <a:lumOff val="959"/>
+              <a:alphaOff val="0"/>
+            </a:schemeClr>
+          </a:solidFill>
+          <a:prstDash val="solid"/>
+        </a:ln>
+        <a:effectLst/>
+      </dsp:spPr>
+      <dsp:style>
+        <a:lnRef idx="2">
+          <a:scrgbClr r="0" g="0" b="0"/>
+        </a:lnRef>
+        <a:fillRef idx="1">
+          <a:scrgbClr r="0" g="0" b="0"/>
+        </a:fillRef>
+        <a:effectRef idx="0">
+          <a:scrgbClr r="0" g="0" b="0"/>
+        </a:effectRef>
+        <a:fontRef idx="minor"/>
+      </dsp:style>
+      <dsp:txBody>
+        <a:bodyPr spcFirstLastPara="0" vert="horz" wrap="square" lIns="170688" tIns="15240" rIns="15240" bIns="15240" numCol="1" spcCol="1270" anchor="ctr" anchorCtr="0">
+          <a:noAutofit/>
+        </a:bodyPr>
+        <a:lstStyle/>
+        <a:p>
+          <a:pPr marL="228600" lvl="1" indent="-228600" algn="l" defTabSz="1066800">
+            <a:lnSpc>
+              <a:spcPct val="90000"/>
+            </a:lnSpc>
+            <a:spcBef>
+              <a:spcPct val="0"/>
+            </a:spcBef>
+            <a:spcAft>
+              <a:spcPct val="15000"/>
+            </a:spcAft>
+            <a:buChar char="•"/>
+          </a:pPr>
+          <a:r>
+            <a:rPr lang="zh-CN" altLang="en-US" sz="2400" kern="1200" dirty="0"/>
+            <a:t>启动底层链设计及模块开发</a:t>
+          </a:r>
+          <a:endParaRPr lang="en-CA" sz="2400" kern="1200" dirty="0"/>
+        </a:p>
+      </dsp:txBody>
+      <dsp:txXfrm rot="-5400000">
+        <a:off x="469894" y="635767"/>
+        <a:ext cx="6157205" cy="393730"/>
+      </dsp:txXfrm>
+    </dsp:sp>
+    <dsp:sp modelId="{5741B5EB-BDD5-44C1-889B-25B60C4F349E}">
+      <dsp:nvSpPr>
+        <dsp:cNvPr id="0" name=""/>
+        <dsp:cNvSpPr/>
+      </dsp:nvSpPr>
+      <dsp:spPr>
+        <a:xfrm rot="5400000">
+          <a:off x="-100691" y="1328369"/>
+          <a:ext cx="671277" cy="469894"/>
+        </a:xfrm>
+        <a:prstGeom prst="chevron">
+          <a:avLst/>
+        </a:prstGeom>
+        <a:solidFill>
+          <a:schemeClr val="accent5">
+            <a:hueOff val="-2207528"/>
+            <a:satOff val="8847"/>
+            <a:lumOff val="1917"/>
+            <a:alphaOff val="0"/>
+          </a:schemeClr>
+        </a:solidFill>
+        <a:ln w="25400" cap="flat" cmpd="sng" algn="ctr">
+          <a:solidFill>
+            <a:schemeClr val="accent5">
+              <a:hueOff val="-2207528"/>
+              <a:satOff val="8847"/>
+              <a:lumOff val="1917"/>
+              <a:alphaOff val="0"/>
+            </a:schemeClr>
+          </a:solidFill>
+          <a:prstDash val="solid"/>
+        </a:ln>
+        <a:effectLst/>
+      </dsp:spPr>
+      <dsp:style>
+        <a:lnRef idx="2">
+          <a:scrgbClr r="0" g="0" b="0"/>
+        </a:lnRef>
+        <a:fillRef idx="1">
+          <a:scrgbClr r="0" g="0" b="0"/>
+        </a:fillRef>
+        <a:effectRef idx="0">
+          <a:scrgbClr r="0" g="0" b="0"/>
+        </a:effectRef>
+        <a:fontRef idx="minor">
+          <a:schemeClr val="lt1"/>
+        </a:fontRef>
+      </dsp:style>
+      <dsp:txBody>
+        <a:bodyPr spcFirstLastPara="0" vert="horz" wrap="square" lIns="6350" tIns="6350" rIns="6350" bIns="6350" numCol="1" spcCol="1270" anchor="ctr" anchorCtr="0">
+          <a:noAutofit/>
+        </a:bodyPr>
+        <a:lstStyle/>
+        <a:p>
+          <a:pPr marL="0" lvl="0" indent="0" algn="ctr" defTabSz="444500">
+            <a:lnSpc>
+              <a:spcPct val="90000"/>
+            </a:lnSpc>
+            <a:spcBef>
+              <a:spcPct val="0"/>
+            </a:spcBef>
+            <a:spcAft>
+              <a:spcPct val="35000"/>
+            </a:spcAft>
+            <a:buNone/>
+          </a:pPr>
+          <a:r>
+            <a:rPr lang="en-US" altLang="zh-CN" sz="1000" kern="1200" dirty="0"/>
+            <a:t>2018/05</a:t>
+          </a:r>
+          <a:endParaRPr lang="en-CA" sz="1000" kern="1200" dirty="0"/>
+        </a:p>
+      </dsp:txBody>
+      <dsp:txXfrm rot="-5400000">
+        <a:off x="1" y="1462624"/>
+        <a:ext cx="469894" cy="201383"/>
+      </dsp:txXfrm>
+    </dsp:sp>
+    <dsp:sp modelId="{1F3C6101-7D3D-48A7-A608-6B2C22A5E43F}">
+      <dsp:nvSpPr>
+        <dsp:cNvPr id="0" name=""/>
+        <dsp:cNvSpPr/>
+      </dsp:nvSpPr>
+      <dsp:spPr>
+        <a:xfrm rot="5400000">
+          <a:off x="3340981" y="-1643409"/>
+          <a:ext cx="436330" cy="6178505"/>
+        </a:xfrm>
+        <a:prstGeom prst="round2SameRect">
+          <a:avLst/>
+        </a:prstGeom>
+        <a:solidFill>
+          <a:schemeClr val="lt1">
+            <a:alpha val="90000"/>
+            <a:hueOff val="0"/>
+            <a:satOff val="0"/>
+            <a:lumOff val="0"/>
+            <a:alphaOff val="0"/>
+          </a:schemeClr>
+        </a:solidFill>
+        <a:ln w="25400" cap="flat" cmpd="sng" algn="ctr">
+          <a:solidFill>
+            <a:schemeClr val="accent5">
+              <a:hueOff val="-2207528"/>
+              <a:satOff val="8847"/>
+              <a:lumOff val="1917"/>
+              <a:alphaOff val="0"/>
+            </a:schemeClr>
+          </a:solidFill>
+          <a:prstDash val="solid"/>
+        </a:ln>
+        <a:effectLst/>
+      </dsp:spPr>
+      <dsp:style>
+        <a:lnRef idx="2">
+          <a:scrgbClr r="0" g="0" b="0"/>
+        </a:lnRef>
+        <a:fillRef idx="1">
+          <a:scrgbClr r="0" g="0" b="0"/>
+        </a:fillRef>
+        <a:effectRef idx="0">
+          <a:scrgbClr r="0" g="0" b="0"/>
+        </a:effectRef>
+        <a:fontRef idx="minor"/>
+      </dsp:style>
+      <dsp:txBody>
+        <a:bodyPr spcFirstLastPara="0" vert="horz" wrap="square" lIns="170688" tIns="15240" rIns="15240" bIns="15240" numCol="1" spcCol="1270" anchor="ctr" anchorCtr="0">
+          <a:noAutofit/>
+        </a:bodyPr>
+        <a:lstStyle/>
+        <a:p>
+          <a:pPr marL="228600" lvl="1" indent="-228600" algn="l" defTabSz="1066800">
+            <a:lnSpc>
+              <a:spcPct val="90000"/>
+            </a:lnSpc>
+            <a:spcBef>
+              <a:spcPct val="0"/>
+            </a:spcBef>
+            <a:spcAft>
+              <a:spcPct val="15000"/>
+            </a:spcAft>
+            <a:buChar char="•"/>
+          </a:pPr>
+          <a:r>
+            <a:rPr lang="en-US" altLang="zh-CN" sz="2400" kern="1200" dirty="0"/>
+            <a:t>0</a:t>
+          </a:r>
+          <a:r>
+            <a:rPr lang="zh-CN" altLang="en-US" sz="2400" kern="1200" dirty="0"/>
+            <a:t>元购</a:t>
+          </a:r>
+          <a:r>
+            <a:rPr lang="en-US" altLang="zh-CN" sz="2400" kern="1200" dirty="0"/>
+            <a:t>DAPP</a:t>
+          </a:r>
+          <a:r>
+            <a:rPr lang="zh-CN" altLang="en-US" sz="2400" kern="1200" dirty="0"/>
+            <a:t>开发完成上线</a:t>
+          </a:r>
+          <a:endParaRPr lang="en-CA" sz="2400" kern="1200" dirty="0"/>
+        </a:p>
+      </dsp:txBody>
+      <dsp:txXfrm rot="-5400000">
+        <a:off x="469894" y="1248978"/>
+        <a:ext cx="6157205" cy="393730"/>
+      </dsp:txXfrm>
+    </dsp:sp>
+    <dsp:sp modelId="{86AA0A3C-E9D6-4135-BF26-1E4356FC73E5}">
+      <dsp:nvSpPr>
+        <dsp:cNvPr id="0" name=""/>
+        <dsp:cNvSpPr/>
+      </dsp:nvSpPr>
+      <dsp:spPr>
+        <a:xfrm rot="5400000">
+          <a:off x="-100691" y="1941580"/>
+          <a:ext cx="671277" cy="469894"/>
+        </a:xfrm>
+        <a:prstGeom prst="chevron">
+          <a:avLst/>
+        </a:prstGeom>
+        <a:solidFill>
+          <a:schemeClr val="accent5">
+            <a:hueOff val="-3311292"/>
+            <a:satOff val="13270"/>
+            <a:lumOff val="2876"/>
+            <a:alphaOff val="0"/>
+          </a:schemeClr>
+        </a:solidFill>
+        <a:ln w="25400" cap="flat" cmpd="sng" algn="ctr">
+          <a:solidFill>
+            <a:schemeClr val="accent5">
+              <a:hueOff val="-3311292"/>
+              <a:satOff val="13270"/>
+              <a:lumOff val="2876"/>
+              <a:alphaOff val="0"/>
+            </a:schemeClr>
+          </a:solidFill>
+          <a:prstDash val="solid"/>
+        </a:ln>
+        <a:effectLst/>
+      </dsp:spPr>
+      <dsp:style>
+        <a:lnRef idx="2">
+          <a:scrgbClr r="0" g="0" b="0"/>
+        </a:lnRef>
+        <a:fillRef idx="1">
+          <a:scrgbClr r="0" g="0" b="0"/>
+        </a:fillRef>
+        <a:effectRef idx="0">
+          <a:scrgbClr r="0" g="0" b="0"/>
+        </a:effectRef>
+        <a:fontRef idx="minor">
+          <a:schemeClr val="lt1"/>
+        </a:fontRef>
+      </dsp:style>
+      <dsp:txBody>
+        <a:bodyPr spcFirstLastPara="0" vert="horz" wrap="square" lIns="6350" tIns="6350" rIns="6350" bIns="6350" numCol="1" spcCol="1270" anchor="ctr" anchorCtr="0">
+          <a:noAutofit/>
+        </a:bodyPr>
+        <a:lstStyle/>
+        <a:p>
+          <a:pPr marL="0" lvl="0" indent="0" algn="ctr" defTabSz="444500">
+            <a:lnSpc>
+              <a:spcPct val="90000"/>
+            </a:lnSpc>
+            <a:spcBef>
+              <a:spcPct val="0"/>
+            </a:spcBef>
+            <a:spcAft>
+              <a:spcPct val="35000"/>
+            </a:spcAft>
+            <a:buNone/>
+          </a:pPr>
+          <a:r>
+            <a:rPr lang="en-US" altLang="zh-CN" sz="1000" kern="1200" dirty="0"/>
+            <a:t>2018/06</a:t>
+          </a:r>
+          <a:endParaRPr lang="en-CA" sz="1000" kern="1200" dirty="0"/>
+        </a:p>
+      </dsp:txBody>
+      <dsp:txXfrm rot="-5400000">
+        <a:off x="1" y="2075835"/>
+        <a:ext cx="469894" cy="201383"/>
+      </dsp:txXfrm>
+    </dsp:sp>
+    <dsp:sp modelId="{6A047E17-BF69-4C93-A661-D24AA1EADFC0}">
+      <dsp:nvSpPr>
+        <dsp:cNvPr id="0" name=""/>
+        <dsp:cNvSpPr/>
+      </dsp:nvSpPr>
+      <dsp:spPr>
+        <a:xfrm rot="5400000">
+          <a:off x="3340981" y="-1030198"/>
+          <a:ext cx="436330" cy="6178505"/>
+        </a:xfrm>
+        <a:prstGeom prst="round2SameRect">
+          <a:avLst/>
+        </a:prstGeom>
+        <a:solidFill>
+          <a:schemeClr val="lt1">
+            <a:alpha val="90000"/>
+            <a:hueOff val="0"/>
+            <a:satOff val="0"/>
+            <a:lumOff val="0"/>
+            <a:alphaOff val="0"/>
+          </a:schemeClr>
+        </a:solidFill>
+        <a:ln w="25400" cap="flat" cmpd="sng" algn="ctr">
+          <a:solidFill>
+            <a:schemeClr val="accent5">
+              <a:hueOff val="-3311292"/>
+              <a:satOff val="13270"/>
+              <a:lumOff val="2876"/>
+              <a:alphaOff val="0"/>
+            </a:schemeClr>
+          </a:solidFill>
+          <a:prstDash val="solid"/>
+        </a:ln>
+        <a:effectLst/>
+      </dsp:spPr>
+      <dsp:style>
+        <a:lnRef idx="2">
+          <a:scrgbClr r="0" g="0" b="0"/>
+        </a:lnRef>
+        <a:fillRef idx="1">
+          <a:scrgbClr r="0" g="0" b="0"/>
+        </a:fillRef>
+        <a:effectRef idx="0">
+          <a:scrgbClr r="0" g="0" b="0"/>
+        </a:effectRef>
+        <a:fontRef idx="minor"/>
+      </dsp:style>
+      <dsp:txBody>
+        <a:bodyPr spcFirstLastPara="0" vert="horz" wrap="square" lIns="170688" tIns="15240" rIns="15240" bIns="15240" numCol="1" spcCol="1270" anchor="ctr" anchorCtr="0">
+          <a:noAutofit/>
+        </a:bodyPr>
+        <a:lstStyle/>
+        <a:p>
+          <a:pPr marL="228600" lvl="1" indent="-228600" algn="l" defTabSz="1066800">
+            <a:lnSpc>
+              <a:spcPct val="90000"/>
+            </a:lnSpc>
+            <a:spcBef>
+              <a:spcPct val="0"/>
+            </a:spcBef>
+            <a:spcAft>
+              <a:spcPct val="15000"/>
+            </a:spcAft>
+            <a:buChar char="•"/>
+          </a:pPr>
+          <a:r>
+            <a:rPr lang="zh-CN" altLang="en-US" sz="2400" kern="1200" dirty="0"/>
+            <a:t>世界杯竟猜体验版上线</a:t>
+          </a:r>
+          <a:endParaRPr lang="en-CA" sz="2400" kern="1200" dirty="0"/>
+        </a:p>
+      </dsp:txBody>
+      <dsp:txXfrm rot="-5400000">
+        <a:off x="469894" y="1862189"/>
+        <a:ext cx="6157205" cy="393730"/>
+      </dsp:txXfrm>
+    </dsp:sp>
+    <dsp:sp modelId="{363E3840-6F09-4B1F-A5FD-D8D2556DE20D}">
+      <dsp:nvSpPr>
+        <dsp:cNvPr id="0" name=""/>
+        <dsp:cNvSpPr/>
+      </dsp:nvSpPr>
+      <dsp:spPr>
+        <a:xfrm rot="5400000">
+          <a:off x="-100691" y="2554791"/>
+          <a:ext cx="671277" cy="469894"/>
+        </a:xfrm>
+        <a:prstGeom prst="chevron">
+          <a:avLst/>
+        </a:prstGeom>
+        <a:solidFill>
+          <a:schemeClr val="accent5">
+            <a:hueOff val="-4415056"/>
+            <a:satOff val="17694"/>
+            <a:lumOff val="3835"/>
+            <a:alphaOff val="0"/>
+          </a:schemeClr>
+        </a:solidFill>
+        <a:ln w="25400" cap="flat" cmpd="sng" algn="ctr">
+          <a:solidFill>
+            <a:schemeClr val="accent5">
+              <a:hueOff val="-4415056"/>
+              <a:satOff val="17694"/>
+              <a:lumOff val="3835"/>
+              <a:alphaOff val="0"/>
+            </a:schemeClr>
+          </a:solidFill>
+          <a:prstDash val="solid"/>
+        </a:ln>
+        <a:effectLst/>
+      </dsp:spPr>
+      <dsp:style>
+        <a:lnRef idx="2">
+          <a:scrgbClr r="0" g="0" b="0"/>
+        </a:lnRef>
+        <a:fillRef idx="1">
+          <a:scrgbClr r="0" g="0" b="0"/>
+        </a:fillRef>
+        <a:effectRef idx="0">
+          <a:scrgbClr r="0" g="0" b="0"/>
+        </a:effectRef>
+        <a:fontRef idx="minor">
+          <a:schemeClr val="lt1"/>
+        </a:fontRef>
+      </dsp:style>
+      <dsp:txBody>
+        <a:bodyPr spcFirstLastPara="0" vert="horz" wrap="square" lIns="6350" tIns="6350" rIns="6350" bIns="6350" numCol="1" spcCol="1270" anchor="ctr" anchorCtr="0">
+          <a:noAutofit/>
+        </a:bodyPr>
+        <a:lstStyle/>
+        <a:p>
+          <a:pPr marL="0" lvl="0" indent="0" algn="ctr" defTabSz="444500">
+            <a:lnSpc>
+              <a:spcPct val="90000"/>
+            </a:lnSpc>
+            <a:spcBef>
+              <a:spcPct val="0"/>
+            </a:spcBef>
+            <a:spcAft>
+              <a:spcPct val="35000"/>
+            </a:spcAft>
+            <a:buNone/>
+          </a:pPr>
+          <a:r>
+            <a:rPr lang="en-US" altLang="zh-CN" sz="1000" kern="1200" dirty="0"/>
+            <a:t>2018/07</a:t>
+          </a:r>
+          <a:endParaRPr lang="en-CA" sz="1000" kern="1200" dirty="0"/>
+        </a:p>
+      </dsp:txBody>
+      <dsp:txXfrm rot="-5400000">
+        <a:off x="1" y="2689046"/>
+        <a:ext cx="469894" cy="201383"/>
+      </dsp:txXfrm>
+    </dsp:sp>
+    <dsp:sp modelId="{82FCF805-9799-42D6-8112-294CBA83C1DF}">
+      <dsp:nvSpPr>
+        <dsp:cNvPr id="0" name=""/>
+        <dsp:cNvSpPr/>
+      </dsp:nvSpPr>
+      <dsp:spPr>
+        <a:xfrm rot="5400000">
+          <a:off x="3340981" y="-416987"/>
+          <a:ext cx="436330" cy="6178505"/>
+        </a:xfrm>
+        <a:prstGeom prst="round2SameRect">
+          <a:avLst/>
+        </a:prstGeom>
+        <a:solidFill>
+          <a:schemeClr val="lt1">
+            <a:alpha val="90000"/>
+            <a:hueOff val="0"/>
+            <a:satOff val="0"/>
+            <a:lumOff val="0"/>
+            <a:alphaOff val="0"/>
+          </a:schemeClr>
+        </a:solidFill>
+        <a:ln w="25400" cap="flat" cmpd="sng" algn="ctr">
+          <a:solidFill>
+            <a:schemeClr val="accent5">
+              <a:hueOff val="-4415056"/>
+              <a:satOff val="17694"/>
+              <a:lumOff val="3835"/>
+              <a:alphaOff val="0"/>
+            </a:schemeClr>
+          </a:solidFill>
+          <a:prstDash val="solid"/>
+        </a:ln>
+        <a:effectLst/>
+      </dsp:spPr>
+      <dsp:style>
+        <a:lnRef idx="2">
+          <a:scrgbClr r="0" g="0" b="0"/>
+        </a:lnRef>
+        <a:fillRef idx="1">
+          <a:scrgbClr r="0" g="0" b="0"/>
+        </a:fillRef>
+        <a:effectRef idx="0">
+          <a:scrgbClr r="0" g="0" b="0"/>
+        </a:effectRef>
+        <a:fontRef idx="minor"/>
+      </dsp:style>
+      <dsp:txBody>
+        <a:bodyPr spcFirstLastPara="0" vert="horz" wrap="square" lIns="170688" tIns="15240" rIns="15240" bIns="15240" numCol="1" spcCol="1270" anchor="ctr" anchorCtr="0">
+          <a:noAutofit/>
+        </a:bodyPr>
+        <a:lstStyle/>
+        <a:p>
+          <a:pPr marL="228600" lvl="1" indent="-228600" algn="l" defTabSz="1066800">
+            <a:lnSpc>
+              <a:spcPct val="90000"/>
+            </a:lnSpc>
+            <a:spcBef>
+              <a:spcPct val="0"/>
+            </a:spcBef>
+            <a:spcAft>
+              <a:spcPct val="15000"/>
+            </a:spcAft>
+            <a:buChar char="•"/>
+          </a:pPr>
+          <a:r>
+            <a:rPr lang="en-US" altLang="zh-CN" sz="2400" kern="1200" dirty="0"/>
+            <a:t>DAPP</a:t>
+          </a:r>
+          <a:r>
+            <a:rPr lang="zh-CN" altLang="en-US" sz="2400" kern="1200" dirty="0"/>
+            <a:t>公测</a:t>
+          </a:r>
+          <a:endParaRPr lang="en-CA" sz="2400" kern="1200" dirty="0"/>
+        </a:p>
+      </dsp:txBody>
+      <dsp:txXfrm rot="-5400000">
+        <a:off x="469894" y="2475400"/>
+        <a:ext cx="6157205" cy="393730"/>
+      </dsp:txXfrm>
+    </dsp:sp>
+    <dsp:sp modelId="{34CD200A-C8AD-4838-9B38-A05616232BD3}">
+      <dsp:nvSpPr>
+        <dsp:cNvPr id="0" name=""/>
+        <dsp:cNvSpPr/>
+      </dsp:nvSpPr>
+      <dsp:spPr>
+        <a:xfrm rot="5400000">
+          <a:off x="-100691" y="3168002"/>
+          <a:ext cx="671277" cy="469894"/>
+        </a:xfrm>
+        <a:prstGeom prst="chevron">
+          <a:avLst/>
+        </a:prstGeom>
+        <a:solidFill>
+          <a:schemeClr val="accent5">
+            <a:hueOff val="-5518820"/>
+            <a:satOff val="22117"/>
+            <a:lumOff val="4793"/>
+            <a:alphaOff val="0"/>
+          </a:schemeClr>
+        </a:solidFill>
+        <a:ln w="25400" cap="flat" cmpd="sng" algn="ctr">
+          <a:solidFill>
+            <a:schemeClr val="accent5">
+              <a:hueOff val="-5518820"/>
+              <a:satOff val="22117"/>
+              <a:lumOff val="4793"/>
+              <a:alphaOff val="0"/>
+            </a:schemeClr>
+          </a:solidFill>
+          <a:prstDash val="solid"/>
+        </a:ln>
+        <a:effectLst/>
+      </dsp:spPr>
+      <dsp:style>
+        <a:lnRef idx="2">
+          <a:scrgbClr r="0" g="0" b="0"/>
+        </a:lnRef>
+        <a:fillRef idx="1">
+          <a:scrgbClr r="0" g="0" b="0"/>
+        </a:fillRef>
+        <a:effectRef idx="0">
+          <a:scrgbClr r="0" g="0" b="0"/>
+        </a:effectRef>
+        <a:fontRef idx="minor">
+          <a:schemeClr val="lt1"/>
+        </a:fontRef>
+      </dsp:style>
+      <dsp:txBody>
+        <a:bodyPr spcFirstLastPara="0" vert="horz" wrap="square" lIns="6350" tIns="6350" rIns="6350" bIns="6350" numCol="1" spcCol="1270" anchor="ctr" anchorCtr="0">
+          <a:noAutofit/>
+        </a:bodyPr>
+        <a:lstStyle/>
+        <a:p>
+          <a:pPr marL="0" lvl="0" indent="0" algn="ctr" defTabSz="444500">
+            <a:lnSpc>
+              <a:spcPct val="90000"/>
+            </a:lnSpc>
+            <a:spcBef>
+              <a:spcPct val="0"/>
+            </a:spcBef>
+            <a:spcAft>
+              <a:spcPct val="35000"/>
+            </a:spcAft>
+            <a:buNone/>
+          </a:pPr>
+          <a:r>
+            <a:rPr lang="en-US" altLang="zh-CN" sz="1000" kern="1200" dirty="0"/>
+            <a:t>2018/09</a:t>
+          </a:r>
+          <a:endParaRPr lang="en-CA" sz="1000" kern="1200" dirty="0"/>
+        </a:p>
+      </dsp:txBody>
+      <dsp:txXfrm rot="-5400000">
+        <a:off x="1" y="3302257"/>
+        <a:ext cx="469894" cy="201383"/>
+      </dsp:txXfrm>
+    </dsp:sp>
+    <dsp:sp modelId="{B3126FDB-095F-43D2-86D1-157F23331DF0}">
+      <dsp:nvSpPr>
+        <dsp:cNvPr id="0" name=""/>
+        <dsp:cNvSpPr/>
+      </dsp:nvSpPr>
+      <dsp:spPr>
+        <a:xfrm rot="5400000">
+          <a:off x="3340981" y="196223"/>
+          <a:ext cx="436330" cy="6178505"/>
+        </a:xfrm>
+        <a:prstGeom prst="round2SameRect">
+          <a:avLst/>
+        </a:prstGeom>
+        <a:solidFill>
+          <a:schemeClr val="lt1">
+            <a:alpha val="90000"/>
+            <a:hueOff val="0"/>
+            <a:satOff val="0"/>
+            <a:lumOff val="0"/>
+            <a:alphaOff val="0"/>
+          </a:schemeClr>
+        </a:solidFill>
+        <a:ln w="25400" cap="flat" cmpd="sng" algn="ctr">
+          <a:solidFill>
+            <a:schemeClr val="accent5">
+              <a:hueOff val="-5518820"/>
+              <a:satOff val="22117"/>
+              <a:lumOff val="4793"/>
+              <a:alphaOff val="0"/>
+            </a:schemeClr>
+          </a:solidFill>
+          <a:prstDash val="solid"/>
+        </a:ln>
+        <a:effectLst/>
+      </dsp:spPr>
+      <dsp:style>
+        <a:lnRef idx="2">
+          <a:scrgbClr r="0" g="0" b="0"/>
+        </a:lnRef>
+        <a:fillRef idx="1">
+          <a:scrgbClr r="0" g="0" b="0"/>
+        </a:fillRef>
+        <a:effectRef idx="0">
+          <a:scrgbClr r="0" g="0" b="0"/>
+        </a:effectRef>
+        <a:fontRef idx="minor"/>
+      </dsp:style>
+      <dsp:txBody>
+        <a:bodyPr spcFirstLastPara="0" vert="horz" wrap="square" lIns="170688" tIns="15240" rIns="15240" bIns="15240" numCol="1" spcCol="1270" anchor="ctr" anchorCtr="0">
+          <a:noAutofit/>
+        </a:bodyPr>
+        <a:lstStyle/>
+        <a:p>
+          <a:pPr marL="228600" lvl="1" indent="-228600" algn="l" defTabSz="1066800">
+            <a:lnSpc>
+              <a:spcPct val="90000"/>
+            </a:lnSpc>
+            <a:spcBef>
+              <a:spcPct val="0"/>
+            </a:spcBef>
+            <a:spcAft>
+              <a:spcPct val="15000"/>
+            </a:spcAft>
+            <a:buChar char="•"/>
+          </a:pPr>
+          <a:r>
+            <a:rPr lang="zh-CN" altLang="en-US" sz="2400" kern="1200" dirty="0"/>
+            <a:t>竞猜游戏落地海南</a:t>
+          </a:r>
+          <a:endParaRPr lang="en-CA" sz="2400" kern="1200" dirty="0"/>
+        </a:p>
+      </dsp:txBody>
+      <dsp:txXfrm rot="-5400000">
+        <a:off x="469894" y="3088610"/>
+        <a:ext cx="6157205" cy="393730"/>
+      </dsp:txXfrm>
+    </dsp:sp>
+    <dsp:sp modelId="{CA93195C-3C62-4D0F-8AF1-2F4B5677415B}">
+      <dsp:nvSpPr>
+        <dsp:cNvPr id="0" name=""/>
+        <dsp:cNvSpPr/>
+      </dsp:nvSpPr>
+      <dsp:spPr>
+        <a:xfrm rot="5400000">
+          <a:off x="-100691" y="3781213"/>
+          <a:ext cx="671277" cy="469894"/>
+        </a:xfrm>
+        <a:prstGeom prst="chevron">
+          <a:avLst/>
+        </a:prstGeom>
+        <a:solidFill>
+          <a:schemeClr val="accent5">
+            <a:hueOff val="-6622584"/>
+            <a:satOff val="26541"/>
+            <a:lumOff val="5752"/>
+            <a:alphaOff val="0"/>
+          </a:schemeClr>
+        </a:solidFill>
+        <a:ln w="25400" cap="flat" cmpd="sng" algn="ctr">
+          <a:solidFill>
+            <a:schemeClr val="accent5">
+              <a:hueOff val="-6622584"/>
+              <a:satOff val="26541"/>
+              <a:lumOff val="5752"/>
+              <a:alphaOff val="0"/>
+            </a:schemeClr>
+          </a:solidFill>
+          <a:prstDash val="solid"/>
+        </a:ln>
+        <a:effectLst/>
+      </dsp:spPr>
+      <dsp:style>
+        <a:lnRef idx="2">
+          <a:scrgbClr r="0" g="0" b="0"/>
+        </a:lnRef>
+        <a:fillRef idx="1">
+          <a:scrgbClr r="0" g="0" b="0"/>
+        </a:fillRef>
+        <a:effectRef idx="0">
+          <a:scrgbClr r="0" g="0" b="0"/>
+        </a:effectRef>
+        <a:fontRef idx="minor">
+          <a:schemeClr val="lt1"/>
+        </a:fontRef>
+      </dsp:style>
+      <dsp:txBody>
+        <a:bodyPr spcFirstLastPara="0" vert="horz" wrap="square" lIns="6350" tIns="6350" rIns="6350" bIns="6350" numCol="1" spcCol="1270" anchor="ctr" anchorCtr="0">
+          <a:noAutofit/>
+        </a:bodyPr>
+        <a:lstStyle/>
+        <a:p>
+          <a:pPr marL="0" lvl="0" indent="0" algn="ctr" defTabSz="444500">
+            <a:lnSpc>
+              <a:spcPct val="90000"/>
+            </a:lnSpc>
+            <a:spcBef>
+              <a:spcPct val="0"/>
+            </a:spcBef>
+            <a:spcAft>
+              <a:spcPct val="35000"/>
+            </a:spcAft>
+            <a:buNone/>
+          </a:pPr>
+          <a:r>
+            <a:rPr lang="en-US" altLang="zh-CN" sz="1000" kern="1200" dirty="0"/>
+            <a:t>2018/11</a:t>
+          </a:r>
+          <a:endParaRPr lang="en-CA" sz="1000" kern="1200" dirty="0"/>
+        </a:p>
+      </dsp:txBody>
+      <dsp:txXfrm rot="-5400000">
+        <a:off x="1" y="3915468"/>
+        <a:ext cx="469894" cy="201383"/>
+      </dsp:txXfrm>
+    </dsp:sp>
+    <dsp:sp modelId="{27629AD8-FFDE-4979-AEC0-BB1E4E797C39}">
+      <dsp:nvSpPr>
+        <dsp:cNvPr id="0" name=""/>
+        <dsp:cNvSpPr/>
+      </dsp:nvSpPr>
+      <dsp:spPr>
+        <a:xfrm rot="5400000">
+          <a:off x="3340981" y="809433"/>
+          <a:ext cx="436330" cy="6178505"/>
+        </a:xfrm>
+        <a:prstGeom prst="round2SameRect">
+          <a:avLst/>
+        </a:prstGeom>
+        <a:solidFill>
+          <a:schemeClr val="lt1">
+            <a:alpha val="90000"/>
+            <a:hueOff val="0"/>
+            <a:satOff val="0"/>
+            <a:lumOff val="0"/>
+            <a:alphaOff val="0"/>
+          </a:schemeClr>
+        </a:solidFill>
+        <a:ln w="25400" cap="flat" cmpd="sng" algn="ctr">
+          <a:solidFill>
+            <a:schemeClr val="accent5">
+              <a:hueOff val="-6622584"/>
+              <a:satOff val="26541"/>
+              <a:lumOff val="5752"/>
+              <a:alphaOff val="0"/>
+            </a:schemeClr>
+          </a:solidFill>
+          <a:prstDash val="solid"/>
+        </a:ln>
+        <a:effectLst/>
+      </dsp:spPr>
+      <dsp:style>
+        <a:lnRef idx="2">
+          <a:scrgbClr r="0" g="0" b="0"/>
+        </a:lnRef>
+        <a:fillRef idx="1">
+          <a:scrgbClr r="0" g="0" b="0"/>
+        </a:fillRef>
+        <a:effectRef idx="0">
+          <a:scrgbClr r="0" g="0" b="0"/>
+        </a:effectRef>
+        <a:fontRef idx="minor"/>
+      </dsp:style>
+      <dsp:txBody>
+        <a:bodyPr spcFirstLastPara="0" vert="horz" wrap="square" lIns="170688" tIns="15240" rIns="15240" bIns="15240" numCol="1" spcCol="1270" anchor="ctr" anchorCtr="0">
+          <a:noAutofit/>
+        </a:bodyPr>
+        <a:lstStyle/>
+        <a:p>
+          <a:pPr marL="228600" lvl="1" indent="-228600" algn="l" defTabSz="1066800">
+            <a:lnSpc>
+              <a:spcPct val="90000"/>
+            </a:lnSpc>
+            <a:spcBef>
+              <a:spcPct val="0"/>
+            </a:spcBef>
+            <a:spcAft>
+              <a:spcPct val="15000"/>
+            </a:spcAft>
+            <a:buChar char="•"/>
+          </a:pPr>
+          <a:r>
+            <a:rPr lang="zh-CN" altLang="en-US" sz="2400" kern="1200" dirty="0"/>
+            <a:t>预言机</a:t>
+          </a:r>
+          <a:r>
+            <a:rPr lang="en-CA" altLang="zh-CN" sz="2400" kern="1200" dirty="0"/>
+            <a:t>(</a:t>
+          </a:r>
+          <a:r>
+            <a:rPr lang="en-US" altLang="zh-CN" sz="2400" kern="1200" dirty="0"/>
+            <a:t>Oracle)</a:t>
+          </a:r>
+          <a:r>
+            <a:rPr lang="zh-CN" altLang="en-US" sz="2400" kern="1200" dirty="0"/>
+            <a:t>第一版开发完成</a:t>
+          </a:r>
+          <a:endParaRPr lang="en-CA" sz="2400" kern="1200" dirty="0"/>
+        </a:p>
+      </dsp:txBody>
+      <dsp:txXfrm rot="-5400000">
+        <a:off x="469894" y="3701820"/>
+        <a:ext cx="6157205" cy="393730"/>
+      </dsp:txXfrm>
+    </dsp:sp>
+    <dsp:sp modelId="{C9E94AD9-A9DC-4F83-A9BA-1D9894CE1255}">
+      <dsp:nvSpPr>
+        <dsp:cNvPr id="0" name=""/>
+        <dsp:cNvSpPr/>
+      </dsp:nvSpPr>
+      <dsp:spPr>
+        <a:xfrm rot="5400000">
+          <a:off x="-100691" y="4394423"/>
+          <a:ext cx="671277" cy="469894"/>
+        </a:xfrm>
+        <a:prstGeom prst="chevron">
+          <a:avLst/>
+        </a:prstGeom>
+        <a:solidFill>
+          <a:schemeClr val="accent5">
+            <a:hueOff val="-7726349"/>
+            <a:satOff val="30964"/>
+            <a:lumOff val="6711"/>
+            <a:alphaOff val="0"/>
+          </a:schemeClr>
+        </a:solidFill>
+        <a:ln w="25400" cap="flat" cmpd="sng" algn="ctr">
+          <a:solidFill>
+            <a:schemeClr val="accent5">
+              <a:hueOff val="-7726349"/>
+              <a:satOff val="30964"/>
+              <a:lumOff val="6711"/>
+              <a:alphaOff val="0"/>
+            </a:schemeClr>
+          </a:solidFill>
+          <a:prstDash val="solid"/>
+        </a:ln>
+        <a:effectLst/>
+      </dsp:spPr>
+      <dsp:style>
+        <a:lnRef idx="2">
+          <a:scrgbClr r="0" g="0" b="0"/>
+        </a:lnRef>
+        <a:fillRef idx="1">
+          <a:scrgbClr r="0" g="0" b="0"/>
+        </a:fillRef>
+        <a:effectRef idx="0">
+          <a:scrgbClr r="0" g="0" b="0"/>
+        </a:effectRef>
+        <a:fontRef idx="minor">
+          <a:schemeClr val="lt1"/>
+        </a:fontRef>
+      </dsp:style>
+      <dsp:txBody>
+        <a:bodyPr spcFirstLastPara="0" vert="horz" wrap="square" lIns="6350" tIns="6350" rIns="6350" bIns="6350" numCol="1" spcCol="1270" anchor="ctr" anchorCtr="0">
+          <a:noAutofit/>
+        </a:bodyPr>
+        <a:lstStyle/>
+        <a:p>
+          <a:pPr marL="0" lvl="0" indent="0" algn="ctr" defTabSz="444500">
+            <a:lnSpc>
+              <a:spcPct val="90000"/>
+            </a:lnSpc>
+            <a:spcBef>
+              <a:spcPct val="0"/>
+            </a:spcBef>
+            <a:spcAft>
+              <a:spcPct val="35000"/>
+            </a:spcAft>
+            <a:buNone/>
+          </a:pPr>
+          <a:r>
+            <a:rPr lang="en-US" altLang="zh-CN" sz="1000" kern="1200" dirty="0"/>
+            <a:t>2019/03</a:t>
+          </a:r>
+          <a:endParaRPr lang="en-CA" sz="1000" kern="1200" dirty="0"/>
+        </a:p>
+      </dsp:txBody>
+      <dsp:txXfrm rot="-5400000">
+        <a:off x="1" y="4528678"/>
+        <a:ext cx="469894" cy="201383"/>
+      </dsp:txXfrm>
+    </dsp:sp>
+    <dsp:sp modelId="{D6157C88-84D1-4964-899E-C28FBE7F1744}">
+      <dsp:nvSpPr>
+        <dsp:cNvPr id="0" name=""/>
+        <dsp:cNvSpPr/>
+      </dsp:nvSpPr>
+      <dsp:spPr>
+        <a:xfrm rot="5400000">
+          <a:off x="3340981" y="1422644"/>
+          <a:ext cx="436330" cy="6178505"/>
+        </a:xfrm>
+        <a:prstGeom prst="round2SameRect">
+          <a:avLst/>
+        </a:prstGeom>
+        <a:solidFill>
+          <a:schemeClr val="lt1">
+            <a:alpha val="90000"/>
+            <a:hueOff val="0"/>
+            <a:satOff val="0"/>
+            <a:lumOff val="0"/>
+            <a:alphaOff val="0"/>
+          </a:schemeClr>
+        </a:solidFill>
+        <a:ln w="25400" cap="flat" cmpd="sng" algn="ctr">
+          <a:solidFill>
+            <a:schemeClr val="accent5">
+              <a:hueOff val="-7726349"/>
+              <a:satOff val="30964"/>
+              <a:lumOff val="6711"/>
+              <a:alphaOff val="0"/>
+            </a:schemeClr>
+          </a:solidFill>
+          <a:prstDash val="solid"/>
+        </a:ln>
+        <a:effectLst/>
+      </dsp:spPr>
+      <dsp:style>
+        <a:lnRef idx="2">
+          <a:scrgbClr r="0" g="0" b="0"/>
+        </a:lnRef>
+        <a:fillRef idx="1">
+          <a:scrgbClr r="0" g="0" b="0"/>
+        </a:fillRef>
+        <a:effectRef idx="0">
+          <a:scrgbClr r="0" g="0" b="0"/>
+        </a:effectRef>
+        <a:fontRef idx="minor"/>
+      </dsp:style>
+      <dsp:txBody>
+        <a:bodyPr spcFirstLastPara="0" vert="horz" wrap="square" lIns="170688" tIns="15240" rIns="15240" bIns="15240" numCol="1" spcCol="1270" anchor="ctr" anchorCtr="0">
+          <a:noAutofit/>
+        </a:bodyPr>
+        <a:lstStyle/>
+        <a:p>
+          <a:pPr marL="228600" lvl="1" indent="-228600" algn="l" defTabSz="1066800">
+            <a:lnSpc>
+              <a:spcPct val="90000"/>
+            </a:lnSpc>
+            <a:spcBef>
+              <a:spcPct val="0"/>
+            </a:spcBef>
+            <a:spcAft>
+              <a:spcPct val="15000"/>
+            </a:spcAft>
+            <a:buChar char="•"/>
+          </a:pPr>
+          <a:r>
+            <a:rPr lang="zh-CN" altLang="en-US" sz="2400" kern="1200" dirty="0"/>
+            <a:t>移动端上线</a:t>
+          </a:r>
+          <a:endParaRPr lang="en-CA" sz="2400" kern="1200" dirty="0"/>
+        </a:p>
+      </dsp:txBody>
+      <dsp:txXfrm rot="-5400000">
+        <a:off x="469894" y="4315031"/>
+        <a:ext cx="6157205" cy="393730"/>
+      </dsp:txXfrm>
+    </dsp:sp>
+    <dsp:sp modelId="{BA530375-9DAB-430B-907B-AFE075C75A08}">
+      <dsp:nvSpPr>
+        <dsp:cNvPr id="0" name=""/>
+        <dsp:cNvSpPr/>
+      </dsp:nvSpPr>
+      <dsp:spPr>
+        <a:xfrm rot="5400000">
+          <a:off x="-100691" y="5007634"/>
+          <a:ext cx="671277" cy="469894"/>
+        </a:xfrm>
+        <a:prstGeom prst="chevron">
+          <a:avLst/>
+        </a:prstGeom>
+        <a:solidFill>
+          <a:schemeClr val="accent5">
+            <a:hueOff val="-8830112"/>
+            <a:satOff val="35388"/>
+            <a:lumOff val="7669"/>
+            <a:alphaOff val="0"/>
+          </a:schemeClr>
+        </a:solidFill>
+        <a:ln w="25400" cap="flat" cmpd="sng" algn="ctr">
+          <a:solidFill>
+            <a:schemeClr val="accent5">
+              <a:hueOff val="-8830112"/>
+              <a:satOff val="35388"/>
+              <a:lumOff val="7669"/>
+              <a:alphaOff val="0"/>
+            </a:schemeClr>
+          </a:solidFill>
+          <a:prstDash val="solid"/>
+        </a:ln>
+        <a:effectLst/>
+      </dsp:spPr>
+      <dsp:style>
+        <a:lnRef idx="2">
+          <a:scrgbClr r="0" g="0" b="0"/>
+        </a:lnRef>
+        <a:fillRef idx="1">
+          <a:scrgbClr r="0" g="0" b="0"/>
+        </a:fillRef>
+        <a:effectRef idx="0">
+          <a:scrgbClr r="0" g="0" b="0"/>
+        </a:effectRef>
+        <a:fontRef idx="minor">
+          <a:schemeClr val="lt1"/>
+        </a:fontRef>
+      </dsp:style>
+      <dsp:txBody>
+        <a:bodyPr spcFirstLastPara="0" vert="horz" wrap="square" lIns="6350" tIns="6350" rIns="6350" bIns="6350" numCol="1" spcCol="1270" anchor="ctr" anchorCtr="0">
+          <a:noAutofit/>
+        </a:bodyPr>
+        <a:lstStyle/>
+        <a:p>
+          <a:pPr marL="0" lvl="0" indent="0" algn="ctr" defTabSz="444500">
+            <a:lnSpc>
+              <a:spcPct val="90000"/>
+            </a:lnSpc>
+            <a:spcBef>
+              <a:spcPct val="0"/>
+            </a:spcBef>
+            <a:spcAft>
+              <a:spcPct val="35000"/>
+            </a:spcAft>
+            <a:buNone/>
+          </a:pPr>
+          <a:r>
+            <a:rPr lang="en-US" altLang="zh-CN" sz="1000" kern="1200" dirty="0"/>
+            <a:t>2019/06</a:t>
+          </a:r>
+          <a:endParaRPr lang="en-CA" sz="1000" kern="1200" dirty="0"/>
+        </a:p>
+      </dsp:txBody>
+      <dsp:txXfrm rot="-5400000">
+        <a:off x="1" y="5141889"/>
+        <a:ext cx="469894" cy="201383"/>
+      </dsp:txXfrm>
+    </dsp:sp>
+    <dsp:sp modelId="{DE21AA3F-4D38-45DA-86ED-EDBA7537315B}">
+      <dsp:nvSpPr>
+        <dsp:cNvPr id="0" name=""/>
+        <dsp:cNvSpPr/>
+      </dsp:nvSpPr>
+      <dsp:spPr>
+        <a:xfrm rot="5400000">
+          <a:off x="3340981" y="2035855"/>
+          <a:ext cx="436330" cy="6178505"/>
+        </a:xfrm>
+        <a:prstGeom prst="round2SameRect">
+          <a:avLst/>
+        </a:prstGeom>
+        <a:solidFill>
+          <a:schemeClr val="lt1">
+            <a:alpha val="90000"/>
+            <a:hueOff val="0"/>
+            <a:satOff val="0"/>
+            <a:lumOff val="0"/>
+            <a:alphaOff val="0"/>
+          </a:schemeClr>
+        </a:solidFill>
+        <a:ln w="25400" cap="flat" cmpd="sng" algn="ctr">
+          <a:solidFill>
+            <a:schemeClr val="accent5">
+              <a:hueOff val="-8830112"/>
+              <a:satOff val="35388"/>
+              <a:lumOff val="7669"/>
+              <a:alphaOff val="0"/>
+            </a:schemeClr>
+          </a:solidFill>
+          <a:prstDash val="solid"/>
+        </a:ln>
+        <a:effectLst/>
+      </dsp:spPr>
+      <dsp:style>
+        <a:lnRef idx="2">
+          <a:scrgbClr r="0" g="0" b="0"/>
+        </a:lnRef>
+        <a:fillRef idx="1">
+          <a:scrgbClr r="0" g="0" b="0"/>
+        </a:fillRef>
+        <a:effectRef idx="0">
+          <a:scrgbClr r="0" g="0" b="0"/>
+        </a:effectRef>
+        <a:fontRef idx="minor"/>
+      </dsp:style>
+      <dsp:txBody>
+        <a:bodyPr spcFirstLastPara="0" vert="horz" wrap="square" lIns="170688" tIns="15240" rIns="15240" bIns="15240" numCol="1" spcCol="1270" anchor="ctr" anchorCtr="0">
+          <a:noAutofit/>
+        </a:bodyPr>
+        <a:lstStyle/>
+        <a:p>
+          <a:pPr marL="228600" lvl="1" indent="-228600" algn="l" defTabSz="1066800">
+            <a:lnSpc>
+              <a:spcPct val="90000"/>
+            </a:lnSpc>
+            <a:spcBef>
+              <a:spcPct val="0"/>
+            </a:spcBef>
+            <a:spcAft>
+              <a:spcPct val="15000"/>
+            </a:spcAft>
+            <a:buChar char="•"/>
+          </a:pPr>
+          <a:r>
+            <a:rPr lang="zh-CN" altLang="en-US" sz="2400" kern="1200" dirty="0"/>
+            <a:t>智能合约引擎上线</a:t>
+          </a:r>
+          <a:endParaRPr lang="en-CA" sz="2400" kern="1200" dirty="0"/>
+        </a:p>
+      </dsp:txBody>
+      <dsp:txXfrm rot="-5400000">
+        <a:off x="469894" y="4928242"/>
+        <a:ext cx="6157205" cy="393730"/>
+      </dsp:txXfrm>
+    </dsp:sp>
+    <dsp:sp modelId="{94EBCBCF-370A-4FC2-B7B8-0BBC5D32435E}">
+      <dsp:nvSpPr>
+        <dsp:cNvPr id="0" name=""/>
+        <dsp:cNvSpPr/>
+      </dsp:nvSpPr>
+      <dsp:spPr>
+        <a:xfrm rot="5400000">
+          <a:off x="-100691" y="5620845"/>
+          <a:ext cx="671277" cy="469894"/>
+        </a:xfrm>
+        <a:prstGeom prst="chevron">
+          <a:avLst/>
+        </a:prstGeom>
+        <a:solidFill>
+          <a:schemeClr val="accent5">
+            <a:hueOff val="-9933876"/>
+            <a:satOff val="39811"/>
+            <a:lumOff val="8628"/>
+            <a:alphaOff val="0"/>
+          </a:schemeClr>
+        </a:solidFill>
+        <a:ln w="25400" cap="flat" cmpd="sng" algn="ctr">
+          <a:solidFill>
+            <a:schemeClr val="accent5">
+              <a:hueOff val="-9933876"/>
+              <a:satOff val="39811"/>
+              <a:lumOff val="8628"/>
+              <a:alphaOff val="0"/>
+            </a:schemeClr>
+          </a:solidFill>
+          <a:prstDash val="solid"/>
+        </a:ln>
+        <a:effectLst/>
+      </dsp:spPr>
+      <dsp:style>
+        <a:lnRef idx="2">
+          <a:scrgbClr r="0" g="0" b="0"/>
+        </a:lnRef>
+        <a:fillRef idx="1">
+          <a:scrgbClr r="0" g="0" b="0"/>
+        </a:fillRef>
+        <a:effectRef idx="0">
+          <a:scrgbClr r="0" g="0" b="0"/>
+        </a:effectRef>
+        <a:fontRef idx="minor">
+          <a:schemeClr val="lt1"/>
+        </a:fontRef>
+      </dsp:style>
+      <dsp:txBody>
+        <a:bodyPr spcFirstLastPara="0" vert="horz" wrap="square" lIns="6350" tIns="6350" rIns="6350" bIns="6350" numCol="1" spcCol="1270" anchor="ctr" anchorCtr="0">
+          <a:noAutofit/>
+        </a:bodyPr>
+        <a:lstStyle/>
+        <a:p>
+          <a:pPr marL="0" lvl="0" indent="0" algn="ctr" defTabSz="444500">
+            <a:lnSpc>
+              <a:spcPct val="90000"/>
+            </a:lnSpc>
+            <a:spcBef>
+              <a:spcPct val="0"/>
+            </a:spcBef>
+            <a:spcAft>
+              <a:spcPct val="35000"/>
+            </a:spcAft>
+            <a:buNone/>
+          </a:pPr>
+          <a:r>
+            <a:rPr lang="en-US" altLang="zh-CN" sz="1000" kern="1200" dirty="0"/>
+            <a:t>2019/08</a:t>
+          </a:r>
+          <a:endParaRPr lang="en-CA" sz="1000" kern="1200" dirty="0"/>
+        </a:p>
+      </dsp:txBody>
+      <dsp:txXfrm rot="-5400000">
+        <a:off x="1" y="5755100"/>
+        <a:ext cx="469894" cy="201383"/>
+      </dsp:txXfrm>
+    </dsp:sp>
+    <dsp:sp modelId="{AB10E657-95F8-4CFC-8EE9-57FFCA0B8817}">
+      <dsp:nvSpPr>
+        <dsp:cNvPr id="0" name=""/>
+        <dsp:cNvSpPr/>
+      </dsp:nvSpPr>
+      <dsp:spPr>
+        <a:xfrm rot="5400000">
+          <a:off x="3340981" y="2649066"/>
+          <a:ext cx="436330" cy="6178505"/>
+        </a:xfrm>
+        <a:prstGeom prst="round2SameRect">
+          <a:avLst/>
+        </a:prstGeom>
+        <a:solidFill>
+          <a:schemeClr val="lt1">
+            <a:alpha val="90000"/>
+            <a:hueOff val="0"/>
+            <a:satOff val="0"/>
+            <a:lumOff val="0"/>
+            <a:alphaOff val="0"/>
+          </a:schemeClr>
+        </a:solidFill>
+        <a:ln w="25400" cap="flat" cmpd="sng" algn="ctr">
+          <a:solidFill>
+            <a:schemeClr val="accent5">
+              <a:hueOff val="-9933876"/>
+              <a:satOff val="39811"/>
+              <a:lumOff val="8628"/>
+              <a:alphaOff val="0"/>
+            </a:schemeClr>
+          </a:solidFill>
+          <a:prstDash val="solid"/>
+        </a:ln>
+        <a:effectLst/>
+      </dsp:spPr>
+      <dsp:style>
+        <a:lnRef idx="2">
+          <a:scrgbClr r="0" g="0" b="0"/>
+        </a:lnRef>
+        <a:fillRef idx="1">
+          <a:scrgbClr r="0" g="0" b="0"/>
+        </a:fillRef>
+        <a:effectRef idx="0">
+          <a:scrgbClr r="0" g="0" b="0"/>
+        </a:effectRef>
+        <a:fontRef idx="minor"/>
+      </dsp:style>
+      <dsp:txBody>
+        <a:bodyPr spcFirstLastPara="0" vert="horz" wrap="square" lIns="170688" tIns="15240" rIns="15240" bIns="15240" numCol="1" spcCol="1270" anchor="ctr" anchorCtr="0">
+          <a:noAutofit/>
+        </a:bodyPr>
+        <a:lstStyle/>
+        <a:p>
+          <a:pPr marL="228600" lvl="1" indent="-228600" algn="l" defTabSz="1066800">
+            <a:lnSpc>
+              <a:spcPct val="90000"/>
+            </a:lnSpc>
+            <a:spcBef>
+              <a:spcPct val="0"/>
+            </a:spcBef>
+            <a:spcAft>
+              <a:spcPct val="15000"/>
+            </a:spcAft>
+            <a:buChar char="•"/>
+          </a:pPr>
+          <a:r>
+            <a:rPr lang="zh-CN" altLang="en-US" sz="2400" kern="1200" dirty="0"/>
+            <a:t>跨链钱包上线</a:t>
+          </a:r>
+          <a:endParaRPr lang="en-CA" sz="2400" kern="1200" dirty="0"/>
+        </a:p>
+      </dsp:txBody>
+      <dsp:txXfrm rot="-5400000">
+        <a:off x="469894" y="5541453"/>
+        <a:ext cx="6157205" cy="393730"/>
       </dsp:txXfrm>
     </dsp:sp>
   </dsp:spTree>
@@ -2310,6 +5828,262 @@
 </dgm:layoutDef>
 </file>
 
+<file path=ppt/diagrams/layout2.xml><?xml version="1.0" encoding="utf-8"?>
+<dgm:layoutDef xmlns:dgm="http://schemas.openxmlformats.org/drawingml/2006/diagram" xmlns:a="http://schemas.openxmlformats.org/drawingml/2006/main" uniqueId="urn:microsoft.com/office/officeart/2005/8/layout/chevron2">
+  <dgm:title val=""/>
+  <dgm:desc val=""/>
+  <dgm:catLst>
+    <dgm:cat type="process" pri="12000"/>
+    <dgm:cat type="list" pri="16000"/>
+    <dgm:cat type="convert" pri="11000"/>
+  </dgm:catLst>
+  <dgm:sampData>
+    <dgm:dataModel>
+      <dgm:ptLst>
+        <dgm:pt modelId="0" type="doc"/>
+        <dgm:pt modelId="1">
+          <dgm:prSet phldr="1"/>
+        </dgm:pt>
+        <dgm:pt modelId="11">
+          <dgm:prSet phldr="1"/>
+        </dgm:pt>
+        <dgm:pt modelId="12">
+          <dgm:prSet phldr="1"/>
+        </dgm:pt>
+        <dgm:pt modelId="2">
+          <dgm:prSet phldr="1"/>
+        </dgm:pt>
+        <dgm:pt modelId="21">
+          <dgm:prSet phldr="1"/>
+        </dgm:pt>
+        <dgm:pt modelId="22">
+          <dgm:prSet phldr="1"/>
+        </dgm:pt>
+        <dgm:pt modelId="3">
+          <dgm:prSet phldr="1"/>
+        </dgm:pt>
+        <dgm:pt modelId="31">
+          <dgm:prSet phldr="1"/>
+        </dgm:pt>
+        <dgm:pt modelId="32">
+          <dgm:prSet phldr="1"/>
+        </dgm:pt>
+      </dgm:ptLst>
+      <dgm:cxnLst>
+        <dgm:cxn modelId="4" srcId="0" destId="1" srcOrd="0" destOrd="0"/>
+        <dgm:cxn modelId="5" srcId="0" destId="2" srcOrd="1" destOrd="0"/>
+        <dgm:cxn modelId="6" srcId="0" destId="3" srcOrd="2" destOrd="0"/>
+        <dgm:cxn modelId="13" srcId="1" destId="11" srcOrd="0" destOrd="0"/>
+        <dgm:cxn modelId="14" srcId="1" destId="12" srcOrd="1" destOrd="0"/>
+        <dgm:cxn modelId="23" srcId="2" destId="21" srcOrd="0" destOrd="0"/>
+        <dgm:cxn modelId="24" srcId="2" destId="22" srcOrd="1" destOrd="0"/>
+        <dgm:cxn modelId="33" srcId="3" destId="31" srcOrd="0" destOrd="0"/>
+        <dgm:cxn modelId="34" srcId="3" destId="32" srcOrd="1" destOrd="0"/>
+      </dgm:cxnLst>
+      <dgm:bg/>
+      <dgm:whole/>
+    </dgm:dataModel>
+  </dgm:sampData>
+  <dgm:styleData>
+    <dgm:dataModel>
+      <dgm:ptLst>
+        <dgm:pt modelId="0" type="doc"/>
+        <dgm:pt modelId="1"/>
+      </dgm:ptLst>
+      <dgm:cxnLst>
+        <dgm:cxn modelId="4" srcId="0" destId="1" srcOrd="0" destOrd="0"/>
+      </dgm:cxnLst>
+      <dgm:bg/>
+      <dgm:whole/>
+    </dgm:dataModel>
+  </dgm:styleData>
+  <dgm:clrData>
+    <dgm:dataModel>
+      <dgm:ptLst>
+        <dgm:pt modelId="0" type="doc"/>
+        <dgm:pt modelId="1"/>
+        <dgm:pt modelId="11"/>
+        <dgm:pt modelId="2"/>
+        <dgm:pt modelId="21"/>
+        <dgm:pt modelId="3"/>
+        <dgm:pt modelId="31"/>
+        <dgm:pt modelId="4"/>
+        <dgm:pt modelId="41"/>
+      </dgm:ptLst>
+      <dgm:cxnLst>
+        <dgm:cxn modelId="5" srcId="0" destId="1" srcOrd="0" destOrd="0"/>
+        <dgm:cxn modelId="6" srcId="0" destId="2" srcOrd="1" destOrd="0"/>
+        <dgm:cxn modelId="7" srcId="0" destId="3" srcOrd="2" destOrd="0"/>
+        <dgm:cxn modelId="8" srcId="0" destId="4" srcOrd="3" destOrd="0"/>
+        <dgm:cxn modelId="13" srcId="1" destId="11" srcOrd="0" destOrd="0"/>
+        <dgm:cxn modelId="23" srcId="2" destId="21" srcOrd="0" destOrd="0"/>
+        <dgm:cxn modelId="33" srcId="3" destId="31" srcOrd="0" destOrd="0"/>
+        <dgm:cxn modelId="43" srcId="4" destId="41" srcOrd="0" destOrd="0"/>
+      </dgm:cxnLst>
+      <dgm:bg/>
+      <dgm:whole/>
+    </dgm:dataModel>
+  </dgm:clrData>
+  <dgm:layoutNode name="linearFlow">
+    <dgm:varLst>
+      <dgm:dir/>
+      <dgm:animLvl val="lvl"/>
+      <dgm:resizeHandles val="exact"/>
+    </dgm:varLst>
+    <dgm:alg type="lin">
+      <dgm:param type="linDir" val="fromT"/>
+      <dgm:param type="nodeHorzAlign" val="l"/>
+    </dgm:alg>
+    <dgm:shape xmlns:r="http://schemas.openxmlformats.org/officeDocument/2006/relationships" r:blip="">
+      <dgm:adjLst/>
+    </dgm:shape>
+    <dgm:presOf/>
+    <dgm:constrLst>
+      <dgm:constr type="h" for="ch" forName="composite" refType="h"/>
+      <dgm:constr type="w" for="ch" forName="composite" refType="w"/>
+      <dgm:constr type="h" for="des" forName="parentText" op="equ"/>
+      <dgm:constr type="h" for="ch" forName="sp" val="-14.88"/>
+      <dgm:constr type="h" for="ch" forName="sp" refType="w" refFor="des" refForName="parentText" op="gte" fact="-0.3"/>
+      <dgm:constr type="primFontSz" for="des" forName="parentText" op="equ" val="65"/>
+      <dgm:constr type="primFontSz" for="des" forName="descendantText" op="equ" val="65"/>
+    </dgm:constrLst>
+    <dgm:ruleLst/>
+    <dgm:forEach name="Name0" axis="ch" ptType="node">
+      <dgm:layoutNode name="composite">
+        <dgm:alg type="composite"/>
+        <dgm:shape xmlns:r="http://schemas.openxmlformats.org/officeDocument/2006/relationships" r:blip="">
+          <dgm:adjLst/>
+        </dgm:shape>
+        <dgm:presOf/>
+        <dgm:choose name="Name1">
+          <dgm:if name="Name2" func="var" arg="dir" op="equ" val="norm">
+            <dgm:constrLst>
+              <dgm:constr type="t" for="ch" forName="parentText"/>
+              <dgm:constr type="l" for="ch" forName="parentText"/>
+              <dgm:constr type="w" for="ch" forName="parentText" refType="w" fact="0.4"/>
+              <dgm:constr type="h" for="ch" forName="parentText" refType="h"/>
+              <dgm:constr type="w" for="ch" forName="parentText" refType="w" op="lte" fact="0.5"/>
+              <dgm:constr type="w" for="ch" forName="parentText" refType="h" refFor="ch" refForName="parentText" op="lte" fact="0.7"/>
+              <dgm:constr type="h" for="ch" forName="parentText" refType="w" refFor="ch" refForName="parentText" op="lte" fact="3"/>
+              <dgm:constr type="l" for="ch" forName="descendantText" refType="w" refFor="ch" refForName="parentText"/>
+              <dgm:constr type="w" for="ch" forName="descendantText" refType="w"/>
+              <dgm:constr type="wOff" for="ch" forName="descendantText" refType="w" refFor="ch" refForName="parentText" fact="-1"/>
+              <dgm:constr type="t" for="ch" forName="descendantText"/>
+              <dgm:constr type="b" for="ch" forName="descendantText" refType="h" refFor="ch" refForName="parentText"/>
+              <dgm:constr type="bOff" for="ch" forName="descendantText" refType="w" refFor="ch" refForName="parentText" fact="-0.5"/>
+            </dgm:constrLst>
+          </dgm:if>
+          <dgm:else name="Name3">
+            <dgm:constrLst>
+              <dgm:constr type="t" for="ch" forName="parentText"/>
+              <dgm:constr type="r" for="ch" forName="parentText" refType="w"/>
+              <dgm:constr type="w" for="ch" forName="parentText" refType="w" fact="0.4"/>
+              <dgm:constr type="h" for="ch" forName="parentText" refType="h"/>
+              <dgm:constr type="w" for="ch" forName="parentText" refType="w" op="lte" fact="0.5"/>
+              <dgm:constr type="w" for="ch" forName="parentText" refType="h" refFor="ch" refForName="parentText" op="lte" fact="0.7"/>
+              <dgm:constr type="h" for="ch" forName="parentText" refType="w" refFor="ch" refForName="parentText" op="lte" fact="3"/>
+              <dgm:constr type="l" for="ch" forName="descendantText"/>
+              <dgm:constr type="w" for="ch" forName="descendantText" refType="w"/>
+              <dgm:constr type="wOff" for="ch" forName="descendantText" refType="w" refFor="ch" refForName="parentText" fact="-1"/>
+              <dgm:constr type="t" for="ch" forName="descendantText"/>
+              <dgm:constr type="b" for="ch" forName="descendantText" refType="h" refFor="ch" refForName="parentText"/>
+              <dgm:constr type="bOff" for="ch" forName="descendantText" refType="w" refFor="ch" refForName="parentText" fact="-0.5"/>
+            </dgm:constrLst>
+          </dgm:else>
+        </dgm:choose>
+        <dgm:ruleLst/>
+        <dgm:layoutNode name="parentText" styleLbl="alignNode1">
+          <dgm:varLst>
+            <dgm:chMax val="1"/>
+            <dgm:bulletEnabled val="1"/>
+          </dgm:varLst>
+          <dgm:alg type="tx"/>
+          <dgm:shape xmlns:r="http://schemas.openxmlformats.org/officeDocument/2006/relationships" rot="90" type="chevron" r:blip="">
+            <dgm:adjLst/>
+          </dgm:shape>
+          <dgm:presOf axis="self" ptType="node"/>
+          <dgm:constrLst>
+            <dgm:constr type="lMarg" refType="primFontSz" fact="0.05"/>
+            <dgm:constr type="rMarg" refType="primFontSz" fact="0.05"/>
+            <dgm:constr type="tMarg" refType="primFontSz" fact="0.05"/>
+            <dgm:constr type="bMarg" refType="primFontSz" fact="0.05"/>
+          </dgm:constrLst>
+          <dgm:ruleLst>
+            <dgm:rule type="h" val="100" fact="NaN" max="NaN"/>
+            <dgm:rule type="primFontSz" val="24" fact="NaN" max="NaN"/>
+            <dgm:rule type="h" val="110" fact="NaN" max="NaN"/>
+            <dgm:rule type="primFontSz" val="18" fact="NaN" max="NaN"/>
+            <dgm:rule type="h" val="INF" fact="NaN" max="NaN"/>
+            <dgm:rule type="primFontSz" val="5" fact="NaN" max="NaN"/>
+          </dgm:ruleLst>
+        </dgm:layoutNode>
+        <dgm:layoutNode name="descendantText" styleLbl="alignAcc1">
+          <dgm:varLst>
+            <dgm:bulletEnabled val="1"/>
+          </dgm:varLst>
+          <dgm:choose name="Name4">
+            <dgm:if name="Name5" func="var" arg="dir" op="equ" val="norm">
+              <dgm:alg type="tx">
+                <dgm:param type="stBulletLvl" val="1"/>
+                <dgm:param type="txAnchorVertCh" val="mid"/>
+              </dgm:alg>
+              <dgm:shape xmlns:r="http://schemas.openxmlformats.org/officeDocument/2006/relationships" rot="90" type="round2SameRect" r:blip="">
+                <dgm:adjLst/>
+              </dgm:shape>
+            </dgm:if>
+            <dgm:else name="Name6">
+              <dgm:alg type="tx">
+                <dgm:param type="stBulletLvl" val="1"/>
+                <dgm:param type="txAnchorVertCh" val="mid"/>
+              </dgm:alg>
+              <dgm:shape xmlns:r="http://schemas.openxmlformats.org/officeDocument/2006/relationships" rot="-90" type="round2SameRect" r:blip="">
+                <dgm:adjLst/>
+              </dgm:shape>
+            </dgm:else>
+          </dgm:choose>
+          <dgm:presOf axis="des" ptType="node"/>
+          <dgm:choose name="Name7">
+            <dgm:if name="Name8" func="var" arg="dir" op="equ" val="norm">
+              <dgm:constrLst>
+                <dgm:constr type="secFontSz" refType="primFontSz"/>
+                <dgm:constr type="tMarg" refType="primFontSz" fact="0.05"/>
+                <dgm:constr type="bMarg" refType="primFontSz" fact="0.05"/>
+                <dgm:constr type="rMarg" refType="primFontSz" fact="0.05"/>
+              </dgm:constrLst>
+            </dgm:if>
+            <dgm:else name="Name9">
+              <dgm:constrLst>
+                <dgm:constr type="secFontSz" refType="primFontSz"/>
+                <dgm:constr type="tMarg" refType="primFontSz" fact="0.05"/>
+                <dgm:constr type="bMarg" refType="primFontSz" fact="0.05"/>
+                <dgm:constr type="lMarg" refType="primFontSz" fact="0.05"/>
+              </dgm:constrLst>
+            </dgm:else>
+          </dgm:choose>
+          <dgm:ruleLst>
+            <dgm:rule type="primFontSz" val="5" fact="NaN" max="NaN"/>
+          </dgm:ruleLst>
+        </dgm:layoutNode>
+      </dgm:layoutNode>
+      <dgm:forEach name="Name10" axis="followSib" ptType="sibTrans" cnt="1">
+        <dgm:layoutNode name="sp">
+          <dgm:alg type="sp"/>
+          <dgm:shape xmlns:r="http://schemas.openxmlformats.org/officeDocument/2006/relationships" r:blip="">
+            <dgm:adjLst/>
+          </dgm:shape>
+          <dgm:presOf axis="self"/>
+          <dgm:constrLst>
+            <dgm:constr type="w" val="1"/>
+            <dgm:constr type="h" val="37.5"/>
+          </dgm:constrLst>
+          <dgm:ruleLst/>
+        </dgm:layoutNode>
+      </dgm:forEach>
+    </dgm:forEach>
+  </dgm:layoutNode>
+</dgm:layoutDef>
+</file>
+
 <file path=ppt/diagrams/quickStyle1.xml><?xml version="1.0" encoding="utf-8"?>
 <dgm:styleDef xmlns:dgm="http://schemas.openxmlformats.org/drawingml/2006/diagram" xmlns:a="http://schemas.openxmlformats.org/drawingml/2006/main" uniqueId="urn:microsoft.com/office/officeart/2005/8/quickstyle/simple4">
   <dgm:title val=""/>
@@ -3316,6 +7090,1040 @@
         <a:scrgbClr r="0" g="0" b="0"/>
       </a:fillRef>
       <a:effectRef idx="2">
+        <a:scrgbClr r="0" g="0" b="0"/>
+      </a:effectRef>
+      <a:fontRef idx="minor"/>
+    </dgm:style>
+  </dgm:styleLbl>
+  <dgm:styleLbl name="revTx">
+    <dgm:scene3d>
+      <a:camera prst="orthographicFront"/>
+      <a:lightRig rig="threePt" dir="t"/>
+    </dgm:scene3d>
+    <dgm:sp3d/>
+    <dgm:txPr/>
+    <dgm:style>
+      <a:lnRef idx="0">
+        <a:scrgbClr r="0" g="0" b="0"/>
+      </a:lnRef>
+      <a:fillRef idx="0">
+        <a:scrgbClr r="0" g="0" b="0"/>
+      </a:fillRef>
+      <a:effectRef idx="0">
+        <a:scrgbClr r="0" g="0" b="0"/>
+      </a:effectRef>
+      <a:fontRef idx="minor"/>
+    </dgm:style>
+  </dgm:styleLbl>
+</dgm:styleDef>
+</file>
+
+<file path=ppt/diagrams/quickStyle2.xml><?xml version="1.0" encoding="utf-8"?>
+<dgm:styleDef xmlns:dgm="http://schemas.openxmlformats.org/drawingml/2006/diagram" xmlns:a="http://schemas.openxmlformats.org/drawingml/2006/main" uniqueId="urn:microsoft.com/office/officeart/2005/8/quickstyle/simple1">
+  <dgm:title val=""/>
+  <dgm:desc val=""/>
+  <dgm:catLst>
+    <dgm:cat type="simple" pri="10100"/>
+  </dgm:catLst>
+  <dgm:scene3d>
+    <a:camera prst="orthographicFront"/>
+    <a:lightRig rig="threePt" dir="t"/>
+  </dgm:scene3d>
+  <dgm:styleLbl name="node0">
+    <dgm:scene3d>
+      <a:camera prst="orthographicFront"/>
+      <a:lightRig rig="threePt" dir="t"/>
+    </dgm:scene3d>
+    <dgm:sp3d/>
+    <dgm:txPr/>
+    <dgm:style>
+      <a:lnRef idx="2">
+        <a:scrgbClr r="0" g="0" b="0"/>
+      </a:lnRef>
+      <a:fillRef idx="1">
+        <a:scrgbClr r="0" g="0" b="0"/>
+      </a:fillRef>
+      <a:effectRef idx="0">
+        <a:scrgbClr r="0" g="0" b="0"/>
+      </a:effectRef>
+      <a:fontRef idx="minor">
+        <a:schemeClr val="lt1"/>
+      </a:fontRef>
+    </dgm:style>
+  </dgm:styleLbl>
+  <dgm:styleLbl name="lnNode1">
+    <dgm:scene3d>
+      <a:camera prst="orthographicFront"/>
+      <a:lightRig rig="threePt" dir="t"/>
+    </dgm:scene3d>
+    <dgm:sp3d/>
+    <dgm:txPr/>
+    <dgm:style>
+      <a:lnRef idx="2">
+        <a:scrgbClr r="0" g="0" b="0"/>
+      </a:lnRef>
+      <a:fillRef idx="1">
+        <a:scrgbClr r="0" g="0" b="0"/>
+      </a:fillRef>
+      <a:effectRef idx="0">
+        <a:scrgbClr r="0" g="0" b="0"/>
+      </a:effectRef>
+      <a:fontRef idx="minor">
+        <a:schemeClr val="lt1"/>
+      </a:fontRef>
+    </dgm:style>
+  </dgm:styleLbl>
+  <dgm:styleLbl name="vennNode1">
+    <dgm:scene3d>
+      <a:camera prst="orthographicFront"/>
+      <a:lightRig rig="threePt" dir="t"/>
+    </dgm:scene3d>
+    <dgm:sp3d/>
+    <dgm:txPr/>
+    <dgm:style>
+      <a:lnRef idx="2">
+        <a:scrgbClr r="0" g="0" b="0"/>
+      </a:lnRef>
+      <a:fillRef idx="1">
+        <a:scrgbClr r="0" g="0" b="0"/>
+      </a:fillRef>
+      <a:effectRef idx="0">
+        <a:scrgbClr r="0" g="0" b="0"/>
+      </a:effectRef>
+      <a:fontRef idx="minor">
+        <a:schemeClr val="tx1"/>
+      </a:fontRef>
+    </dgm:style>
+  </dgm:styleLbl>
+  <dgm:styleLbl name="alignNode1">
+    <dgm:scene3d>
+      <a:camera prst="orthographicFront"/>
+      <a:lightRig rig="threePt" dir="t"/>
+    </dgm:scene3d>
+    <dgm:sp3d/>
+    <dgm:txPr/>
+    <dgm:style>
+      <a:lnRef idx="2">
+        <a:scrgbClr r="0" g="0" b="0"/>
+      </a:lnRef>
+      <a:fillRef idx="1">
+        <a:scrgbClr r="0" g="0" b="0"/>
+      </a:fillRef>
+      <a:effectRef idx="0">
+        <a:scrgbClr r="0" g="0" b="0"/>
+      </a:effectRef>
+      <a:fontRef idx="minor">
+        <a:schemeClr val="lt1"/>
+      </a:fontRef>
+    </dgm:style>
+  </dgm:styleLbl>
+  <dgm:styleLbl name="node1">
+    <dgm:scene3d>
+      <a:camera prst="orthographicFront"/>
+      <a:lightRig rig="threePt" dir="t"/>
+    </dgm:scene3d>
+    <dgm:sp3d/>
+    <dgm:txPr/>
+    <dgm:style>
+      <a:lnRef idx="2">
+        <a:scrgbClr r="0" g="0" b="0"/>
+      </a:lnRef>
+      <a:fillRef idx="1">
+        <a:scrgbClr r="0" g="0" b="0"/>
+      </a:fillRef>
+      <a:effectRef idx="0">
+        <a:scrgbClr r="0" g="0" b="0"/>
+      </a:effectRef>
+      <a:fontRef idx="minor">
+        <a:schemeClr val="lt1"/>
+      </a:fontRef>
+    </dgm:style>
+  </dgm:styleLbl>
+  <dgm:styleLbl name="node2">
+    <dgm:scene3d>
+      <a:camera prst="orthographicFront"/>
+      <a:lightRig rig="threePt" dir="t"/>
+    </dgm:scene3d>
+    <dgm:sp3d/>
+    <dgm:txPr/>
+    <dgm:style>
+      <a:lnRef idx="2">
+        <a:scrgbClr r="0" g="0" b="0"/>
+      </a:lnRef>
+      <a:fillRef idx="1">
+        <a:scrgbClr r="0" g="0" b="0"/>
+      </a:fillRef>
+      <a:effectRef idx="0">
+        <a:scrgbClr r="0" g="0" b="0"/>
+      </a:effectRef>
+      <a:fontRef idx="minor">
+        <a:schemeClr val="lt1"/>
+      </a:fontRef>
+    </dgm:style>
+  </dgm:styleLbl>
+  <dgm:styleLbl name="node3">
+    <dgm:scene3d>
+      <a:camera prst="orthographicFront"/>
+      <a:lightRig rig="threePt" dir="t"/>
+    </dgm:scene3d>
+    <dgm:sp3d/>
+    <dgm:txPr/>
+    <dgm:style>
+      <a:lnRef idx="2">
+        <a:scrgbClr r="0" g="0" b="0"/>
+      </a:lnRef>
+      <a:fillRef idx="1">
+        <a:scrgbClr r="0" g="0" b="0"/>
+      </a:fillRef>
+      <a:effectRef idx="0">
+        <a:scrgbClr r="0" g="0" b="0"/>
+      </a:effectRef>
+      <a:fontRef idx="minor">
+        <a:schemeClr val="lt1"/>
+      </a:fontRef>
+    </dgm:style>
+  </dgm:styleLbl>
+  <dgm:styleLbl name="node4">
+    <dgm:scene3d>
+      <a:camera prst="orthographicFront"/>
+      <a:lightRig rig="threePt" dir="t"/>
+    </dgm:scene3d>
+    <dgm:sp3d/>
+    <dgm:txPr/>
+    <dgm:style>
+      <a:lnRef idx="2">
+        <a:scrgbClr r="0" g="0" b="0"/>
+      </a:lnRef>
+      <a:fillRef idx="1">
+        <a:scrgbClr r="0" g="0" b="0"/>
+      </a:fillRef>
+      <a:effectRef idx="0">
+        <a:scrgbClr r="0" g="0" b="0"/>
+      </a:effectRef>
+      <a:fontRef idx="minor">
+        <a:schemeClr val="lt1"/>
+      </a:fontRef>
+    </dgm:style>
+  </dgm:styleLbl>
+  <dgm:styleLbl name="fgImgPlace1">
+    <dgm:scene3d>
+      <a:camera prst="orthographicFront"/>
+      <a:lightRig rig="threePt" dir="t"/>
+    </dgm:scene3d>
+    <dgm:sp3d/>
+    <dgm:txPr/>
+    <dgm:style>
+      <a:lnRef idx="2">
+        <a:scrgbClr r="0" g="0" b="0"/>
+      </a:lnRef>
+      <a:fillRef idx="1">
+        <a:scrgbClr r="0" g="0" b="0"/>
+      </a:fillRef>
+      <a:effectRef idx="0">
+        <a:scrgbClr r="0" g="0" b="0"/>
+      </a:effectRef>
+      <a:fontRef idx="minor"/>
+    </dgm:style>
+  </dgm:styleLbl>
+  <dgm:styleLbl name="alignImgPlace1">
+    <dgm:scene3d>
+      <a:camera prst="orthographicFront"/>
+      <a:lightRig rig="threePt" dir="t"/>
+    </dgm:scene3d>
+    <dgm:sp3d/>
+    <dgm:txPr/>
+    <dgm:style>
+      <a:lnRef idx="2">
+        <a:scrgbClr r="0" g="0" b="0"/>
+      </a:lnRef>
+      <a:fillRef idx="1">
+        <a:scrgbClr r="0" g="0" b="0"/>
+      </a:fillRef>
+      <a:effectRef idx="0">
+        <a:scrgbClr r="0" g="0" b="0"/>
+      </a:effectRef>
+      <a:fontRef idx="minor"/>
+    </dgm:style>
+  </dgm:styleLbl>
+  <dgm:styleLbl name="bgImgPlace1">
+    <dgm:scene3d>
+      <a:camera prst="orthographicFront"/>
+      <a:lightRig rig="threePt" dir="t"/>
+    </dgm:scene3d>
+    <dgm:sp3d/>
+    <dgm:txPr/>
+    <dgm:style>
+      <a:lnRef idx="2">
+        <a:scrgbClr r="0" g="0" b="0"/>
+      </a:lnRef>
+      <a:fillRef idx="1">
+        <a:scrgbClr r="0" g="0" b="0"/>
+      </a:fillRef>
+      <a:effectRef idx="0">
+        <a:scrgbClr r="0" g="0" b="0"/>
+      </a:effectRef>
+      <a:fontRef idx="minor"/>
+    </dgm:style>
+  </dgm:styleLbl>
+  <dgm:styleLbl name="sibTrans2D1">
+    <dgm:scene3d>
+      <a:camera prst="orthographicFront"/>
+      <a:lightRig rig="threePt" dir="t"/>
+    </dgm:scene3d>
+    <dgm:sp3d/>
+    <dgm:txPr/>
+    <dgm:style>
+      <a:lnRef idx="0">
+        <a:scrgbClr r="0" g="0" b="0"/>
+      </a:lnRef>
+      <a:fillRef idx="1">
+        <a:scrgbClr r="0" g="0" b="0"/>
+      </a:fillRef>
+      <a:effectRef idx="0">
+        <a:scrgbClr r="0" g="0" b="0"/>
+      </a:effectRef>
+      <a:fontRef idx="minor">
+        <a:schemeClr val="lt1"/>
+      </a:fontRef>
+    </dgm:style>
+  </dgm:styleLbl>
+  <dgm:styleLbl name="fgSibTrans2D1">
+    <dgm:scene3d>
+      <a:camera prst="orthographicFront"/>
+      <a:lightRig rig="threePt" dir="t"/>
+    </dgm:scene3d>
+    <dgm:sp3d/>
+    <dgm:txPr/>
+    <dgm:style>
+      <a:lnRef idx="0">
+        <a:scrgbClr r="0" g="0" b="0"/>
+      </a:lnRef>
+      <a:fillRef idx="1">
+        <a:scrgbClr r="0" g="0" b="0"/>
+      </a:fillRef>
+      <a:effectRef idx="0">
+        <a:scrgbClr r="0" g="0" b="0"/>
+      </a:effectRef>
+      <a:fontRef idx="minor">
+        <a:schemeClr val="lt1"/>
+      </a:fontRef>
+    </dgm:style>
+  </dgm:styleLbl>
+  <dgm:styleLbl name="bgSibTrans2D1">
+    <dgm:scene3d>
+      <a:camera prst="orthographicFront"/>
+      <a:lightRig rig="threePt" dir="t"/>
+    </dgm:scene3d>
+    <dgm:sp3d/>
+    <dgm:txPr/>
+    <dgm:style>
+      <a:lnRef idx="0">
+        <a:scrgbClr r="0" g="0" b="0"/>
+      </a:lnRef>
+      <a:fillRef idx="1">
+        <a:scrgbClr r="0" g="0" b="0"/>
+      </a:fillRef>
+      <a:effectRef idx="0">
+        <a:scrgbClr r="0" g="0" b="0"/>
+      </a:effectRef>
+      <a:fontRef idx="minor">
+        <a:schemeClr val="lt1"/>
+      </a:fontRef>
+    </dgm:style>
+  </dgm:styleLbl>
+  <dgm:styleLbl name="sibTrans1D1">
+    <dgm:scene3d>
+      <a:camera prst="orthographicFront"/>
+      <a:lightRig rig="threePt" dir="t"/>
+    </dgm:scene3d>
+    <dgm:sp3d/>
+    <dgm:txPr/>
+    <dgm:style>
+      <a:lnRef idx="1">
+        <a:scrgbClr r="0" g="0" b="0"/>
+      </a:lnRef>
+      <a:fillRef idx="0">
+        <a:scrgbClr r="0" g="0" b="0"/>
+      </a:fillRef>
+      <a:effectRef idx="0">
+        <a:scrgbClr r="0" g="0" b="0"/>
+      </a:effectRef>
+      <a:fontRef idx="minor"/>
+    </dgm:style>
+  </dgm:styleLbl>
+  <dgm:styleLbl name="callout">
+    <dgm:scene3d>
+      <a:camera prst="orthographicFront"/>
+      <a:lightRig rig="threePt" dir="t"/>
+    </dgm:scene3d>
+    <dgm:sp3d/>
+    <dgm:txPr/>
+    <dgm:style>
+      <a:lnRef idx="2">
+        <a:scrgbClr r="0" g="0" b="0"/>
+      </a:lnRef>
+      <a:fillRef idx="1">
+        <a:scrgbClr r="0" g="0" b="0"/>
+      </a:fillRef>
+      <a:effectRef idx="0">
+        <a:scrgbClr r="0" g="0" b="0"/>
+      </a:effectRef>
+      <a:fontRef idx="minor"/>
+    </dgm:style>
+  </dgm:styleLbl>
+  <dgm:styleLbl name="asst0">
+    <dgm:scene3d>
+      <a:camera prst="orthographicFront"/>
+      <a:lightRig rig="threePt" dir="t"/>
+    </dgm:scene3d>
+    <dgm:sp3d/>
+    <dgm:txPr/>
+    <dgm:style>
+      <a:lnRef idx="2">
+        <a:scrgbClr r="0" g="0" b="0"/>
+      </a:lnRef>
+      <a:fillRef idx="1">
+        <a:scrgbClr r="0" g="0" b="0"/>
+      </a:fillRef>
+      <a:effectRef idx="0">
+        <a:scrgbClr r="0" g="0" b="0"/>
+      </a:effectRef>
+      <a:fontRef idx="minor">
+        <a:schemeClr val="lt1"/>
+      </a:fontRef>
+    </dgm:style>
+  </dgm:styleLbl>
+  <dgm:styleLbl name="asst1">
+    <dgm:scene3d>
+      <a:camera prst="orthographicFront"/>
+      <a:lightRig rig="threePt" dir="t"/>
+    </dgm:scene3d>
+    <dgm:sp3d/>
+    <dgm:txPr/>
+    <dgm:style>
+      <a:lnRef idx="2">
+        <a:scrgbClr r="0" g="0" b="0"/>
+      </a:lnRef>
+      <a:fillRef idx="1">
+        <a:scrgbClr r="0" g="0" b="0"/>
+      </a:fillRef>
+      <a:effectRef idx="0">
+        <a:scrgbClr r="0" g="0" b="0"/>
+      </a:effectRef>
+      <a:fontRef idx="minor">
+        <a:schemeClr val="lt1"/>
+      </a:fontRef>
+    </dgm:style>
+  </dgm:styleLbl>
+  <dgm:styleLbl name="asst2">
+    <dgm:scene3d>
+      <a:camera prst="orthographicFront"/>
+      <a:lightRig rig="threePt" dir="t"/>
+    </dgm:scene3d>
+    <dgm:sp3d/>
+    <dgm:txPr/>
+    <dgm:style>
+      <a:lnRef idx="2">
+        <a:scrgbClr r="0" g="0" b="0"/>
+      </a:lnRef>
+      <a:fillRef idx="1">
+        <a:scrgbClr r="0" g="0" b="0"/>
+      </a:fillRef>
+      <a:effectRef idx="0">
+        <a:scrgbClr r="0" g="0" b="0"/>
+      </a:effectRef>
+      <a:fontRef idx="minor">
+        <a:schemeClr val="lt1"/>
+      </a:fontRef>
+    </dgm:style>
+  </dgm:styleLbl>
+  <dgm:styleLbl name="asst3">
+    <dgm:scene3d>
+      <a:camera prst="orthographicFront"/>
+      <a:lightRig rig="threePt" dir="t"/>
+    </dgm:scene3d>
+    <dgm:sp3d/>
+    <dgm:txPr/>
+    <dgm:style>
+      <a:lnRef idx="2">
+        <a:scrgbClr r="0" g="0" b="0"/>
+      </a:lnRef>
+      <a:fillRef idx="1">
+        <a:scrgbClr r="0" g="0" b="0"/>
+      </a:fillRef>
+      <a:effectRef idx="0">
+        <a:scrgbClr r="0" g="0" b="0"/>
+      </a:effectRef>
+      <a:fontRef idx="minor">
+        <a:schemeClr val="lt1"/>
+      </a:fontRef>
+    </dgm:style>
+  </dgm:styleLbl>
+  <dgm:styleLbl name="asst4">
+    <dgm:scene3d>
+      <a:camera prst="orthographicFront"/>
+      <a:lightRig rig="threePt" dir="t"/>
+    </dgm:scene3d>
+    <dgm:sp3d/>
+    <dgm:txPr/>
+    <dgm:style>
+      <a:lnRef idx="2">
+        <a:scrgbClr r="0" g="0" b="0"/>
+      </a:lnRef>
+      <a:fillRef idx="1">
+        <a:scrgbClr r="0" g="0" b="0"/>
+      </a:fillRef>
+      <a:effectRef idx="0">
+        <a:scrgbClr r="0" g="0" b="0"/>
+      </a:effectRef>
+      <a:fontRef idx="minor">
+        <a:schemeClr val="lt1"/>
+      </a:fontRef>
+    </dgm:style>
+  </dgm:styleLbl>
+  <dgm:styleLbl name="parChTrans2D1">
+    <dgm:scene3d>
+      <a:camera prst="orthographicFront"/>
+      <a:lightRig rig="threePt" dir="t"/>
+    </dgm:scene3d>
+    <dgm:sp3d/>
+    <dgm:txPr/>
+    <dgm:style>
+      <a:lnRef idx="2">
+        <a:scrgbClr r="0" g="0" b="0"/>
+      </a:lnRef>
+      <a:fillRef idx="1">
+        <a:scrgbClr r="0" g="0" b="0"/>
+      </a:fillRef>
+      <a:effectRef idx="0">
+        <a:scrgbClr r="0" g="0" b="0"/>
+      </a:effectRef>
+      <a:fontRef idx="minor">
+        <a:schemeClr val="lt1"/>
+      </a:fontRef>
+    </dgm:style>
+  </dgm:styleLbl>
+  <dgm:styleLbl name="parChTrans2D2">
+    <dgm:scene3d>
+      <a:camera prst="orthographicFront"/>
+      <a:lightRig rig="threePt" dir="t"/>
+    </dgm:scene3d>
+    <dgm:sp3d/>
+    <dgm:txPr/>
+    <dgm:style>
+      <a:lnRef idx="2">
+        <a:scrgbClr r="0" g="0" b="0"/>
+      </a:lnRef>
+      <a:fillRef idx="1">
+        <a:scrgbClr r="0" g="0" b="0"/>
+      </a:fillRef>
+      <a:effectRef idx="0">
+        <a:scrgbClr r="0" g="0" b="0"/>
+      </a:effectRef>
+      <a:fontRef idx="minor">
+        <a:schemeClr val="lt1"/>
+      </a:fontRef>
+    </dgm:style>
+  </dgm:styleLbl>
+  <dgm:styleLbl name="parChTrans2D3">
+    <dgm:scene3d>
+      <a:camera prst="orthographicFront"/>
+      <a:lightRig rig="threePt" dir="t"/>
+    </dgm:scene3d>
+    <dgm:sp3d/>
+    <dgm:txPr/>
+    <dgm:style>
+      <a:lnRef idx="2">
+        <a:scrgbClr r="0" g="0" b="0"/>
+      </a:lnRef>
+      <a:fillRef idx="1">
+        <a:scrgbClr r="0" g="0" b="0"/>
+      </a:fillRef>
+      <a:effectRef idx="0">
+        <a:scrgbClr r="0" g="0" b="0"/>
+      </a:effectRef>
+      <a:fontRef idx="minor">
+        <a:schemeClr val="lt1"/>
+      </a:fontRef>
+    </dgm:style>
+  </dgm:styleLbl>
+  <dgm:styleLbl name="parChTrans2D4">
+    <dgm:scene3d>
+      <a:camera prst="orthographicFront"/>
+      <a:lightRig rig="threePt" dir="t"/>
+    </dgm:scene3d>
+    <dgm:sp3d/>
+    <dgm:txPr/>
+    <dgm:style>
+      <a:lnRef idx="2">
+        <a:scrgbClr r="0" g="0" b="0"/>
+      </a:lnRef>
+      <a:fillRef idx="1">
+        <a:scrgbClr r="0" g="0" b="0"/>
+      </a:fillRef>
+      <a:effectRef idx="0">
+        <a:scrgbClr r="0" g="0" b="0"/>
+      </a:effectRef>
+      <a:fontRef idx="minor">
+        <a:schemeClr val="lt1"/>
+      </a:fontRef>
+    </dgm:style>
+  </dgm:styleLbl>
+  <dgm:styleLbl name="parChTrans1D1">
+    <dgm:scene3d>
+      <a:camera prst="orthographicFront"/>
+      <a:lightRig rig="threePt" dir="t"/>
+    </dgm:scene3d>
+    <dgm:sp3d/>
+    <dgm:txPr/>
+    <dgm:style>
+      <a:lnRef idx="2">
+        <a:scrgbClr r="0" g="0" b="0"/>
+      </a:lnRef>
+      <a:fillRef idx="0">
+        <a:scrgbClr r="0" g="0" b="0"/>
+      </a:fillRef>
+      <a:effectRef idx="0">
+        <a:scrgbClr r="0" g="0" b="0"/>
+      </a:effectRef>
+      <a:fontRef idx="minor"/>
+    </dgm:style>
+  </dgm:styleLbl>
+  <dgm:styleLbl name="parChTrans1D2">
+    <dgm:scene3d>
+      <a:camera prst="orthographicFront"/>
+      <a:lightRig rig="threePt" dir="t"/>
+    </dgm:scene3d>
+    <dgm:sp3d/>
+    <dgm:txPr/>
+    <dgm:style>
+      <a:lnRef idx="2">
+        <a:scrgbClr r="0" g="0" b="0"/>
+      </a:lnRef>
+      <a:fillRef idx="0">
+        <a:scrgbClr r="0" g="0" b="0"/>
+      </a:fillRef>
+      <a:effectRef idx="0">
+        <a:scrgbClr r="0" g="0" b="0"/>
+      </a:effectRef>
+      <a:fontRef idx="minor"/>
+    </dgm:style>
+  </dgm:styleLbl>
+  <dgm:styleLbl name="parChTrans1D3">
+    <dgm:scene3d>
+      <a:camera prst="orthographicFront"/>
+      <a:lightRig rig="threePt" dir="t"/>
+    </dgm:scene3d>
+    <dgm:sp3d/>
+    <dgm:txPr/>
+    <dgm:style>
+      <a:lnRef idx="2">
+        <a:scrgbClr r="0" g="0" b="0"/>
+      </a:lnRef>
+      <a:fillRef idx="0">
+        <a:scrgbClr r="0" g="0" b="0"/>
+      </a:fillRef>
+      <a:effectRef idx="0">
+        <a:scrgbClr r="0" g="0" b="0"/>
+      </a:effectRef>
+      <a:fontRef idx="minor"/>
+    </dgm:style>
+  </dgm:styleLbl>
+  <dgm:styleLbl name="parChTrans1D4">
+    <dgm:scene3d>
+      <a:camera prst="orthographicFront"/>
+      <a:lightRig rig="threePt" dir="t"/>
+    </dgm:scene3d>
+    <dgm:sp3d/>
+    <dgm:txPr/>
+    <dgm:style>
+      <a:lnRef idx="2">
+        <a:scrgbClr r="0" g="0" b="0"/>
+      </a:lnRef>
+      <a:fillRef idx="0">
+        <a:scrgbClr r="0" g="0" b="0"/>
+      </a:fillRef>
+      <a:effectRef idx="0">
+        <a:scrgbClr r="0" g="0" b="0"/>
+      </a:effectRef>
+      <a:fontRef idx="minor"/>
+    </dgm:style>
+  </dgm:styleLbl>
+  <dgm:styleLbl name="fgAcc1">
+    <dgm:scene3d>
+      <a:camera prst="orthographicFront"/>
+      <a:lightRig rig="threePt" dir="t"/>
+    </dgm:scene3d>
+    <dgm:sp3d/>
+    <dgm:txPr/>
+    <dgm:style>
+      <a:lnRef idx="2">
+        <a:scrgbClr r="0" g="0" b="0"/>
+      </a:lnRef>
+      <a:fillRef idx="1">
+        <a:scrgbClr r="0" g="0" b="0"/>
+      </a:fillRef>
+      <a:effectRef idx="0">
+        <a:scrgbClr r="0" g="0" b="0"/>
+      </a:effectRef>
+      <a:fontRef idx="minor"/>
+    </dgm:style>
+  </dgm:styleLbl>
+  <dgm:styleLbl name="conFgAcc1">
+    <dgm:scene3d>
+      <a:camera prst="orthographicFront"/>
+      <a:lightRig rig="threePt" dir="t"/>
+    </dgm:scene3d>
+    <dgm:sp3d/>
+    <dgm:txPr/>
+    <dgm:style>
+      <a:lnRef idx="2">
+        <a:scrgbClr r="0" g="0" b="0"/>
+      </a:lnRef>
+      <a:fillRef idx="1">
+        <a:scrgbClr r="0" g="0" b="0"/>
+      </a:fillRef>
+      <a:effectRef idx="0">
+        <a:scrgbClr r="0" g="0" b="0"/>
+      </a:effectRef>
+      <a:fontRef idx="minor"/>
+    </dgm:style>
+  </dgm:styleLbl>
+  <dgm:styleLbl name="alignAcc1">
+    <dgm:scene3d>
+      <a:camera prst="orthographicFront"/>
+      <a:lightRig rig="threePt" dir="t"/>
+    </dgm:scene3d>
+    <dgm:sp3d/>
+    <dgm:txPr/>
+    <dgm:style>
+      <a:lnRef idx="2">
+        <a:scrgbClr r="0" g="0" b="0"/>
+      </a:lnRef>
+      <a:fillRef idx="1">
+        <a:scrgbClr r="0" g="0" b="0"/>
+      </a:fillRef>
+      <a:effectRef idx="0">
+        <a:scrgbClr r="0" g="0" b="0"/>
+      </a:effectRef>
+      <a:fontRef idx="minor"/>
+    </dgm:style>
+  </dgm:styleLbl>
+  <dgm:styleLbl name="trAlignAcc1">
+    <dgm:scene3d>
+      <a:camera prst="orthographicFront"/>
+      <a:lightRig rig="threePt" dir="t"/>
+    </dgm:scene3d>
+    <dgm:sp3d/>
+    <dgm:txPr/>
+    <dgm:style>
+      <a:lnRef idx="1">
+        <a:scrgbClr r="0" g="0" b="0"/>
+      </a:lnRef>
+      <a:fillRef idx="1">
+        <a:scrgbClr r="0" g="0" b="0"/>
+      </a:fillRef>
+      <a:effectRef idx="0">
+        <a:scrgbClr r="0" g="0" b="0"/>
+      </a:effectRef>
+      <a:fontRef idx="minor"/>
+    </dgm:style>
+  </dgm:styleLbl>
+  <dgm:styleLbl name="bgAcc1">
+    <dgm:scene3d>
+      <a:camera prst="orthographicFront"/>
+      <a:lightRig rig="threePt" dir="t"/>
+    </dgm:scene3d>
+    <dgm:sp3d/>
+    <dgm:txPr/>
+    <dgm:style>
+      <a:lnRef idx="2">
+        <a:scrgbClr r="0" g="0" b="0"/>
+      </a:lnRef>
+      <a:fillRef idx="1">
+        <a:scrgbClr r="0" g="0" b="0"/>
+      </a:fillRef>
+      <a:effectRef idx="0">
+        <a:scrgbClr r="0" g="0" b="0"/>
+      </a:effectRef>
+      <a:fontRef idx="minor"/>
+    </dgm:style>
+  </dgm:styleLbl>
+  <dgm:styleLbl name="solidFgAcc1">
+    <dgm:scene3d>
+      <a:camera prst="orthographicFront"/>
+      <a:lightRig rig="threePt" dir="t"/>
+    </dgm:scene3d>
+    <dgm:sp3d/>
+    <dgm:txPr/>
+    <dgm:style>
+      <a:lnRef idx="2">
+        <a:scrgbClr r="0" g="0" b="0"/>
+      </a:lnRef>
+      <a:fillRef idx="1">
+        <a:scrgbClr r="0" g="0" b="0"/>
+      </a:fillRef>
+      <a:effectRef idx="0">
+        <a:scrgbClr r="0" g="0" b="0"/>
+      </a:effectRef>
+      <a:fontRef idx="minor"/>
+    </dgm:style>
+  </dgm:styleLbl>
+  <dgm:styleLbl name="solidAlignAcc1">
+    <dgm:scene3d>
+      <a:camera prst="orthographicFront"/>
+      <a:lightRig rig="threePt" dir="t"/>
+    </dgm:scene3d>
+    <dgm:sp3d/>
+    <dgm:txPr/>
+    <dgm:style>
+      <a:lnRef idx="2">
+        <a:scrgbClr r="0" g="0" b="0"/>
+      </a:lnRef>
+      <a:fillRef idx="1">
+        <a:scrgbClr r="0" g="0" b="0"/>
+      </a:fillRef>
+      <a:effectRef idx="0">
+        <a:scrgbClr r="0" g="0" b="0"/>
+      </a:effectRef>
+      <a:fontRef idx="minor"/>
+    </dgm:style>
+  </dgm:styleLbl>
+  <dgm:styleLbl name="solidBgAcc1">
+    <dgm:scene3d>
+      <a:camera prst="orthographicFront"/>
+      <a:lightRig rig="threePt" dir="t"/>
+    </dgm:scene3d>
+    <dgm:sp3d/>
+    <dgm:txPr/>
+    <dgm:style>
+      <a:lnRef idx="2">
+        <a:scrgbClr r="0" g="0" b="0"/>
+      </a:lnRef>
+      <a:fillRef idx="1">
+        <a:scrgbClr r="0" g="0" b="0"/>
+      </a:fillRef>
+      <a:effectRef idx="0">
+        <a:scrgbClr r="0" g="0" b="0"/>
+      </a:effectRef>
+      <a:fontRef idx="minor"/>
+    </dgm:style>
+  </dgm:styleLbl>
+  <dgm:styleLbl name="fgAccFollowNode1">
+    <dgm:scene3d>
+      <a:camera prst="orthographicFront"/>
+      <a:lightRig rig="threePt" dir="t"/>
+    </dgm:scene3d>
+    <dgm:sp3d/>
+    <dgm:txPr/>
+    <dgm:style>
+      <a:lnRef idx="2">
+        <a:scrgbClr r="0" g="0" b="0"/>
+      </a:lnRef>
+      <a:fillRef idx="1">
+        <a:scrgbClr r="0" g="0" b="0"/>
+      </a:fillRef>
+      <a:effectRef idx="0">
+        <a:scrgbClr r="0" g="0" b="0"/>
+      </a:effectRef>
+      <a:fontRef idx="minor"/>
+    </dgm:style>
+  </dgm:styleLbl>
+  <dgm:styleLbl name="alignAccFollowNode1">
+    <dgm:scene3d>
+      <a:camera prst="orthographicFront"/>
+      <a:lightRig rig="threePt" dir="t"/>
+    </dgm:scene3d>
+    <dgm:sp3d/>
+    <dgm:txPr/>
+    <dgm:style>
+      <a:lnRef idx="2">
+        <a:scrgbClr r="0" g="0" b="0"/>
+      </a:lnRef>
+      <a:fillRef idx="1">
+        <a:scrgbClr r="0" g="0" b="0"/>
+      </a:fillRef>
+      <a:effectRef idx="0">
+        <a:scrgbClr r="0" g="0" b="0"/>
+      </a:effectRef>
+      <a:fontRef idx="minor"/>
+    </dgm:style>
+  </dgm:styleLbl>
+  <dgm:styleLbl name="bgAccFollowNode1">
+    <dgm:scene3d>
+      <a:camera prst="orthographicFront"/>
+      <a:lightRig rig="threePt" dir="t"/>
+    </dgm:scene3d>
+    <dgm:sp3d/>
+    <dgm:txPr/>
+    <dgm:style>
+      <a:lnRef idx="2">
+        <a:scrgbClr r="0" g="0" b="0"/>
+      </a:lnRef>
+      <a:fillRef idx="1">
+        <a:scrgbClr r="0" g="0" b="0"/>
+      </a:fillRef>
+      <a:effectRef idx="0">
+        <a:scrgbClr r="0" g="0" b="0"/>
+      </a:effectRef>
+      <a:fontRef idx="minor"/>
+    </dgm:style>
+  </dgm:styleLbl>
+  <dgm:styleLbl name="fgAcc0">
+    <dgm:scene3d>
+      <a:camera prst="orthographicFront"/>
+      <a:lightRig rig="threePt" dir="t"/>
+    </dgm:scene3d>
+    <dgm:sp3d/>
+    <dgm:txPr/>
+    <dgm:style>
+      <a:lnRef idx="2">
+        <a:scrgbClr r="0" g="0" b="0"/>
+      </a:lnRef>
+      <a:fillRef idx="1">
+        <a:scrgbClr r="0" g="0" b="0"/>
+      </a:fillRef>
+      <a:effectRef idx="0">
+        <a:scrgbClr r="0" g="0" b="0"/>
+      </a:effectRef>
+      <a:fontRef idx="minor"/>
+    </dgm:style>
+  </dgm:styleLbl>
+  <dgm:styleLbl name="fgAcc2">
+    <dgm:scene3d>
+      <a:camera prst="orthographicFront"/>
+      <a:lightRig rig="threePt" dir="t"/>
+    </dgm:scene3d>
+    <dgm:sp3d/>
+    <dgm:txPr/>
+    <dgm:style>
+      <a:lnRef idx="2">
+        <a:scrgbClr r="0" g="0" b="0"/>
+      </a:lnRef>
+      <a:fillRef idx="1">
+        <a:scrgbClr r="0" g="0" b="0"/>
+      </a:fillRef>
+      <a:effectRef idx="0">
+        <a:scrgbClr r="0" g="0" b="0"/>
+      </a:effectRef>
+      <a:fontRef idx="minor"/>
+    </dgm:style>
+  </dgm:styleLbl>
+  <dgm:styleLbl name="fgAcc3">
+    <dgm:scene3d>
+      <a:camera prst="orthographicFront"/>
+      <a:lightRig rig="threePt" dir="t"/>
+    </dgm:scene3d>
+    <dgm:sp3d/>
+    <dgm:txPr/>
+    <dgm:style>
+      <a:lnRef idx="2">
+        <a:scrgbClr r="0" g="0" b="0"/>
+      </a:lnRef>
+      <a:fillRef idx="1">
+        <a:scrgbClr r="0" g="0" b="0"/>
+      </a:fillRef>
+      <a:effectRef idx="0">
+        <a:scrgbClr r="0" g="0" b="0"/>
+      </a:effectRef>
+      <a:fontRef idx="minor"/>
+    </dgm:style>
+  </dgm:styleLbl>
+  <dgm:styleLbl name="fgAcc4">
+    <dgm:scene3d>
+      <a:camera prst="orthographicFront"/>
+      <a:lightRig rig="threePt" dir="t"/>
+    </dgm:scene3d>
+    <dgm:sp3d/>
+    <dgm:txPr/>
+    <dgm:style>
+      <a:lnRef idx="2">
+        <a:scrgbClr r="0" g="0" b="0"/>
+      </a:lnRef>
+      <a:fillRef idx="1">
+        <a:scrgbClr r="0" g="0" b="0"/>
+      </a:fillRef>
+      <a:effectRef idx="0">
+        <a:scrgbClr r="0" g="0" b="0"/>
+      </a:effectRef>
+      <a:fontRef idx="minor"/>
+    </dgm:style>
+  </dgm:styleLbl>
+  <dgm:styleLbl name="bgShp">
+    <dgm:scene3d>
+      <a:camera prst="orthographicFront"/>
+      <a:lightRig rig="threePt" dir="t"/>
+    </dgm:scene3d>
+    <dgm:sp3d/>
+    <dgm:txPr/>
+    <dgm:style>
+      <a:lnRef idx="0">
+        <a:scrgbClr r="0" g="0" b="0"/>
+      </a:lnRef>
+      <a:fillRef idx="1">
+        <a:scrgbClr r="0" g="0" b="0"/>
+      </a:fillRef>
+      <a:effectRef idx="0">
+        <a:scrgbClr r="0" g="0" b="0"/>
+      </a:effectRef>
+      <a:fontRef idx="minor"/>
+    </dgm:style>
+  </dgm:styleLbl>
+  <dgm:styleLbl name="dkBgShp">
+    <dgm:scene3d>
+      <a:camera prst="orthographicFront"/>
+      <a:lightRig rig="threePt" dir="t"/>
+    </dgm:scene3d>
+    <dgm:sp3d/>
+    <dgm:txPr/>
+    <dgm:style>
+      <a:lnRef idx="0">
+        <a:scrgbClr r="0" g="0" b="0"/>
+      </a:lnRef>
+      <a:fillRef idx="1">
+        <a:scrgbClr r="0" g="0" b="0"/>
+      </a:fillRef>
+      <a:effectRef idx="0">
+        <a:scrgbClr r="0" g="0" b="0"/>
+      </a:effectRef>
+      <a:fontRef idx="minor"/>
+    </dgm:style>
+  </dgm:styleLbl>
+  <dgm:styleLbl name="trBgShp">
+    <dgm:scene3d>
+      <a:camera prst="orthographicFront"/>
+      <a:lightRig rig="threePt" dir="t"/>
+    </dgm:scene3d>
+    <dgm:sp3d/>
+    <dgm:txPr/>
+    <dgm:style>
+      <a:lnRef idx="0">
+        <a:scrgbClr r="0" g="0" b="0"/>
+      </a:lnRef>
+      <a:fillRef idx="1">
+        <a:scrgbClr r="0" g="0" b="0"/>
+      </a:fillRef>
+      <a:effectRef idx="0">
+        <a:scrgbClr r="0" g="0" b="0"/>
+      </a:effectRef>
+      <a:fontRef idx="minor"/>
+    </dgm:style>
+  </dgm:styleLbl>
+  <dgm:styleLbl name="fgShp">
+    <dgm:scene3d>
+      <a:camera prst="orthographicFront"/>
+      <a:lightRig rig="threePt" dir="t"/>
+    </dgm:scene3d>
+    <dgm:sp3d/>
+    <dgm:txPr/>
+    <dgm:style>
+      <a:lnRef idx="2">
+        <a:scrgbClr r="0" g="0" b="0"/>
+      </a:lnRef>
+      <a:fillRef idx="1">
+        <a:scrgbClr r="0" g="0" b="0"/>
+      </a:fillRef>
+      <a:effectRef idx="0">
         <a:scrgbClr r="0" g="0" b="0"/>
       </a:effectRef>
       <a:fontRef idx="minor"/>
@@ -3382,7 +8190,7 @@
           <a:lstStyle/>
           <a:p>
             <a:r>
-              <a:rPr lang="en-US" altLang="zh-CN" smtClean="0"/>
+              <a:rPr lang="en-US" altLang="zh-CN"/>
               <a:t>Click to edit Master title style</a:t>
             </a:r>
             <a:endParaRPr lang="zh-CN" altLang="en-US"/>
@@ -3501,7 +8309,7 @@
           </a:lstStyle>
           <a:p>
             <a:r>
-              <a:rPr lang="en-US" altLang="zh-CN" smtClean="0"/>
+              <a:rPr lang="en-US" altLang="zh-CN"/>
               <a:t>Click to edit Master subtitle style</a:t>
             </a:r>
             <a:endParaRPr lang="zh-CN" altLang="en-US"/>
@@ -3525,7 +8333,7 @@
           <a:p>
             <a:fld id="{F3F810AC-7717-49D1-A49A-7720E43A1679}" type="datetimeFigureOut">
               <a:rPr lang="zh-CN" altLang="en-US" smtClean="0"/>
-              <a:t>2018/6/15</a:t>
+              <a:t>2018/6/16</a:t>
             </a:fld>
             <a:endParaRPr lang="zh-CN" altLang="en-US"/>
           </a:p>
@@ -3619,7 +8427,7 @@
           <a:lstStyle/>
           <a:p>
             <a:r>
-              <a:rPr lang="en-US" altLang="zh-CN" smtClean="0"/>
+              <a:rPr lang="en-US" altLang="zh-CN"/>
               <a:t>Click to edit Master title style</a:t>
             </a:r>
             <a:endParaRPr lang="zh-CN" altLang="en-US"/>
@@ -3643,35 +8451,35 @@
           <a:p>
             <a:pPr lvl="0"/>
             <a:r>
-              <a:rPr lang="en-US" altLang="zh-CN" smtClean="0"/>
+              <a:rPr lang="en-US" altLang="zh-CN"/>
               <a:t>Click to edit Master text styles</a:t>
             </a:r>
           </a:p>
           <a:p>
             <a:pPr lvl="1"/>
             <a:r>
-              <a:rPr lang="en-US" altLang="zh-CN" smtClean="0"/>
+              <a:rPr lang="en-US" altLang="zh-CN"/>
               <a:t>Second level</a:t>
             </a:r>
           </a:p>
           <a:p>
             <a:pPr lvl="2"/>
             <a:r>
-              <a:rPr lang="en-US" altLang="zh-CN" smtClean="0"/>
+              <a:rPr lang="en-US" altLang="zh-CN"/>
               <a:t>Third level</a:t>
             </a:r>
           </a:p>
           <a:p>
             <a:pPr lvl="3"/>
             <a:r>
-              <a:rPr lang="en-US" altLang="zh-CN" smtClean="0"/>
+              <a:rPr lang="en-US" altLang="zh-CN"/>
               <a:t>Fourth level</a:t>
             </a:r>
           </a:p>
           <a:p>
             <a:pPr lvl="4"/>
             <a:r>
-              <a:rPr lang="en-US" altLang="zh-CN" smtClean="0"/>
+              <a:rPr lang="en-US" altLang="zh-CN"/>
               <a:t>Fifth level</a:t>
             </a:r>
             <a:endParaRPr lang="zh-CN" altLang="en-US"/>
@@ -3695,7 +8503,7 @@
           <a:p>
             <a:fld id="{F3F810AC-7717-49D1-A49A-7720E43A1679}" type="datetimeFigureOut">
               <a:rPr lang="zh-CN" altLang="en-US" smtClean="0"/>
-              <a:t>2018/6/15</a:t>
+              <a:t>2018/6/16</a:t>
             </a:fld>
             <a:endParaRPr lang="zh-CN" altLang="en-US"/>
           </a:p>
@@ -3794,7 +8602,7 @@
           <a:lstStyle/>
           <a:p>
             <a:r>
-              <a:rPr lang="en-US" altLang="zh-CN" smtClean="0"/>
+              <a:rPr lang="en-US" altLang="zh-CN"/>
               <a:t>Click to edit Master title style</a:t>
             </a:r>
             <a:endParaRPr lang="zh-CN" altLang="en-US"/>
@@ -3823,35 +8631,35 @@
           <a:p>
             <a:pPr lvl="0"/>
             <a:r>
-              <a:rPr lang="en-US" altLang="zh-CN" smtClean="0"/>
+              <a:rPr lang="en-US" altLang="zh-CN"/>
               <a:t>Click to edit Master text styles</a:t>
             </a:r>
           </a:p>
           <a:p>
             <a:pPr lvl="1"/>
             <a:r>
-              <a:rPr lang="en-US" altLang="zh-CN" smtClean="0"/>
+              <a:rPr lang="en-US" altLang="zh-CN"/>
               <a:t>Second level</a:t>
             </a:r>
           </a:p>
           <a:p>
             <a:pPr lvl="2"/>
             <a:r>
-              <a:rPr lang="en-US" altLang="zh-CN" smtClean="0"/>
+              <a:rPr lang="en-US" altLang="zh-CN"/>
               <a:t>Third level</a:t>
             </a:r>
           </a:p>
           <a:p>
             <a:pPr lvl="3"/>
             <a:r>
-              <a:rPr lang="en-US" altLang="zh-CN" smtClean="0"/>
+              <a:rPr lang="en-US" altLang="zh-CN"/>
               <a:t>Fourth level</a:t>
             </a:r>
           </a:p>
           <a:p>
             <a:pPr lvl="4"/>
             <a:r>
-              <a:rPr lang="en-US" altLang="zh-CN" smtClean="0"/>
+              <a:rPr lang="en-US" altLang="zh-CN"/>
               <a:t>Fifth level</a:t>
             </a:r>
             <a:endParaRPr lang="zh-CN" altLang="en-US"/>
@@ -3875,7 +8683,7 @@
           <a:p>
             <a:fld id="{F3F810AC-7717-49D1-A49A-7720E43A1679}" type="datetimeFigureOut">
               <a:rPr lang="zh-CN" altLang="en-US" smtClean="0"/>
-              <a:t>2018/6/15</a:t>
+              <a:t>2018/6/16</a:t>
             </a:fld>
             <a:endParaRPr lang="zh-CN" altLang="en-US"/>
           </a:p>
@@ -3969,7 +8777,7 @@
           <a:lstStyle/>
           <a:p>
             <a:r>
-              <a:rPr lang="en-US" altLang="zh-CN" smtClean="0"/>
+              <a:rPr lang="en-US" altLang="zh-CN"/>
               <a:t>Click to edit Master title style</a:t>
             </a:r>
             <a:endParaRPr lang="zh-CN" altLang="en-US"/>
@@ -3993,35 +8801,35 @@
           <a:p>
             <a:pPr lvl="0"/>
             <a:r>
-              <a:rPr lang="en-US" altLang="zh-CN" smtClean="0"/>
+              <a:rPr lang="en-US" altLang="zh-CN"/>
               <a:t>Click to edit Master text styles</a:t>
             </a:r>
           </a:p>
           <a:p>
             <a:pPr lvl="1"/>
             <a:r>
-              <a:rPr lang="en-US" altLang="zh-CN" smtClean="0"/>
+              <a:rPr lang="en-US" altLang="zh-CN"/>
               <a:t>Second level</a:t>
             </a:r>
           </a:p>
           <a:p>
             <a:pPr lvl="2"/>
             <a:r>
-              <a:rPr lang="en-US" altLang="zh-CN" smtClean="0"/>
+              <a:rPr lang="en-US" altLang="zh-CN"/>
               <a:t>Third level</a:t>
             </a:r>
           </a:p>
           <a:p>
             <a:pPr lvl="3"/>
             <a:r>
-              <a:rPr lang="en-US" altLang="zh-CN" smtClean="0"/>
+              <a:rPr lang="en-US" altLang="zh-CN"/>
               <a:t>Fourth level</a:t>
             </a:r>
           </a:p>
           <a:p>
             <a:pPr lvl="4"/>
             <a:r>
-              <a:rPr lang="en-US" altLang="zh-CN" smtClean="0"/>
+              <a:rPr lang="en-US" altLang="zh-CN"/>
               <a:t>Fifth level</a:t>
             </a:r>
             <a:endParaRPr lang="zh-CN" altLang="en-US"/>
@@ -4045,7 +8853,7 @@
           <a:p>
             <a:fld id="{F3F810AC-7717-49D1-A49A-7720E43A1679}" type="datetimeFigureOut">
               <a:rPr lang="zh-CN" altLang="en-US" smtClean="0"/>
-              <a:t>2018/6/15</a:t>
+              <a:t>2018/6/16</a:t>
             </a:fld>
             <a:endParaRPr lang="zh-CN" altLang="en-US"/>
           </a:p>
@@ -4148,7 +8956,7 @@
           </a:lstStyle>
           <a:p>
             <a:r>
-              <a:rPr lang="en-US" altLang="zh-CN" smtClean="0"/>
+              <a:rPr lang="en-US" altLang="zh-CN"/>
               <a:t>Click to edit Master title style</a:t>
             </a:r>
             <a:endParaRPr lang="zh-CN" altLang="en-US"/>
@@ -4268,7 +9076,7 @@
           <a:p>
             <a:pPr lvl="0"/>
             <a:r>
-              <a:rPr lang="en-US" altLang="zh-CN" smtClean="0"/>
+              <a:rPr lang="en-US" altLang="zh-CN"/>
               <a:t>Click to edit Master text styles</a:t>
             </a:r>
           </a:p>
@@ -4291,7 +9099,7 @@
           <a:p>
             <a:fld id="{F3F810AC-7717-49D1-A49A-7720E43A1679}" type="datetimeFigureOut">
               <a:rPr lang="zh-CN" altLang="en-US" smtClean="0"/>
-              <a:t>2018/6/15</a:t>
+              <a:t>2018/6/16</a:t>
             </a:fld>
             <a:endParaRPr lang="zh-CN" altLang="en-US"/>
           </a:p>
@@ -4385,7 +9193,7 @@
           <a:lstStyle/>
           <a:p>
             <a:r>
-              <a:rPr lang="en-US" altLang="zh-CN" smtClean="0"/>
+              <a:rPr lang="en-US" altLang="zh-CN"/>
               <a:t>Click to edit Master title style</a:t>
             </a:r>
             <a:endParaRPr lang="zh-CN" altLang="en-US"/>
@@ -4442,35 +9250,35 @@
           <a:p>
             <a:pPr lvl="0"/>
             <a:r>
-              <a:rPr lang="en-US" altLang="zh-CN" smtClean="0"/>
+              <a:rPr lang="en-US" altLang="zh-CN"/>
               <a:t>Click to edit Master text styles</a:t>
             </a:r>
           </a:p>
           <a:p>
             <a:pPr lvl="1"/>
             <a:r>
-              <a:rPr lang="en-US" altLang="zh-CN" smtClean="0"/>
+              <a:rPr lang="en-US" altLang="zh-CN"/>
               <a:t>Second level</a:t>
             </a:r>
           </a:p>
           <a:p>
             <a:pPr lvl="2"/>
             <a:r>
-              <a:rPr lang="en-US" altLang="zh-CN" smtClean="0"/>
+              <a:rPr lang="en-US" altLang="zh-CN"/>
               <a:t>Third level</a:t>
             </a:r>
           </a:p>
           <a:p>
             <a:pPr lvl="3"/>
             <a:r>
-              <a:rPr lang="en-US" altLang="zh-CN" smtClean="0"/>
+              <a:rPr lang="en-US" altLang="zh-CN"/>
               <a:t>Fourth level</a:t>
             </a:r>
           </a:p>
           <a:p>
             <a:pPr lvl="4"/>
             <a:r>
-              <a:rPr lang="en-US" altLang="zh-CN" smtClean="0"/>
+              <a:rPr lang="en-US" altLang="zh-CN"/>
               <a:t>Fifth level</a:t>
             </a:r>
             <a:endParaRPr lang="zh-CN" altLang="en-US"/>
@@ -4527,35 +9335,35 @@
           <a:p>
             <a:pPr lvl="0"/>
             <a:r>
-              <a:rPr lang="en-US" altLang="zh-CN" smtClean="0"/>
+              <a:rPr lang="en-US" altLang="zh-CN"/>
               <a:t>Click to edit Master text styles</a:t>
             </a:r>
           </a:p>
           <a:p>
             <a:pPr lvl="1"/>
             <a:r>
-              <a:rPr lang="en-US" altLang="zh-CN" smtClean="0"/>
+              <a:rPr lang="en-US" altLang="zh-CN"/>
               <a:t>Second level</a:t>
             </a:r>
           </a:p>
           <a:p>
             <a:pPr lvl="2"/>
             <a:r>
-              <a:rPr lang="en-US" altLang="zh-CN" smtClean="0"/>
+              <a:rPr lang="en-US" altLang="zh-CN"/>
               <a:t>Third level</a:t>
             </a:r>
           </a:p>
           <a:p>
             <a:pPr lvl="3"/>
             <a:r>
-              <a:rPr lang="en-US" altLang="zh-CN" smtClean="0"/>
+              <a:rPr lang="en-US" altLang="zh-CN"/>
               <a:t>Fourth level</a:t>
             </a:r>
           </a:p>
           <a:p>
             <a:pPr lvl="4"/>
             <a:r>
-              <a:rPr lang="en-US" altLang="zh-CN" smtClean="0"/>
+              <a:rPr lang="en-US" altLang="zh-CN"/>
               <a:t>Fifth level</a:t>
             </a:r>
             <a:endParaRPr lang="zh-CN" altLang="en-US"/>
@@ -4579,7 +9387,7 @@
           <a:p>
             <a:fld id="{F3F810AC-7717-49D1-A49A-7720E43A1679}" type="datetimeFigureOut">
               <a:rPr lang="zh-CN" altLang="en-US" smtClean="0"/>
-              <a:t>2018/6/15</a:t>
+              <a:t>2018/6/16</a:t>
             </a:fld>
             <a:endParaRPr lang="zh-CN" altLang="en-US"/>
           </a:p>
@@ -4677,7 +9485,7 @@
           </a:lstStyle>
           <a:p>
             <a:r>
-              <a:rPr lang="en-US" altLang="zh-CN" smtClean="0"/>
+              <a:rPr lang="en-US" altLang="zh-CN"/>
               <a:t>Click to edit Master title style</a:t>
             </a:r>
             <a:endParaRPr lang="zh-CN" altLang="en-US"/>
@@ -4743,7 +9551,7 @@
           <a:p>
             <a:pPr lvl="0"/>
             <a:r>
-              <a:rPr lang="en-US" altLang="zh-CN" smtClean="0"/>
+              <a:rPr lang="en-US" altLang="zh-CN"/>
               <a:t>Click to edit Master text styles</a:t>
             </a:r>
           </a:p>
@@ -4799,35 +9607,35 @@
           <a:p>
             <a:pPr lvl="0"/>
             <a:r>
-              <a:rPr lang="en-US" altLang="zh-CN" smtClean="0"/>
+              <a:rPr lang="en-US" altLang="zh-CN"/>
               <a:t>Click to edit Master text styles</a:t>
             </a:r>
           </a:p>
           <a:p>
             <a:pPr lvl="1"/>
             <a:r>
-              <a:rPr lang="en-US" altLang="zh-CN" smtClean="0"/>
+              <a:rPr lang="en-US" altLang="zh-CN"/>
               <a:t>Second level</a:t>
             </a:r>
           </a:p>
           <a:p>
             <a:pPr lvl="2"/>
             <a:r>
-              <a:rPr lang="en-US" altLang="zh-CN" smtClean="0"/>
+              <a:rPr lang="en-US" altLang="zh-CN"/>
               <a:t>Third level</a:t>
             </a:r>
           </a:p>
           <a:p>
             <a:pPr lvl="3"/>
             <a:r>
-              <a:rPr lang="en-US" altLang="zh-CN" smtClean="0"/>
+              <a:rPr lang="en-US" altLang="zh-CN"/>
               <a:t>Fourth level</a:t>
             </a:r>
           </a:p>
           <a:p>
             <a:pPr lvl="4"/>
             <a:r>
-              <a:rPr lang="en-US" altLang="zh-CN" smtClean="0"/>
+              <a:rPr lang="en-US" altLang="zh-CN"/>
               <a:t>Fifth level</a:t>
             </a:r>
             <a:endParaRPr lang="zh-CN" altLang="en-US"/>
@@ -4893,7 +9701,7 @@
           <a:p>
             <a:pPr lvl="0"/>
             <a:r>
-              <a:rPr lang="en-US" altLang="zh-CN" smtClean="0"/>
+              <a:rPr lang="en-US" altLang="zh-CN"/>
               <a:t>Click to edit Master text styles</a:t>
             </a:r>
           </a:p>
@@ -4949,35 +9757,35 @@
           <a:p>
             <a:pPr lvl="0"/>
             <a:r>
-              <a:rPr lang="en-US" altLang="zh-CN" smtClean="0"/>
+              <a:rPr lang="en-US" altLang="zh-CN"/>
               <a:t>Click to edit Master text styles</a:t>
             </a:r>
           </a:p>
           <a:p>
             <a:pPr lvl="1"/>
             <a:r>
-              <a:rPr lang="en-US" altLang="zh-CN" smtClean="0"/>
+              <a:rPr lang="en-US" altLang="zh-CN"/>
               <a:t>Second level</a:t>
             </a:r>
           </a:p>
           <a:p>
             <a:pPr lvl="2"/>
             <a:r>
-              <a:rPr lang="en-US" altLang="zh-CN" smtClean="0"/>
+              <a:rPr lang="en-US" altLang="zh-CN"/>
               <a:t>Third level</a:t>
             </a:r>
           </a:p>
           <a:p>
             <a:pPr lvl="3"/>
             <a:r>
-              <a:rPr lang="en-US" altLang="zh-CN" smtClean="0"/>
+              <a:rPr lang="en-US" altLang="zh-CN"/>
               <a:t>Fourth level</a:t>
             </a:r>
           </a:p>
           <a:p>
             <a:pPr lvl="4"/>
             <a:r>
-              <a:rPr lang="en-US" altLang="zh-CN" smtClean="0"/>
+              <a:rPr lang="en-US" altLang="zh-CN"/>
               <a:t>Fifth level</a:t>
             </a:r>
             <a:endParaRPr lang="zh-CN" altLang="en-US"/>
@@ -5001,7 +9809,7 @@
           <a:p>
             <a:fld id="{F3F810AC-7717-49D1-A49A-7720E43A1679}" type="datetimeFigureOut">
               <a:rPr lang="zh-CN" altLang="en-US" smtClean="0"/>
-              <a:t>2018/6/15</a:t>
+              <a:t>2018/6/16</a:t>
             </a:fld>
             <a:endParaRPr lang="zh-CN" altLang="en-US"/>
           </a:p>
@@ -5095,7 +9903,7 @@
           <a:lstStyle/>
           <a:p>
             <a:r>
-              <a:rPr lang="en-US" altLang="zh-CN" smtClean="0"/>
+              <a:rPr lang="en-US" altLang="zh-CN"/>
               <a:t>Click to edit Master title style</a:t>
             </a:r>
             <a:endParaRPr lang="zh-CN" altLang="en-US"/>
@@ -5119,7 +9927,7 @@
           <a:p>
             <a:fld id="{F3F810AC-7717-49D1-A49A-7720E43A1679}" type="datetimeFigureOut">
               <a:rPr lang="zh-CN" altLang="en-US" smtClean="0"/>
-              <a:t>2018/6/15</a:t>
+              <a:t>2018/6/16</a:t>
             </a:fld>
             <a:endParaRPr lang="zh-CN" altLang="en-US"/>
           </a:p>
@@ -5214,7 +10022,7 @@
           <a:p>
             <a:fld id="{F3F810AC-7717-49D1-A49A-7720E43A1679}" type="datetimeFigureOut">
               <a:rPr lang="zh-CN" altLang="en-US" smtClean="0"/>
-              <a:t>2018/6/15</a:t>
+              <a:t>2018/6/16</a:t>
             </a:fld>
             <a:endParaRPr lang="zh-CN" altLang="en-US"/>
           </a:p>
@@ -5317,7 +10125,7 @@
           </a:lstStyle>
           <a:p>
             <a:r>
-              <a:rPr lang="en-US" altLang="zh-CN" smtClean="0"/>
+              <a:rPr lang="en-US" altLang="zh-CN"/>
               <a:t>Click to edit Master title style</a:t>
             </a:r>
             <a:endParaRPr lang="zh-CN" altLang="en-US"/>
@@ -5374,35 +10182,35 @@
           <a:p>
             <a:pPr lvl="0"/>
             <a:r>
-              <a:rPr lang="en-US" altLang="zh-CN" smtClean="0"/>
+              <a:rPr lang="en-US" altLang="zh-CN"/>
               <a:t>Click to edit Master text styles</a:t>
             </a:r>
           </a:p>
           <a:p>
             <a:pPr lvl="1"/>
             <a:r>
-              <a:rPr lang="en-US" altLang="zh-CN" smtClean="0"/>
+              <a:rPr lang="en-US" altLang="zh-CN"/>
               <a:t>Second level</a:t>
             </a:r>
           </a:p>
           <a:p>
             <a:pPr lvl="2"/>
             <a:r>
-              <a:rPr lang="en-US" altLang="zh-CN" smtClean="0"/>
+              <a:rPr lang="en-US" altLang="zh-CN"/>
               <a:t>Third level</a:t>
             </a:r>
           </a:p>
           <a:p>
             <a:pPr lvl="3"/>
             <a:r>
-              <a:rPr lang="en-US" altLang="zh-CN" smtClean="0"/>
+              <a:rPr lang="en-US" altLang="zh-CN"/>
               <a:t>Fourth level</a:t>
             </a:r>
           </a:p>
           <a:p>
             <a:pPr lvl="4"/>
             <a:r>
-              <a:rPr lang="en-US" altLang="zh-CN" smtClean="0"/>
+              <a:rPr lang="en-US" altLang="zh-CN"/>
               <a:t>Fifth level</a:t>
             </a:r>
             <a:endParaRPr lang="zh-CN" altLang="en-US"/>
@@ -5468,7 +10276,7 @@
           <a:p>
             <a:pPr lvl="0"/>
             <a:r>
-              <a:rPr lang="en-US" altLang="zh-CN" smtClean="0"/>
+              <a:rPr lang="en-US" altLang="zh-CN"/>
               <a:t>Click to edit Master text styles</a:t>
             </a:r>
           </a:p>
@@ -5491,7 +10299,7 @@
           <a:p>
             <a:fld id="{F3F810AC-7717-49D1-A49A-7720E43A1679}" type="datetimeFigureOut">
               <a:rPr lang="zh-CN" altLang="en-US" smtClean="0"/>
-              <a:t>2018/6/15</a:t>
+              <a:t>2018/6/16</a:t>
             </a:fld>
             <a:endParaRPr lang="zh-CN" altLang="en-US"/>
           </a:p>
@@ -5594,7 +10402,7 @@
           </a:lstStyle>
           <a:p>
             <a:r>
-              <a:rPr lang="en-US" altLang="zh-CN" smtClean="0"/>
+              <a:rPr lang="en-US" altLang="zh-CN"/>
               <a:t>Click to edit Master title style</a:t>
             </a:r>
             <a:endParaRPr lang="zh-CN" altLang="en-US"/>
@@ -5721,7 +10529,7 @@
           <a:p>
             <a:pPr lvl="0"/>
             <a:r>
-              <a:rPr lang="en-US" altLang="zh-CN" smtClean="0"/>
+              <a:rPr lang="en-US" altLang="zh-CN"/>
               <a:t>Click to edit Master text styles</a:t>
             </a:r>
           </a:p>
@@ -5744,7 +10552,7 @@
           <a:p>
             <a:fld id="{F3F810AC-7717-49D1-A49A-7720E43A1679}" type="datetimeFigureOut">
               <a:rPr lang="zh-CN" altLang="en-US" smtClean="0"/>
-              <a:t>2018/6/15</a:t>
+              <a:t>2018/6/16</a:t>
             </a:fld>
             <a:endParaRPr lang="zh-CN" altLang="en-US"/>
           </a:p>
@@ -5853,7 +10661,7 @@
           <a:lstStyle/>
           <a:p>
             <a:r>
-              <a:rPr lang="en-US" altLang="zh-CN" smtClean="0"/>
+              <a:rPr lang="en-US" altLang="zh-CN"/>
               <a:t>Click to edit Master title style</a:t>
             </a:r>
             <a:endParaRPr lang="zh-CN" altLang="en-US"/>
@@ -5887,35 +10695,35 @@
           <a:p>
             <a:pPr lvl="0"/>
             <a:r>
-              <a:rPr lang="en-US" altLang="zh-CN" smtClean="0"/>
+              <a:rPr lang="en-US" altLang="zh-CN"/>
               <a:t>Click to edit Master text styles</a:t>
             </a:r>
           </a:p>
           <a:p>
             <a:pPr lvl="1"/>
             <a:r>
-              <a:rPr lang="en-US" altLang="zh-CN" smtClean="0"/>
+              <a:rPr lang="en-US" altLang="zh-CN"/>
               <a:t>Second level</a:t>
             </a:r>
           </a:p>
           <a:p>
             <a:pPr lvl="2"/>
             <a:r>
-              <a:rPr lang="en-US" altLang="zh-CN" smtClean="0"/>
+              <a:rPr lang="en-US" altLang="zh-CN"/>
               <a:t>Third level</a:t>
             </a:r>
           </a:p>
           <a:p>
             <a:pPr lvl="3"/>
             <a:r>
-              <a:rPr lang="en-US" altLang="zh-CN" smtClean="0"/>
+              <a:rPr lang="en-US" altLang="zh-CN"/>
               <a:t>Fourth level</a:t>
             </a:r>
           </a:p>
           <a:p>
             <a:pPr lvl="4"/>
             <a:r>
-              <a:rPr lang="en-US" altLang="zh-CN" smtClean="0"/>
+              <a:rPr lang="en-US" altLang="zh-CN"/>
               <a:t>Fifth level</a:t>
             </a:r>
             <a:endParaRPr lang="zh-CN" altLang="en-US"/>
@@ -5957,7 +10765,7 @@
           <a:p>
             <a:fld id="{F3F810AC-7717-49D1-A49A-7720E43A1679}" type="datetimeFigureOut">
               <a:rPr lang="zh-CN" altLang="en-US" smtClean="0"/>
-              <a:t>2018/6/15</a:t>
+              <a:t>2018/6/16</a:t>
             </a:fld>
             <a:endParaRPr lang="zh-CN" altLang="en-US"/>
           </a:p>
@@ -6380,13 +11188,6 @@
   <p:clrMapOvr>
     <a:masterClrMapping/>
   </p:clrMapOvr>
-  <p:timing>
-    <p:tnLst>
-      <p:par>
-        <p:cTn id="1" dur="indefinite" restart="never" nodeType="tmRoot"/>
-      </p:par>
-    </p:tnLst>
-  </p:timing>
 </p:sld>
 </file>
 
@@ -6439,13 +11240,64 @@
   <p:clrMapOvr>
     <a:masterClrMapping/>
   </p:clrMapOvr>
-  <p:timing>
-    <p:tnLst>
-      <p:par>
-        <p:cTn id="1" dur="indefinite" restart="never" nodeType="tmRoot"/>
-      </p:par>
-    </p:tnLst>
-  </p:timing>
+</p:sld>
+</file>
+
+<file path=ppt/slides/slide3.xml><?xml version="1.0" encoding="utf-8"?>
+<p:sld xmlns:a="http://schemas.openxmlformats.org/drawingml/2006/main" xmlns:r="http://schemas.openxmlformats.org/officeDocument/2006/relationships" xmlns:p="http://schemas.openxmlformats.org/presentationml/2006/main">
+  <p:cSld>
+    <p:spTree>
+      <p:nvGrpSpPr>
+        <p:cNvPr id="1" name=""/>
+        <p:cNvGrpSpPr/>
+        <p:nvPr/>
+      </p:nvGrpSpPr>
+      <p:grpSpPr>
+        <a:xfrm>
+          <a:off x="0" y="0"/>
+          <a:ext cx="0" cy="0"/>
+          <a:chOff x="0" y="0"/>
+          <a:chExt cx="0" cy="0"/>
+        </a:xfrm>
+      </p:grpSpPr>
+      <p:graphicFrame>
+        <p:nvGraphicFramePr>
+          <p:cNvPr id="4" name="图示 3">
+            <a:extLst>
+              <a:ext uri="{FF2B5EF4-FFF2-40B4-BE49-F238E27FC236}">
+                <a16:creationId xmlns:a16="http://schemas.microsoft.com/office/drawing/2014/main" id="{18E90D32-B5C6-42C8-A0E4-6E03AA3B9DF8}"/>
+              </a:ext>
+            </a:extLst>
+          </p:cNvPr>
+          <p:cNvGraphicFramePr/>
+          <p:nvPr>
+            <p:extLst>
+              <p:ext uri="{D42A27DB-BD31-4B8C-83A1-F6EECF244321}">
+                <p14:modId xmlns:p14="http://schemas.microsoft.com/office/powerpoint/2010/main" val="3172735153"/>
+              </p:ext>
+            </p:extLst>
+          </p:nvPr>
+        </p:nvGraphicFramePr>
+        <p:xfrm>
+          <a:off x="1524000" y="404664"/>
+          <a:ext cx="6648400" cy="6192688"/>
+        </p:xfrm>
+        <a:graphic>
+          <a:graphicData uri="http://schemas.openxmlformats.org/drawingml/2006/diagram">
+            <dgm:relIds xmlns:dgm="http://schemas.openxmlformats.org/drawingml/2006/diagram" xmlns:r="http://schemas.openxmlformats.org/officeDocument/2006/relationships" r:dm="rId2" r:lo="rId3" r:qs="rId4" r:cs="rId5"/>
+          </a:graphicData>
+        </a:graphic>
+      </p:graphicFrame>
+    </p:spTree>
+    <p:extLst>
+      <p:ext uri="{BB962C8B-B14F-4D97-AF65-F5344CB8AC3E}">
+        <p14:creationId xmlns:p14="http://schemas.microsoft.com/office/powerpoint/2010/main" val="2124371879"/>
+      </p:ext>
+    </p:extLst>
+  </p:cSld>
+  <p:clrMapOvr>
+    <a:masterClrMapping/>
+  </p:clrMapOvr>
 </p:sld>
 </file>
 
